--- a/simd_presentation.pptx
+++ b/simd_presentation.pptx
@@ -5,7 +5,7 @@
     <p:sldMasterId id="2147483660" r:id="rId1"/>
   </p:sldMasterIdLst>
   <p:notesMasterIdLst>
-    <p:notesMasterId r:id="rId52"/>
+    <p:notesMasterId r:id="rId70"/>
   </p:notesMasterIdLst>
   <p:sldIdLst>
     <p:sldId id="258" r:id="rId2"/>
@@ -58,6 +58,24 @@
     <p:sldId id="309" r:id="rId49"/>
     <p:sldId id="310" r:id="rId50"/>
     <p:sldId id="311" r:id="rId51"/>
+    <p:sldId id="312" r:id="rId52"/>
+    <p:sldId id="313" r:id="rId53"/>
+    <p:sldId id="329" r:id="rId54"/>
+    <p:sldId id="317" r:id="rId55"/>
+    <p:sldId id="314" r:id="rId56"/>
+    <p:sldId id="318" r:id="rId57"/>
+    <p:sldId id="319" r:id="rId58"/>
+    <p:sldId id="323" r:id="rId59"/>
+    <p:sldId id="322" r:id="rId60"/>
+    <p:sldId id="321" r:id="rId61"/>
+    <p:sldId id="320" r:id="rId62"/>
+    <p:sldId id="324" r:id="rId63"/>
+    <p:sldId id="325" r:id="rId64"/>
+    <p:sldId id="326" r:id="rId65"/>
+    <p:sldId id="327" r:id="rId66"/>
+    <p:sldId id="328" r:id="rId67"/>
+    <p:sldId id="315" r:id="rId68"/>
+    <p:sldId id="316" r:id="rId69"/>
   </p:sldIdLst>
   <p:sldSz cx="9144000" cy="6858000" type="screen4x3"/>
   <p:notesSz cx="6858000" cy="9144000"/>
@@ -507,6 +525,90 @@
     </a:lvl9pPr>
   </p:notesStyle>
 </p:notesMaster>
+</file>
+
+<file path=ppt/notesSlides/notesSlide1.xml><?xml version="1.0" encoding="utf-8"?>
+<p:notes xmlns:a="http://schemas.openxmlformats.org/drawingml/2006/main" xmlns:r="http://schemas.openxmlformats.org/officeDocument/2006/relationships" xmlns:p="http://schemas.openxmlformats.org/presentationml/2006/main">
+  <p:cSld>
+    <p:spTree>
+      <p:nvGrpSpPr>
+        <p:cNvPr id="1" name=""/>
+        <p:cNvGrpSpPr/>
+        <p:nvPr/>
+      </p:nvGrpSpPr>
+      <p:grpSpPr>
+        <a:xfrm>
+          <a:off x="0" y="0"/>
+          <a:ext cx="0" cy="0"/>
+          <a:chOff x="0" y="0"/>
+          <a:chExt cx="0" cy="0"/>
+        </a:xfrm>
+      </p:grpSpPr>
+      <p:sp>
+        <p:nvSpPr>
+          <p:cNvPr id="2" name="Образ слайда 1"/>
+          <p:cNvSpPr>
+            <a:spLocks noGrp="1" noRot="1" noChangeAspect="1"/>
+          </p:cNvSpPr>
+          <p:nvPr>
+            <p:ph type="sldImg"/>
+          </p:nvPr>
+        </p:nvSpPr>
+        <p:spPr/>
+      </p:sp>
+      <p:sp>
+        <p:nvSpPr>
+          <p:cNvPr id="3" name="Заметки 2"/>
+          <p:cNvSpPr>
+            <a:spLocks noGrp="1"/>
+          </p:cNvSpPr>
+          <p:nvPr>
+            <p:ph type="body" idx="1"/>
+          </p:nvPr>
+        </p:nvSpPr>
+        <p:spPr/>
+        <p:txBody>
+          <a:bodyPr/>
+          <a:lstStyle/>
+          <a:p>
+            <a:endParaRPr lang="ru-RU" dirty="0"/>
+          </a:p>
+        </p:txBody>
+      </p:sp>
+      <p:sp>
+        <p:nvSpPr>
+          <p:cNvPr id="4" name="Номер слайда 3"/>
+          <p:cNvSpPr>
+            <a:spLocks noGrp="1"/>
+          </p:cNvSpPr>
+          <p:nvPr>
+            <p:ph type="sldNum" sz="quarter" idx="10"/>
+          </p:nvPr>
+        </p:nvSpPr>
+        <p:spPr/>
+        <p:txBody>
+          <a:bodyPr/>
+          <a:lstStyle/>
+          <a:p>
+            <a:fld id="{609CBFEB-905F-448E-B15E-DDD2E495DC74}" type="slidenum">
+              <a:rPr lang="ru-RU" smtClean="0"/>
+              <a:t>65</a:t>
+            </a:fld>
+            <a:endParaRPr lang="ru-RU"/>
+          </a:p>
+        </p:txBody>
+      </p:sp>
+    </p:spTree>
+    <p:extLst>
+      <p:ext uri="{BB962C8B-B14F-4D97-AF65-F5344CB8AC3E}">
+        <p14:creationId xmlns:p14="http://schemas.microsoft.com/office/powerpoint/2010/main" val="134733019"/>
+      </p:ext>
+    </p:extLst>
+  </p:cSld>
+  <p:clrMapOvr>
+    <a:masterClrMapping/>
+  </p:clrMapOvr>
+</p:notes>
 </file>
 
 <file path=ppt/slideLayouts/slideLayout1.xml><?xml version="1.0" encoding="utf-8"?>
@@ -4829,6 +4931,38 @@
           </a:p>
         </p:txBody>
       </p:sp>
+      <p:sp>
+        <p:nvSpPr>
+          <p:cNvPr id="4" name="TextBox 3"/>
+          <p:cNvSpPr txBox="1"/>
+          <p:nvPr/>
+        </p:nvSpPr>
+        <p:spPr>
+          <a:xfrm>
+            <a:off x="323528" y="6174596"/>
+            <a:ext cx="5616624" cy="369332"/>
+          </a:xfrm>
+          <a:prstGeom prst="rect">
+            <a:avLst/>
+          </a:prstGeom>
+          <a:noFill/>
+        </p:spPr>
+        <p:txBody>
+          <a:bodyPr wrap="square" rtlCol="0">
+            <a:spAutoFit/>
+          </a:bodyPr>
+          <a:lstStyle/>
+          <a:p>
+            <a:r>
+              <a:rPr lang="ru-RU" dirty="0" smtClean="0">
+                <a:hlinkClick r:id="rId2" action="ppaction://hlinksldjump"/>
+              </a:rPr>
+              <a:t>Нет времени объяснять, пошли смотреть примеры</a:t>
+            </a:r>
+            <a:endParaRPr lang="ru-RU" dirty="0"/>
+          </a:p>
+        </p:txBody>
+      </p:sp>
     </p:spTree>
     <p:extLst>
       <p:ext uri="{BB962C8B-B14F-4D97-AF65-F5344CB8AC3E}">
@@ -6903,15 +7037,7 @@
             <a:pPr lvl="1"/>
             <a:r>
               <a:rPr lang="ru-RU" dirty="0" smtClean="0"/>
-              <a:t>Чтобы </a:t>
-            </a:r>
-            <a:r>
-              <a:rPr lang="ru-RU" smtClean="0"/>
-              <a:t>остаток имел </a:t>
-            </a:r>
-            <a:r>
-              <a:rPr lang="ru-RU" dirty="0" smtClean="0"/>
-              <a:t>размер кратный размеру </a:t>
+              <a:t>Чтобы остаток имел размер кратный размеру </a:t>
             </a:r>
             <a:r>
               <a:rPr lang="en-US" dirty="0" smtClean="0"/>
@@ -15874,6 +16000,1534 @@
 </p:sld>
 </file>
 
+<file path=ppt/slides/slide51.xml><?xml version="1.0" encoding="utf-8"?>
+<p:sld xmlns:a="http://schemas.openxmlformats.org/drawingml/2006/main" xmlns:r="http://schemas.openxmlformats.org/officeDocument/2006/relationships" xmlns:p="http://schemas.openxmlformats.org/presentationml/2006/main">
+  <p:cSld>
+    <p:spTree>
+      <p:nvGrpSpPr>
+        <p:cNvPr id="1" name=""/>
+        <p:cNvGrpSpPr/>
+        <p:nvPr/>
+      </p:nvGrpSpPr>
+      <p:grpSpPr>
+        <a:xfrm>
+          <a:off x="0" y="0"/>
+          <a:ext cx="0" cy="0"/>
+          <a:chOff x="0" y="0"/>
+          <a:chExt cx="0" cy="0"/>
+        </a:xfrm>
+      </p:grpSpPr>
+      <p:sp>
+        <p:nvSpPr>
+          <p:cNvPr id="2" name="Заголовок 1"/>
+          <p:cNvSpPr>
+            <a:spLocks noGrp="1"/>
+          </p:cNvSpPr>
+          <p:nvPr>
+            <p:ph type="ctrTitle"/>
+          </p:nvPr>
+        </p:nvSpPr>
+        <p:spPr/>
+        <p:txBody>
+          <a:bodyPr/>
+          <a:lstStyle/>
+          <a:p>
+            <a:r>
+              <a:rPr lang="ru-RU" sz="4000" dirty="0" smtClean="0"/>
+              <a:t>Пример 2</a:t>
+            </a:r>
+            <a:r>
+              <a:rPr lang="en-US" sz="4000" dirty="0" smtClean="0"/>
+              <a:t>:</a:t>
+            </a:r>
+            <a:r>
+              <a:rPr lang="ru-RU" sz="4000" dirty="0" smtClean="0"/>
+              <a:t> </a:t>
+            </a:r>
+            <a:r>
+              <a:rPr lang="en-US" sz="4000" dirty="0" smtClean="0"/>
+              <a:t/>
+            </a:r>
+            <a:br>
+              <a:rPr lang="en-US" sz="4000" dirty="0" smtClean="0"/>
+            </a:br>
+            <a:r>
+              <a:rPr lang="ru-RU" sz="3600" dirty="0" smtClean="0"/>
+              <a:t>Количество чисел из отрезка</a:t>
+            </a:r>
+            <a:endParaRPr lang="ru-RU" sz="4000" dirty="0"/>
+          </a:p>
+        </p:txBody>
+      </p:sp>
+    </p:spTree>
+    <p:extLst>
+      <p:ext uri="{BB962C8B-B14F-4D97-AF65-F5344CB8AC3E}">
+        <p14:creationId xmlns:p14="http://schemas.microsoft.com/office/powerpoint/2010/main" val="1320028227"/>
+      </p:ext>
+    </p:extLst>
+  </p:cSld>
+  <p:clrMapOvr>
+    <a:masterClrMapping/>
+  </p:clrMapOvr>
+  <mc:AlternateContent xmlns:mc="http://schemas.openxmlformats.org/markup-compatibility/2006" xmlns:p14="http://schemas.microsoft.com/office/powerpoint/2010/main">
+    <mc:Choice Requires="p14">
+      <p:transition p14:dur="10"/>
+    </mc:Choice>
+    <mc:Fallback xmlns="">
+      <p:transition/>
+    </mc:Fallback>
+  </mc:AlternateContent>
+  <p:timing>
+    <p:tnLst>
+      <p:par>
+        <p:cTn id="1" dur="indefinite" restart="never" nodeType="tmRoot"/>
+      </p:par>
+    </p:tnLst>
+  </p:timing>
+</p:sld>
+</file>
+
+<file path=ppt/slides/slide52.xml><?xml version="1.0" encoding="utf-8"?>
+<p:sld xmlns:a="http://schemas.openxmlformats.org/drawingml/2006/main" xmlns:r="http://schemas.openxmlformats.org/officeDocument/2006/relationships" xmlns:p="http://schemas.openxmlformats.org/presentationml/2006/main">
+  <p:cSld>
+    <p:spTree>
+      <p:nvGrpSpPr>
+        <p:cNvPr id="1" name=""/>
+        <p:cNvGrpSpPr/>
+        <p:nvPr/>
+      </p:nvGrpSpPr>
+      <p:grpSpPr>
+        <a:xfrm>
+          <a:off x="0" y="0"/>
+          <a:ext cx="0" cy="0"/>
+          <a:chOff x="0" y="0"/>
+          <a:chExt cx="0" cy="0"/>
+        </a:xfrm>
+      </p:grpSpPr>
+      <p:sp>
+        <p:nvSpPr>
+          <p:cNvPr id="2" name="Заголовок 1"/>
+          <p:cNvSpPr>
+            <a:spLocks noGrp="1"/>
+          </p:cNvSpPr>
+          <p:nvPr>
+            <p:ph type="title"/>
+          </p:nvPr>
+        </p:nvSpPr>
+        <p:spPr/>
+        <p:txBody>
+          <a:bodyPr/>
+          <a:lstStyle/>
+          <a:p>
+            <a:r>
+              <a:rPr lang="ru-RU" dirty="0" smtClean="0"/>
+              <a:t>Задача</a:t>
+            </a:r>
+            <a:endParaRPr lang="ru-RU" dirty="0"/>
+          </a:p>
+        </p:txBody>
+      </p:sp>
+      <p:sp>
+        <p:nvSpPr>
+          <p:cNvPr id="3" name="Объект 2"/>
+          <p:cNvSpPr>
+            <a:spLocks noGrp="1"/>
+          </p:cNvSpPr>
+          <p:nvPr>
+            <p:ph idx="1"/>
+          </p:nvPr>
+        </p:nvSpPr>
+        <p:spPr/>
+        <p:txBody>
+          <a:bodyPr/>
+          <a:lstStyle/>
+          <a:p>
+            <a:r>
+              <a:rPr lang="ru-RU" dirty="0" smtClean="0"/>
+              <a:t>Дан массив из </a:t>
+            </a:r>
+            <a:r>
+              <a:rPr lang="en-US" dirty="0" smtClean="0"/>
+              <a:t>100</a:t>
+            </a:r>
+            <a:r>
+              <a:rPr lang="ru-RU" dirty="0" smtClean="0"/>
+              <a:t> миллионов чисел типа </a:t>
+            </a:r>
+            <a:r>
+              <a:rPr lang="en-US" dirty="0" err="1" smtClean="0">
+                <a:solidFill>
+                  <a:srgbClr val="0000FF"/>
+                </a:solidFill>
+                <a:latin typeface="Consolas"/>
+              </a:rPr>
+              <a:t>int</a:t>
+            </a:r>
+            <a:endParaRPr lang="ru-RU" dirty="0" smtClean="0"/>
+          </a:p>
+          <a:p>
+            <a:r>
+              <a:rPr lang="ru-RU" dirty="0" smtClean="0"/>
+              <a:t>Посчитать количество чисел лежащих в отрезке</a:t>
+            </a:r>
+            <a:r>
+              <a:rPr lang="en-US" dirty="0" smtClean="0"/>
+              <a:t> </a:t>
+            </a:r>
+            <a:r>
+              <a:rPr lang="en-US" dirty="0" err="1" smtClean="0">
+                <a:solidFill>
+                  <a:srgbClr val="000000"/>
+                </a:solidFill>
+                <a:latin typeface="Consolas"/>
+              </a:rPr>
+              <a:t>l..r</a:t>
+            </a:r>
+            <a:r>
+              <a:rPr lang="ru-RU" dirty="0" smtClean="0"/>
+              <a:t> </a:t>
+            </a:r>
+          </a:p>
+          <a:p>
+            <a:endParaRPr lang="ru-RU" dirty="0"/>
+          </a:p>
+          <a:p>
+            <a:r>
+              <a:rPr lang="ru-RU" dirty="0" smtClean="0"/>
+              <a:t>Данные хранятся в некотором массиве</a:t>
+            </a:r>
+            <a:r>
+              <a:rPr lang="en-US" dirty="0"/>
+              <a:t> </a:t>
+            </a:r>
+            <a:r>
+              <a:rPr lang="en-US" dirty="0" err="1" smtClean="0">
+                <a:solidFill>
+                  <a:srgbClr val="0000FF"/>
+                </a:solidFill>
+                <a:latin typeface="Consolas"/>
+              </a:rPr>
+              <a:t>int</a:t>
+            </a:r>
+            <a:r>
+              <a:rPr lang="en-US" dirty="0" smtClean="0">
+                <a:solidFill>
+                  <a:srgbClr val="000000"/>
+                </a:solidFill>
+                <a:latin typeface="Consolas"/>
+              </a:rPr>
+              <a:t>[]</a:t>
+            </a:r>
+            <a:r>
+              <a:rPr lang="en-US" dirty="0" smtClean="0">
+                <a:solidFill>
+                  <a:srgbClr val="0000FF"/>
+                </a:solidFill>
+                <a:latin typeface="Consolas"/>
+              </a:rPr>
+              <a:t> </a:t>
+            </a:r>
+            <a:r>
+              <a:rPr lang="en-US" dirty="0" smtClean="0">
+                <a:solidFill>
+                  <a:srgbClr val="000000"/>
+                </a:solidFill>
+                <a:latin typeface="Consolas"/>
+              </a:rPr>
+              <a:t>data</a:t>
+            </a:r>
+          </a:p>
+          <a:p>
+            <a:r>
+              <a:rPr lang="en-US" dirty="0" smtClean="0">
+                <a:solidFill>
+                  <a:srgbClr val="000000"/>
+                </a:solidFill>
+                <a:latin typeface="Consolas"/>
+              </a:rPr>
+              <a:t>l, r</a:t>
+            </a:r>
+            <a:r>
+              <a:rPr lang="ru-RU" dirty="0"/>
+              <a:t> </a:t>
+            </a:r>
+            <a:r>
+              <a:rPr lang="ru-RU" dirty="0" smtClean="0"/>
+              <a:t>заданы</a:t>
+            </a:r>
+            <a:endParaRPr lang="ru-RU" dirty="0"/>
+          </a:p>
+        </p:txBody>
+      </p:sp>
+    </p:spTree>
+    <p:extLst>
+      <p:ext uri="{BB962C8B-B14F-4D97-AF65-F5344CB8AC3E}">
+        <p14:creationId xmlns:p14="http://schemas.microsoft.com/office/powerpoint/2010/main" val="846464831"/>
+      </p:ext>
+    </p:extLst>
+  </p:cSld>
+  <p:clrMapOvr>
+    <a:masterClrMapping/>
+  </p:clrMapOvr>
+  <p:timing>
+    <p:tnLst>
+      <p:par>
+        <p:cTn id="1" dur="indefinite" restart="never" nodeType="tmRoot"/>
+      </p:par>
+    </p:tnLst>
+  </p:timing>
+</p:sld>
+</file>
+
+<file path=ppt/slides/slide53.xml><?xml version="1.0" encoding="utf-8"?>
+<p:sld xmlns:a="http://schemas.openxmlformats.org/drawingml/2006/main" xmlns:r="http://schemas.openxmlformats.org/officeDocument/2006/relationships" xmlns:p="http://schemas.openxmlformats.org/presentationml/2006/main">
+  <p:cSld>
+    <p:spTree>
+      <p:nvGrpSpPr>
+        <p:cNvPr id="1" name=""/>
+        <p:cNvGrpSpPr/>
+        <p:nvPr/>
+      </p:nvGrpSpPr>
+      <p:grpSpPr>
+        <a:xfrm>
+          <a:off x="0" y="0"/>
+          <a:ext cx="0" cy="0"/>
+          <a:chOff x="0" y="0"/>
+          <a:chExt cx="0" cy="0"/>
+        </a:xfrm>
+      </p:grpSpPr>
+      <p:sp>
+        <p:nvSpPr>
+          <p:cNvPr id="2" name="Заголовок 1"/>
+          <p:cNvSpPr>
+            <a:spLocks noGrp="1"/>
+          </p:cNvSpPr>
+          <p:nvPr>
+            <p:ph type="title"/>
+          </p:nvPr>
+        </p:nvSpPr>
+        <p:spPr/>
+        <p:txBody>
+          <a:bodyPr/>
+          <a:lstStyle/>
+          <a:p>
+            <a:r>
+              <a:rPr lang="en-US" dirty="0" smtClean="0"/>
+              <a:t>TODO</a:t>
+            </a:r>
+            <a:endParaRPr lang="ru-RU" dirty="0"/>
+          </a:p>
+        </p:txBody>
+      </p:sp>
+      <p:sp>
+        <p:nvSpPr>
+          <p:cNvPr id="3" name="Объект 2"/>
+          <p:cNvSpPr>
+            <a:spLocks noGrp="1"/>
+          </p:cNvSpPr>
+          <p:nvPr>
+            <p:ph idx="1"/>
+          </p:nvPr>
+        </p:nvSpPr>
+        <p:spPr/>
+        <p:txBody>
+          <a:bodyPr/>
+          <a:lstStyle/>
+          <a:p>
+            <a:endParaRPr lang="ru-RU" dirty="0"/>
+          </a:p>
+        </p:txBody>
+      </p:sp>
+    </p:spTree>
+    <p:extLst>
+      <p:ext uri="{BB962C8B-B14F-4D97-AF65-F5344CB8AC3E}">
+        <p14:creationId xmlns:p14="http://schemas.microsoft.com/office/powerpoint/2010/main" val="786498710"/>
+      </p:ext>
+    </p:extLst>
+  </p:cSld>
+  <p:clrMapOvr>
+    <a:masterClrMapping/>
+  </p:clrMapOvr>
+  <p:timing>
+    <p:tnLst>
+      <p:par>
+        <p:cTn id="1" dur="indefinite" restart="never" nodeType="tmRoot"/>
+      </p:par>
+    </p:tnLst>
+  </p:timing>
+</p:sld>
+</file>
+
+<file path=ppt/slides/slide54.xml><?xml version="1.0" encoding="utf-8"?>
+<p:sld xmlns:a="http://schemas.openxmlformats.org/drawingml/2006/main" xmlns:r="http://schemas.openxmlformats.org/officeDocument/2006/relationships" xmlns:p="http://schemas.openxmlformats.org/presentationml/2006/main">
+  <p:cSld>
+    <p:spTree>
+      <p:nvGrpSpPr>
+        <p:cNvPr id="1" name=""/>
+        <p:cNvGrpSpPr/>
+        <p:nvPr/>
+      </p:nvGrpSpPr>
+      <p:grpSpPr>
+        <a:xfrm>
+          <a:off x="0" y="0"/>
+          <a:ext cx="0" cy="0"/>
+          <a:chOff x="0" y="0"/>
+          <a:chExt cx="0" cy="0"/>
+        </a:xfrm>
+      </p:grpSpPr>
+      <p:sp>
+        <p:nvSpPr>
+          <p:cNvPr id="2" name="Заголовок 1"/>
+          <p:cNvSpPr>
+            <a:spLocks noGrp="1"/>
+          </p:cNvSpPr>
+          <p:nvPr>
+            <p:ph type="ctrTitle"/>
+          </p:nvPr>
+        </p:nvSpPr>
+        <p:spPr/>
+        <p:txBody>
+          <a:bodyPr/>
+          <a:lstStyle/>
+          <a:p>
+            <a:r>
+              <a:rPr lang="ru-RU" sz="4000" dirty="0" smtClean="0"/>
+              <a:t>Подводим итоги</a:t>
+            </a:r>
+            <a:endParaRPr lang="ru-RU" sz="4000" dirty="0"/>
+          </a:p>
+        </p:txBody>
+      </p:sp>
+      <p:sp>
+        <p:nvSpPr>
+          <p:cNvPr id="3" name="Подзаголовок 2"/>
+          <p:cNvSpPr>
+            <a:spLocks noGrp="1"/>
+          </p:cNvSpPr>
+          <p:nvPr>
+            <p:ph type="subTitle" idx="1"/>
+          </p:nvPr>
+        </p:nvSpPr>
+        <p:spPr/>
+        <p:txBody>
+          <a:bodyPr/>
+          <a:lstStyle/>
+          <a:p>
+            <a:r>
+              <a:rPr lang="ru-RU" dirty="0" smtClean="0"/>
+              <a:t>Когда не нужно использовать </a:t>
+            </a:r>
+            <a:r>
+              <a:rPr lang="en-US" dirty="0" smtClean="0"/>
+              <a:t>SIMD?</a:t>
+            </a:r>
+          </a:p>
+          <a:p>
+            <a:r>
+              <a:rPr lang="ru-RU" dirty="0" smtClean="0"/>
+              <a:t>Когда нужно?</a:t>
+            </a:r>
+          </a:p>
+          <a:p>
+            <a:endParaRPr lang="ru-RU" dirty="0"/>
+          </a:p>
+        </p:txBody>
+      </p:sp>
+    </p:spTree>
+    <p:extLst>
+      <p:ext uri="{BB962C8B-B14F-4D97-AF65-F5344CB8AC3E}">
+        <p14:creationId xmlns:p14="http://schemas.microsoft.com/office/powerpoint/2010/main" val="1330090536"/>
+      </p:ext>
+    </p:extLst>
+  </p:cSld>
+  <p:clrMapOvr>
+    <a:masterClrMapping/>
+  </p:clrMapOvr>
+  <mc:AlternateContent xmlns:mc="http://schemas.openxmlformats.org/markup-compatibility/2006" xmlns:p14="http://schemas.microsoft.com/office/powerpoint/2010/main">
+    <mc:Choice Requires="p14">
+      <p:transition p14:dur="10"/>
+    </mc:Choice>
+    <mc:Fallback xmlns="">
+      <p:transition/>
+    </mc:Fallback>
+  </mc:AlternateContent>
+  <p:timing>
+    <p:tnLst>
+      <p:par>
+        <p:cTn id="1" dur="indefinite" restart="never" nodeType="tmRoot"/>
+      </p:par>
+    </p:tnLst>
+  </p:timing>
+</p:sld>
+</file>
+
+<file path=ppt/slides/slide55.xml><?xml version="1.0" encoding="utf-8"?>
+<p:sld xmlns:a="http://schemas.openxmlformats.org/drawingml/2006/main" xmlns:r="http://schemas.openxmlformats.org/officeDocument/2006/relationships" xmlns:p="http://schemas.openxmlformats.org/presentationml/2006/main">
+  <p:cSld>
+    <p:spTree>
+      <p:nvGrpSpPr>
+        <p:cNvPr id="1" name=""/>
+        <p:cNvGrpSpPr/>
+        <p:nvPr/>
+      </p:nvGrpSpPr>
+      <p:grpSpPr>
+        <a:xfrm>
+          <a:off x="0" y="0"/>
+          <a:ext cx="0" cy="0"/>
+          <a:chOff x="0" y="0"/>
+          <a:chExt cx="0" cy="0"/>
+        </a:xfrm>
+      </p:grpSpPr>
+      <p:sp>
+        <p:nvSpPr>
+          <p:cNvPr id="2" name="Заголовок 1"/>
+          <p:cNvSpPr>
+            <a:spLocks noGrp="1"/>
+          </p:cNvSpPr>
+          <p:nvPr>
+            <p:ph type="title"/>
+          </p:nvPr>
+        </p:nvSpPr>
+        <p:spPr/>
+        <p:txBody>
+          <a:bodyPr>
+            <a:normAutofit fontScale="90000"/>
+          </a:bodyPr>
+          <a:lstStyle/>
+          <a:p>
+            <a:r>
+              <a:rPr lang="ru-RU" dirty="0" smtClean="0"/>
+              <a:t>Когда не нужно использовать </a:t>
+            </a:r>
+            <a:r>
+              <a:rPr lang="en-US" dirty="0" smtClean="0"/>
+              <a:t>SIMD?</a:t>
+            </a:r>
+            <a:endParaRPr lang="ru-RU" dirty="0"/>
+          </a:p>
+        </p:txBody>
+      </p:sp>
+      <p:sp>
+        <p:nvSpPr>
+          <p:cNvPr id="3" name="Объект 2"/>
+          <p:cNvSpPr>
+            <a:spLocks noGrp="1"/>
+          </p:cNvSpPr>
+          <p:nvPr>
+            <p:ph idx="1"/>
+          </p:nvPr>
+        </p:nvSpPr>
+        <p:spPr/>
+        <p:txBody>
+          <a:bodyPr/>
+          <a:lstStyle/>
+          <a:p>
+            <a:r>
+              <a:rPr lang="ru-RU" dirty="0" smtClean="0"/>
+              <a:t>Когда вы чувствуете, что не до конца хорошо владеете технологией</a:t>
+            </a:r>
+          </a:p>
+          <a:p>
+            <a:pPr lvl="1"/>
+            <a:r>
+              <a:rPr lang="ru-RU" dirty="0" smtClean="0"/>
+              <a:t>Конечно, когда-то нужно начать. Но начинайте с простых примеров</a:t>
+            </a:r>
+          </a:p>
+          <a:p>
+            <a:r>
+              <a:rPr lang="ru-RU" dirty="0" smtClean="0"/>
+              <a:t>Когда существуют места, где можно применить другие оптимизации</a:t>
+            </a:r>
+          </a:p>
+          <a:p>
+            <a:r>
+              <a:rPr lang="ru-RU" dirty="0" smtClean="0"/>
+              <a:t>Когда вы собираетесь оптимизировать не самое узкое место</a:t>
+            </a:r>
+          </a:p>
+          <a:p>
+            <a:r>
+              <a:rPr lang="ru-RU" dirty="0" smtClean="0"/>
+              <a:t>Не стоит заменять обычный параллелизм </a:t>
+            </a:r>
+            <a:r>
+              <a:rPr lang="en-US" dirty="0" smtClean="0"/>
+              <a:t>SIMD</a:t>
+            </a:r>
+            <a:r>
+              <a:rPr lang="ru-RU" dirty="0" smtClean="0"/>
+              <a:t> расширениями</a:t>
+            </a:r>
+          </a:p>
+        </p:txBody>
+      </p:sp>
+    </p:spTree>
+    <p:extLst>
+      <p:ext uri="{BB962C8B-B14F-4D97-AF65-F5344CB8AC3E}">
+        <p14:creationId xmlns:p14="http://schemas.microsoft.com/office/powerpoint/2010/main" val="1201348121"/>
+      </p:ext>
+    </p:extLst>
+  </p:cSld>
+  <p:clrMapOvr>
+    <a:masterClrMapping/>
+  </p:clrMapOvr>
+  <p:timing>
+    <p:tnLst>
+      <p:par>
+        <p:cTn id="1" dur="indefinite" restart="never" nodeType="tmRoot"/>
+      </p:par>
+    </p:tnLst>
+  </p:timing>
+</p:sld>
+</file>
+
+<file path=ppt/slides/slide56.xml><?xml version="1.0" encoding="utf-8"?>
+<p:sld xmlns:a="http://schemas.openxmlformats.org/drawingml/2006/main" xmlns:r="http://schemas.openxmlformats.org/officeDocument/2006/relationships" xmlns:p="http://schemas.openxmlformats.org/presentationml/2006/main">
+  <p:cSld>
+    <p:spTree>
+      <p:nvGrpSpPr>
+        <p:cNvPr id="1" name=""/>
+        <p:cNvGrpSpPr/>
+        <p:nvPr/>
+      </p:nvGrpSpPr>
+      <p:grpSpPr>
+        <a:xfrm>
+          <a:off x="0" y="0"/>
+          <a:ext cx="0" cy="0"/>
+          <a:chOff x="0" y="0"/>
+          <a:chExt cx="0" cy="0"/>
+        </a:xfrm>
+      </p:grpSpPr>
+      <p:sp>
+        <p:nvSpPr>
+          <p:cNvPr id="2" name="Заголовок 1"/>
+          <p:cNvSpPr>
+            <a:spLocks noGrp="1"/>
+          </p:cNvSpPr>
+          <p:nvPr>
+            <p:ph type="title"/>
+          </p:nvPr>
+        </p:nvSpPr>
+        <p:spPr/>
+        <p:txBody>
+          <a:bodyPr>
+            <a:normAutofit/>
+          </a:bodyPr>
+          <a:lstStyle/>
+          <a:p>
+            <a:r>
+              <a:rPr lang="ru-RU" dirty="0" smtClean="0"/>
+              <a:t>Когда можно использовать </a:t>
+            </a:r>
+            <a:r>
+              <a:rPr lang="en-US" dirty="0" smtClean="0"/>
+              <a:t>SIMD?</a:t>
+            </a:r>
+            <a:endParaRPr lang="ru-RU" dirty="0"/>
+          </a:p>
+        </p:txBody>
+      </p:sp>
+      <p:sp>
+        <p:nvSpPr>
+          <p:cNvPr id="3" name="Объект 2"/>
+          <p:cNvSpPr>
+            <a:spLocks noGrp="1"/>
+          </p:cNvSpPr>
+          <p:nvPr>
+            <p:ph idx="1"/>
+          </p:nvPr>
+        </p:nvSpPr>
+        <p:spPr/>
+        <p:txBody>
+          <a:bodyPr/>
+          <a:lstStyle/>
+          <a:p>
+            <a:r>
+              <a:rPr lang="ru-RU" dirty="0" smtClean="0"/>
+              <a:t>Когда ни один из предыдущих пунктов не выполнен</a:t>
+            </a:r>
+          </a:p>
+          <a:p>
+            <a:r>
+              <a:rPr lang="ru-RU" dirty="0" smtClean="0"/>
+              <a:t>Когда у вас есть алгоритм, который хорошо формулируется в терминах операций над векторами</a:t>
+            </a:r>
+          </a:p>
+          <a:p>
+            <a:endParaRPr lang="ru-RU" dirty="0" smtClean="0"/>
+          </a:p>
+          <a:p>
+            <a:endParaRPr lang="ru-RU" dirty="0"/>
+          </a:p>
+          <a:p>
+            <a:r>
+              <a:rPr lang="ru-RU" dirty="0" smtClean="0"/>
+              <a:t>Не забываем, что у нас уже должна быть пачка тестов и </a:t>
+            </a:r>
+            <a:r>
+              <a:rPr lang="ru-RU" dirty="0" err="1" smtClean="0"/>
+              <a:t>бенчмарков</a:t>
+            </a:r>
+            <a:endParaRPr lang="ru-RU" dirty="0" smtClean="0"/>
+          </a:p>
+        </p:txBody>
+      </p:sp>
+    </p:spTree>
+    <p:extLst>
+      <p:ext uri="{BB962C8B-B14F-4D97-AF65-F5344CB8AC3E}">
+        <p14:creationId xmlns:p14="http://schemas.microsoft.com/office/powerpoint/2010/main" val="2972701323"/>
+      </p:ext>
+    </p:extLst>
+  </p:cSld>
+  <p:clrMapOvr>
+    <a:masterClrMapping/>
+  </p:clrMapOvr>
+  <p:timing>
+    <p:tnLst>
+      <p:par>
+        <p:cTn id="1" dur="indefinite" restart="never" nodeType="tmRoot"/>
+      </p:par>
+    </p:tnLst>
+  </p:timing>
+</p:sld>
+</file>
+
+<file path=ppt/slides/slide57.xml><?xml version="1.0" encoding="utf-8"?>
+<p:sld xmlns:a="http://schemas.openxmlformats.org/drawingml/2006/main" xmlns:r="http://schemas.openxmlformats.org/officeDocument/2006/relationships" xmlns:p="http://schemas.openxmlformats.org/presentationml/2006/main">
+  <p:cSld>
+    <p:spTree>
+      <p:nvGrpSpPr>
+        <p:cNvPr id="1" name=""/>
+        <p:cNvGrpSpPr/>
+        <p:nvPr/>
+      </p:nvGrpSpPr>
+      <p:grpSpPr>
+        <a:xfrm>
+          <a:off x="0" y="0"/>
+          <a:ext cx="0" cy="0"/>
+          <a:chOff x="0" y="0"/>
+          <a:chExt cx="0" cy="0"/>
+        </a:xfrm>
+      </p:grpSpPr>
+      <p:sp>
+        <p:nvSpPr>
+          <p:cNvPr id="2" name="Заголовок 1"/>
+          <p:cNvSpPr>
+            <a:spLocks noGrp="1"/>
+          </p:cNvSpPr>
+          <p:nvPr>
+            <p:ph type="title"/>
+          </p:nvPr>
+        </p:nvSpPr>
+        <p:spPr/>
+        <p:txBody>
+          <a:bodyPr>
+            <a:normAutofit fontScale="90000"/>
+          </a:bodyPr>
+          <a:lstStyle/>
+          <a:p>
+            <a:r>
+              <a:rPr lang="ru-RU" dirty="0" smtClean="0"/>
+              <a:t>Если вы решились векторизовать код</a:t>
+            </a:r>
+            <a:endParaRPr lang="ru-RU" dirty="0"/>
+          </a:p>
+        </p:txBody>
+      </p:sp>
+      <p:sp>
+        <p:nvSpPr>
+          <p:cNvPr id="3" name="Объект 2"/>
+          <p:cNvSpPr>
+            <a:spLocks noGrp="1"/>
+          </p:cNvSpPr>
+          <p:nvPr>
+            <p:ph idx="1"/>
+          </p:nvPr>
+        </p:nvSpPr>
+        <p:spPr/>
+        <p:txBody>
+          <a:bodyPr>
+            <a:normAutofit/>
+          </a:bodyPr>
+          <a:lstStyle/>
+          <a:p>
+            <a:r>
+              <a:rPr lang="ru-RU" sz="2000" dirty="0" smtClean="0">
+                <a:solidFill>
+                  <a:schemeClr val="bg1">
+                    <a:lumMod val="65000"/>
+                  </a:schemeClr>
+                </a:solidFill>
+              </a:rPr>
+              <a:t>Будьте готовы к тому, что</a:t>
+            </a:r>
+            <a:r>
+              <a:rPr lang="en-US" sz="2000" dirty="0" smtClean="0">
+                <a:solidFill>
+                  <a:schemeClr val="bg1">
+                    <a:lumMod val="65000"/>
+                  </a:schemeClr>
+                </a:solidFill>
+              </a:rPr>
+              <a:t> SIMD</a:t>
+            </a:r>
+            <a:r>
+              <a:rPr lang="ru-RU" sz="2000" dirty="0" smtClean="0">
+                <a:solidFill>
+                  <a:schemeClr val="bg1">
+                    <a:lumMod val="65000"/>
+                  </a:schemeClr>
+                </a:solidFill>
+              </a:rPr>
+              <a:t> расширения не оправдают ваших ожиданий</a:t>
+            </a:r>
+          </a:p>
+          <a:p>
+            <a:r>
+              <a:rPr lang="ru-RU" sz="2000" dirty="0" smtClean="0">
+                <a:solidFill>
+                  <a:schemeClr val="bg1">
+                    <a:lumMod val="65000"/>
+                  </a:schemeClr>
+                </a:solidFill>
+              </a:rPr>
+              <a:t>Будьте готовы изучать сгенерированный ассемблер, писать</a:t>
+            </a:r>
+            <a:r>
+              <a:rPr lang="en-US" sz="2000" dirty="0" smtClean="0">
+                <a:solidFill>
+                  <a:schemeClr val="bg1">
+                    <a:lumMod val="65000"/>
+                  </a:schemeClr>
+                </a:solidFill>
+              </a:rPr>
+              <a:t> </a:t>
+            </a:r>
+            <a:r>
+              <a:rPr lang="en-US" sz="2000" dirty="0" smtClean="0">
+                <a:solidFill>
+                  <a:schemeClr val="bg1">
+                    <a:lumMod val="65000"/>
+                  </a:schemeClr>
+                </a:solidFill>
+                <a:latin typeface="Consolas"/>
+              </a:rPr>
+              <a:t>unsafe</a:t>
+            </a:r>
+            <a:r>
+              <a:rPr lang="en-US" sz="2000" dirty="0">
+                <a:solidFill>
+                  <a:schemeClr val="bg1">
+                    <a:lumMod val="65000"/>
+                  </a:schemeClr>
+                </a:solidFill>
+              </a:rPr>
+              <a:t> </a:t>
+            </a:r>
+            <a:r>
+              <a:rPr lang="ru-RU" sz="2000" dirty="0" smtClean="0">
+                <a:solidFill>
+                  <a:schemeClr val="bg1">
+                    <a:lumMod val="65000"/>
+                  </a:schemeClr>
+                </a:solidFill>
+              </a:rPr>
+              <a:t>код</a:t>
+            </a:r>
+          </a:p>
+          <a:p>
+            <a:r>
+              <a:rPr lang="ru-RU" sz="2000" dirty="0" smtClean="0">
+                <a:solidFill>
+                  <a:schemeClr val="bg1">
+                    <a:lumMod val="65000"/>
+                  </a:schemeClr>
+                </a:solidFill>
+              </a:rPr>
+              <a:t>Будьте готовы к тому, что в </a:t>
+            </a:r>
+            <a:r>
+              <a:rPr lang="en-US" sz="2000" dirty="0" smtClean="0">
+                <a:solidFill>
+                  <a:schemeClr val="bg1">
+                    <a:lumMod val="65000"/>
+                  </a:schemeClr>
+                </a:solidFill>
+              </a:rPr>
+              <a:t>C#</a:t>
+            </a:r>
+            <a:r>
+              <a:rPr lang="ru-RU" sz="2000" dirty="0" smtClean="0">
+                <a:solidFill>
+                  <a:schemeClr val="bg1">
+                    <a:lumMod val="65000"/>
+                  </a:schemeClr>
+                </a:solidFill>
+              </a:rPr>
+              <a:t> </a:t>
+            </a:r>
+            <a:r>
+              <a:rPr lang="en-US" sz="2000" dirty="0" smtClean="0">
+                <a:solidFill>
+                  <a:schemeClr val="bg1">
+                    <a:lumMod val="65000"/>
+                  </a:schemeClr>
+                </a:solidFill>
+              </a:rPr>
+              <a:t>SIMD</a:t>
+            </a:r>
+            <a:r>
+              <a:rPr lang="ru-RU" sz="2000" dirty="0" smtClean="0">
+                <a:solidFill>
+                  <a:schemeClr val="bg1">
+                    <a:lumMod val="65000"/>
+                  </a:schemeClr>
+                </a:solidFill>
+              </a:rPr>
+              <a:t>-расширения недостаточно быстрые. В </a:t>
+            </a:r>
+            <a:r>
+              <a:rPr lang="en-US" sz="2000" dirty="0" smtClean="0">
+                <a:solidFill>
+                  <a:schemeClr val="bg1">
+                    <a:lumMod val="65000"/>
+                  </a:schemeClr>
+                </a:solidFill>
+              </a:rPr>
+              <a:t>C++</a:t>
+            </a:r>
+            <a:r>
+              <a:rPr lang="ru-RU" sz="2000" dirty="0" smtClean="0">
+                <a:solidFill>
+                  <a:schemeClr val="bg1">
+                    <a:lumMod val="65000"/>
+                  </a:schemeClr>
+                </a:solidFill>
+              </a:rPr>
+              <a:t> быстрее</a:t>
+            </a:r>
+          </a:p>
+          <a:p>
+            <a:r>
+              <a:rPr lang="ru-RU" sz="2000" dirty="0" smtClean="0">
+                <a:solidFill>
+                  <a:schemeClr val="bg1">
+                    <a:lumMod val="65000"/>
+                  </a:schemeClr>
+                </a:solidFill>
+              </a:rPr>
+              <a:t>Будьте готовы к тому, что вам придется написать </a:t>
+            </a:r>
+            <a:r>
+              <a:rPr lang="en-US" sz="2000" dirty="0" smtClean="0">
+                <a:solidFill>
+                  <a:schemeClr val="bg1">
+                    <a:lumMod val="65000"/>
+                  </a:schemeClr>
+                </a:solidFill>
+              </a:rPr>
+              <a:t>C++</a:t>
+            </a:r>
+            <a:r>
+              <a:rPr lang="ru-RU" sz="2000" dirty="0" smtClean="0">
+                <a:solidFill>
+                  <a:schemeClr val="bg1">
+                    <a:lumMod val="65000"/>
+                  </a:schemeClr>
+                </a:solidFill>
+              </a:rPr>
+              <a:t> код и подключить к вашему проекту в качестве внешней библиотеки</a:t>
+            </a:r>
+          </a:p>
+          <a:p>
+            <a:r>
+              <a:rPr lang="ru-RU" sz="2000" dirty="0" smtClean="0">
+                <a:solidFill>
+                  <a:schemeClr val="bg1">
+                    <a:lumMod val="65000"/>
+                  </a:schemeClr>
+                </a:solidFill>
+              </a:rPr>
+              <a:t>Будьте готовы к тому, что в итоге оптимизации не принесут существенного выигрыша</a:t>
+            </a:r>
+          </a:p>
+          <a:p>
+            <a:r>
+              <a:rPr lang="ru-RU" sz="2000" dirty="0" smtClean="0">
+                <a:solidFill>
+                  <a:schemeClr val="bg1">
+                    <a:lumMod val="65000"/>
+                  </a:schemeClr>
+                </a:solidFill>
+              </a:rPr>
+              <a:t>Будьте готовы пожертвовать незначительными оптимизациями в угоду читаемого кода</a:t>
+            </a:r>
+          </a:p>
+        </p:txBody>
+      </p:sp>
+    </p:spTree>
+    <p:extLst>
+      <p:ext uri="{BB962C8B-B14F-4D97-AF65-F5344CB8AC3E}">
+        <p14:creationId xmlns:p14="http://schemas.microsoft.com/office/powerpoint/2010/main" val="2496996136"/>
+      </p:ext>
+    </p:extLst>
+  </p:cSld>
+  <p:clrMapOvr>
+    <a:masterClrMapping/>
+  </p:clrMapOvr>
+  <p:timing>
+    <p:tnLst>
+      <p:par>
+        <p:cTn id="1" dur="indefinite" restart="never" nodeType="tmRoot"/>
+      </p:par>
+    </p:tnLst>
+  </p:timing>
+</p:sld>
+</file>
+
+<file path=ppt/slides/slide58.xml><?xml version="1.0" encoding="utf-8"?>
+<p:sld xmlns:a="http://schemas.openxmlformats.org/drawingml/2006/main" xmlns:r="http://schemas.openxmlformats.org/officeDocument/2006/relationships" xmlns:p="http://schemas.openxmlformats.org/presentationml/2006/main">
+  <p:cSld>
+    <p:spTree>
+      <p:nvGrpSpPr>
+        <p:cNvPr id="1" name=""/>
+        <p:cNvGrpSpPr/>
+        <p:nvPr/>
+      </p:nvGrpSpPr>
+      <p:grpSpPr>
+        <a:xfrm>
+          <a:off x="0" y="0"/>
+          <a:ext cx="0" cy="0"/>
+          <a:chOff x="0" y="0"/>
+          <a:chExt cx="0" cy="0"/>
+        </a:xfrm>
+      </p:grpSpPr>
+      <p:sp>
+        <p:nvSpPr>
+          <p:cNvPr id="2" name="Заголовок 1"/>
+          <p:cNvSpPr>
+            <a:spLocks noGrp="1"/>
+          </p:cNvSpPr>
+          <p:nvPr>
+            <p:ph type="title"/>
+          </p:nvPr>
+        </p:nvSpPr>
+        <p:spPr/>
+        <p:txBody>
+          <a:bodyPr>
+            <a:normAutofit fontScale="90000"/>
+          </a:bodyPr>
+          <a:lstStyle/>
+          <a:p>
+            <a:r>
+              <a:rPr lang="ru-RU" dirty="0" smtClean="0"/>
+              <a:t>Если вы решились векторизовать код</a:t>
+            </a:r>
+            <a:endParaRPr lang="ru-RU" dirty="0"/>
+          </a:p>
+        </p:txBody>
+      </p:sp>
+      <p:sp>
+        <p:nvSpPr>
+          <p:cNvPr id="3" name="Объект 2"/>
+          <p:cNvSpPr>
+            <a:spLocks noGrp="1"/>
+          </p:cNvSpPr>
+          <p:nvPr>
+            <p:ph idx="1"/>
+          </p:nvPr>
+        </p:nvSpPr>
+        <p:spPr/>
+        <p:txBody>
+          <a:bodyPr>
+            <a:normAutofit/>
+          </a:bodyPr>
+          <a:lstStyle/>
+          <a:p>
+            <a:r>
+              <a:rPr lang="ru-RU" sz="2800" dirty="0" smtClean="0"/>
+              <a:t>Будьте готовы к тому, что</a:t>
+            </a:r>
+            <a:r>
+              <a:rPr lang="en-US" sz="2800" dirty="0" smtClean="0"/>
+              <a:t> SIMD</a:t>
+            </a:r>
+            <a:r>
+              <a:rPr lang="ru-RU" sz="2800" dirty="0" smtClean="0"/>
+              <a:t> расширения не оправдают ваших ожиданий</a:t>
+            </a:r>
+          </a:p>
+          <a:p>
+            <a:r>
+              <a:rPr lang="ru-RU" sz="2000" dirty="0" smtClean="0">
+                <a:solidFill>
+                  <a:schemeClr val="bg1">
+                    <a:lumMod val="65000"/>
+                  </a:schemeClr>
+                </a:solidFill>
+              </a:rPr>
+              <a:t>Будьте готовы изучать сгенерированный ассемблер, писать</a:t>
+            </a:r>
+            <a:r>
+              <a:rPr lang="en-US" sz="2000" dirty="0" smtClean="0">
+                <a:solidFill>
+                  <a:schemeClr val="bg1">
+                    <a:lumMod val="65000"/>
+                  </a:schemeClr>
+                </a:solidFill>
+              </a:rPr>
+              <a:t> </a:t>
+            </a:r>
+            <a:r>
+              <a:rPr lang="en-US" sz="2000" dirty="0" smtClean="0">
+                <a:solidFill>
+                  <a:schemeClr val="bg1">
+                    <a:lumMod val="65000"/>
+                  </a:schemeClr>
+                </a:solidFill>
+                <a:latin typeface="Consolas"/>
+              </a:rPr>
+              <a:t>unsafe</a:t>
+            </a:r>
+            <a:r>
+              <a:rPr lang="en-US" sz="2000" dirty="0">
+                <a:solidFill>
+                  <a:schemeClr val="bg1">
+                    <a:lumMod val="65000"/>
+                  </a:schemeClr>
+                </a:solidFill>
+              </a:rPr>
+              <a:t> </a:t>
+            </a:r>
+            <a:r>
+              <a:rPr lang="ru-RU" sz="2000" dirty="0" smtClean="0">
+                <a:solidFill>
+                  <a:schemeClr val="bg1">
+                    <a:lumMod val="65000"/>
+                  </a:schemeClr>
+                </a:solidFill>
+              </a:rPr>
+              <a:t>код</a:t>
+            </a:r>
+          </a:p>
+          <a:p>
+            <a:r>
+              <a:rPr lang="ru-RU" sz="2000" dirty="0" smtClean="0">
+                <a:solidFill>
+                  <a:schemeClr val="bg1">
+                    <a:lumMod val="65000"/>
+                  </a:schemeClr>
+                </a:solidFill>
+              </a:rPr>
+              <a:t>Будьте готовы к тому, что в </a:t>
+            </a:r>
+            <a:r>
+              <a:rPr lang="en-US" sz="2000" dirty="0" smtClean="0">
+                <a:solidFill>
+                  <a:schemeClr val="bg1">
+                    <a:lumMod val="65000"/>
+                  </a:schemeClr>
+                </a:solidFill>
+              </a:rPr>
+              <a:t>C#</a:t>
+            </a:r>
+            <a:r>
+              <a:rPr lang="ru-RU" sz="2000" dirty="0" smtClean="0">
+                <a:solidFill>
+                  <a:schemeClr val="bg1">
+                    <a:lumMod val="65000"/>
+                  </a:schemeClr>
+                </a:solidFill>
+              </a:rPr>
+              <a:t> </a:t>
+            </a:r>
+            <a:r>
+              <a:rPr lang="en-US" sz="2000" dirty="0" smtClean="0">
+                <a:solidFill>
+                  <a:schemeClr val="bg1">
+                    <a:lumMod val="65000"/>
+                  </a:schemeClr>
+                </a:solidFill>
+              </a:rPr>
+              <a:t>SIMD</a:t>
+            </a:r>
+            <a:r>
+              <a:rPr lang="ru-RU" sz="2000" dirty="0" smtClean="0">
+                <a:solidFill>
+                  <a:schemeClr val="bg1">
+                    <a:lumMod val="65000"/>
+                  </a:schemeClr>
+                </a:solidFill>
+              </a:rPr>
+              <a:t>-расширения недостаточно быстрые. В </a:t>
+            </a:r>
+            <a:r>
+              <a:rPr lang="en-US" sz="2000" dirty="0" smtClean="0">
+                <a:solidFill>
+                  <a:schemeClr val="bg1">
+                    <a:lumMod val="65000"/>
+                  </a:schemeClr>
+                </a:solidFill>
+              </a:rPr>
+              <a:t>C++</a:t>
+            </a:r>
+            <a:r>
+              <a:rPr lang="ru-RU" sz="2000" dirty="0" smtClean="0">
+                <a:solidFill>
+                  <a:schemeClr val="bg1">
+                    <a:lumMod val="65000"/>
+                  </a:schemeClr>
+                </a:solidFill>
+              </a:rPr>
+              <a:t> быстрее</a:t>
+            </a:r>
+          </a:p>
+          <a:p>
+            <a:r>
+              <a:rPr lang="ru-RU" sz="2000" dirty="0" smtClean="0">
+                <a:solidFill>
+                  <a:schemeClr val="bg1">
+                    <a:lumMod val="65000"/>
+                  </a:schemeClr>
+                </a:solidFill>
+              </a:rPr>
+              <a:t>Будьте готовы к тому, что вам придется написать </a:t>
+            </a:r>
+            <a:r>
+              <a:rPr lang="en-US" sz="2000" dirty="0" smtClean="0">
+                <a:solidFill>
+                  <a:schemeClr val="bg1">
+                    <a:lumMod val="65000"/>
+                  </a:schemeClr>
+                </a:solidFill>
+              </a:rPr>
+              <a:t>C++</a:t>
+            </a:r>
+            <a:r>
+              <a:rPr lang="ru-RU" sz="2000" dirty="0" smtClean="0">
+                <a:solidFill>
+                  <a:schemeClr val="bg1">
+                    <a:lumMod val="65000"/>
+                  </a:schemeClr>
+                </a:solidFill>
+              </a:rPr>
+              <a:t> код и подключить к вашему проекту в качестве внешней библиотеки</a:t>
+            </a:r>
+          </a:p>
+          <a:p>
+            <a:r>
+              <a:rPr lang="ru-RU" sz="2000" dirty="0" smtClean="0">
+                <a:solidFill>
+                  <a:schemeClr val="bg1">
+                    <a:lumMod val="65000"/>
+                  </a:schemeClr>
+                </a:solidFill>
+              </a:rPr>
+              <a:t>Будьте готовы к тому, что в итоге оптимизации не принесут существенного выигрыша</a:t>
+            </a:r>
+          </a:p>
+          <a:p>
+            <a:r>
+              <a:rPr lang="ru-RU" sz="2000" dirty="0" smtClean="0">
+                <a:solidFill>
+                  <a:schemeClr val="bg1">
+                    <a:lumMod val="65000"/>
+                  </a:schemeClr>
+                </a:solidFill>
+              </a:rPr>
+              <a:t>Будьте готовы пожертвовать незначительными оптимизациями в угоду читаемого кода</a:t>
+            </a:r>
+          </a:p>
+        </p:txBody>
+      </p:sp>
+    </p:spTree>
+    <p:extLst>
+      <p:ext uri="{BB962C8B-B14F-4D97-AF65-F5344CB8AC3E}">
+        <p14:creationId xmlns:p14="http://schemas.microsoft.com/office/powerpoint/2010/main" val="1774468343"/>
+      </p:ext>
+    </p:extLst>
+  </p:cSld>
+  <p:clrMapOvr>
+    <a:masterClrMapping/>
+  </p:clrMapOvr>
+  <p:timing>
+    <p:tnLst>
+      <p:par>
+        <p:cTn id="1" dur="indefinite" restart="never" nodeType="tmRoot"/>
+      </p:par>
+    </p:tnLst>
+  </p:timing>
+</p:sld>
+</file>
+
+<file path=ppt/slides/slide59.xml><?xml version="1.0" encoding="utf-8"?>
+<p:sld xmlns:a="http://schemas.openxmlformats.org/drawingml/2006/main" xmlns:r="http://schemas.openxmlformats.org/officeDocument/2006/relationships" xmlns:p="http://schemas.openxmlformats.org/presentationml/2006/main">
+  <p:cSld>
+    <p:spTree>
+      <p:nvGrpSpPr>
+        <p:cNvPr id="1" name=""/>
+        <p:cNvGrpSpPr/>
+        <p:nvPr/>
+      </p:nvGrpSpPr>
+      <p:grpSpPr>
+        <a:xfrm>
+          <a:off x="0" y="0"/>
+          <a:ext cx="0" cy="0"/>
+          <a:chOff x="0" y="0"/>
+          <a:chExt cx="0" cy="0"/>
+        </a:xfrm>
+      </p:grpSpPr>
+      <p:sp>
+        <p:nvSpPr>
+          <p:cNvPr id="2" name="Заголовок 1"/>
+          <p:cNvSpPr>
+            <a:spLocks noGrp="1"/>
+          </p:cNvSpPr>
+          <p:nvPr>
+            <p:ph type="title"/>
+          </p:nvPr>
+        </p:nvSpPr>
+        <p:spPr/>
+        <p:txBody>
+          <a:bodyPr>
+            <a:normAutofit fontScale="90000"/>
+          </a:bodyPr>
+          <a:lstStyle/>
+          <a:p>
+            <a:r>
+              <a:rPr lang="ru-RU" dirty="0" smtClean="0"/>
+              <a:t>Если вы решились векторизовать код</a:t>
+            </a:r>
+            <a:endParaRPr lang="ru-RU" dirty="0"/>
+          </a:p>
+        </p:txBody>
+      </p:sp>
+      <p:sp>
+        <p:nvSpPr>
+          <p:cNvPr id="3" name="Объект 2"/>
+          <p:cNvSpPr>
+            <a:spLocks noGrp="1"/>
+          </p:cNvSpPr>
+          <p:nvPr>
+            <p:ph idx="1"/>
+          </p:nvPr>
+        </p:nvSpPr>
+        <p:spPr/>
+        <p:txBody>
+          <a:bodyPr>
+            <a:normAutofit/>
+          </a:bodyPr>
+          <a:lstStyle/>
+          <a:p>
+            <a:r>
+              <a:rPr lang="ru-RU" sz="2000" dirty="0" smtClean="0">
+                <a:solidFill>
+                  <a:schemeClr val="bg1">
+                    <a:lumMod val="65000"/>
+                  </a:schemeClr>
+                </a:solidFill>
+              </a:rPr>
+              <a:t>Будьте готовы к тому, что</a:t>
+            </a:r>
+            <a:r>
+              <a:rPr lang="en-US" sz="2000" dirty="0" smtClean="0">
+                <a:solidFill>
+                  <a:schemeClr val="bg1">
+                    <a:lumMod val="65000"/>
+                  </a:schemeClr>
+                </a:solidFill>
+              </a:rPr>
+              <a:t> SIMD</a:t>
+            </a:r>
+            <a:r>
+              <a:rPr lang="ru-RU" sz="2000" dirty="0" smtClean="0">
+                <a:solidFill>
+                  <a:schemeClr val="bg1">
+                    <a:lumMod val="65000"/>
+                  </a:schemeClr>
+                </a:solidFill>
+              </a:rPr>
+              <a:t> расширения не оправдают ваших ожиданий</a:t>
+            </a:r>
+          </a:p>
+          <a:p>
+            <a:r>
+              <a:rPr lang="ru-RU" sz="2800" dirty="0" smtClean="0"/>
+              <a:t>Будьте готовы изучать сгенерированный ассемблер, писать</a:t>
+            </a:r>
+            <a:r>
+              <a:rPr lang="en-US" sz="2800" dirty="0" smtClean="0"/>
+              <a:t> </a:t>
+            </a:r>
+            <a:r>
+              <a:rPr lang="en-US" sz="2800" dirty="0" smtClean="0">
+                <a:solidFill>
+                  <a:srgbClr val="0000FF"/>
+                </a:solidFill>
+                <a:latin typeface="Consolas"/>
+              </a:rPr>
+              <a:t>unsafe</a:t>
+            </a:r>
+            <a:r>
+              <a:rPr lang="en-US" sz="2800" dirty="0"/>
+              <a:t> </a:t>
+            </a:r>
+            <a:r>
+              <a:rPr lang="ru-RU" sz="2800" dirty="0" smtClean="0"/>
+              <a:t>код</a:t>
+            </a:r>
+          </a:p>
+          <a:p>
+            <a:r>
+              <a:rPr lang="ru-RU" sz="2000" dirty="0" smtClean="0">
+                <a:solidFill>
+                  <a:schemeClr val="bg1">
+                    <a:lumMod val="65000"/>
+                  </a:schemeClr>
+                </a:solidFill>
+              </a:rPr>
+              <a:t>Будьте готовы к тому, что в </a:t>
+            </a:r>
+            <a:r>
+              <a:rPr lang="en-US" sz="2000" dirty="0" smtClean="0">
+                <a:solidFill>
+                  <a:schemeClr val="bg1">
+                    <a:lumMod val="65000"/>
+                  </a:schemeClr>
+                </a:solidFill>
+              </a:rPr>
+              <a:t>C#</a:t>
+            </a:r>
+            <a:r>
+              <a:rPr lang="ru-RU" sz="2000" dirty="0" smtClean="0">
+                <a:solidFill>
+                  <a:schemeClr val="bg1">
+                    <a:lumMod val="65000"/>
+                  </a:schemeClr>
+                </a:solidFill>
+              </a:rPr>
+              <a:t> </a:t>
+            </a:r>
+            <a:r>
+              <a:rPr lang="en-US" sz="2000" dirty="0" smtClean="0">
+                <a:solidFill>
+                  <a:schemeClr val="bg1">
+                    <a:lumMod val="65000"/>
+                  </a:schemeClr>
+                </a:solidFill>
+              </a:rPr>
+              <a:t>SIMD</a:t>
+            </a:r>
+            <a:r>
+              <a:rPr lang="ru-RU" sz="2000" dirty="0" smtClean="0">
+                <a:solidFill>
+                  <a:schemeClr val="bg1">
+                    <a:lumMod val="65000"/>
+                  </a:schemeClr>
+                </a:solidFill>
+              </a:rPr>
+              <a:t>-расширения недостаточно быстрые. В </a:t>
+            </a:r>
+            <a:r>
+              <a:rPr lang="en-US" sz="2000" dirty="0" smtClean="0">
+                <a:solidFill>
+                  <a:schemeClr val="bg1">
+                    <a:lumMod val="65000"/>
+                  </a:schemeClr>
+                </a:solidFill>
+              </a:rPr>
+              <a:t>C++</a:t>
+            </a:r>
+            <a:r>
+              <a:rPr lang="ru-RU" sz="2000" dirty="0" smtClean="0">
+                <a:solidFill>
+                  <a:schemeClr val="bg1">
+                    <a:lumMod val="65000"/>
+                  </a:schemeClr>
+                </a:solidFill>
+              </a:rPr>
+              <a:t> быстрее</a:t>
+            </a:r>
+          </a:p>
+          <a:p>
+            <a:r>
+              <a:rPr lang="ru-RU" sz="2000" dirty="0" smtClean="0">
+                <a:solidFill>
+                  <a:schemeClr val="bg1">
+                    <a:lumMod val="65000"/>
+                  </a:schemeClr>
+                </a:solidFill>
+              </a:rPr>
+              <a:t>Будьте готовы к тому, что вам придется написать </a:t>
+            </a:r>
+            <a:r>
+              <a:rPr lang="en-US" sz="2000" dirty="0" smtClean="0">
+                <a:solidFill>
+                  <a:schemeClr val="bg1">
+                    <a:lumMod val="65000"/>
+                  </a:schemeClr>
+                </a:solidFill>
+              </a:rPr>
+              <a:t>C++</a:t>
+            </a:r>
+            <a:r>
+              <a:rPr lang="ru-RU" sz="2000" dirty="0" smtClean="0">
+                <a:solidFill>
+                  <a:schemeClr val="bg1">
+                    <a:lumMod val="65000"/>
+                  </a:schemeClr>
+                </a:solidFill>
+              </a:rPr>
+              <a:t> код и подключить к вашему проекту в качестве внешней библиотеки</a:t>
+            </a:r>
+          </a:p>
+          <a:p>
+            <a:r>
+              <a:rPr lang="ru-RU" sz="2000" dirty="0" smtClean="0">
+                <a:solidFill>
+                  <a:schemeClr val="bg1">
+                    <a:lumMod val="65000"/>
+                  </a:schemeClr>
+                </a:solidFill>
+              </a:rPr>
+              <a:t>Будьте готовы к тому, что в итоге оптимизации не принесут существенного выигрыша</a:t>
+            </a:r>
+          </a:p>
+          <a:p>
+            <a:r>
+              <a:rPr lang="ru-RU" sz="2000" dirty="0" smtClean="0">
+                <a:solidFill>
+                  <a:schemeClr val="bg1">
+                    <a:lumMod val="65000"/>
+                  </a:schemeClr>
+                </a:solidFill>
+              </a:rPr>
+              <a:t>Будьте готовы пожертвовать незначительными оптимизациями в угоду читаемого кода</a:t>
+            </a:r>
+          </a:p>
+        </p:txBody>
+      </p:sp>
+    </p:spTree>
+    <p:extLst>
+      <p:ext uri="{BB962C8B-B14F-4D97-AF65-F5344CB8AC3E}">
+        <p14:creationId xmlns:p14="http://schemas.microsoft.com/office/powerpoint/2010/main" val="2961109424"/>
+      </p:ext>
+    </p:extLst>
+  </p:cSld>
+  <p:clrMapOvr>
+    <a:masterClrMapping/>
+  </p:clrMapOvr>
+  <p:timing>
+    <p:tnLst>
+      <p:par>
+        <p:cTn id="1" dur="indefinite" restart="never" nodeType="tmRoot"/>
+      </p:par>
+    </p:tnLst>
+  </p:timing>
+</p:sld>
+</file>
+
 <file path=ppt/slides/slide6.xml><?xml version="1.0" encoding="utf-8"?>
 <p:sld xmlns:a="http://schemas.openxmlformats.org/drawingml/2006/main" xmlns:r="http://schemas.openxmlformats.org/officeDocument/2006/relationships" xmlns:p="http://schemas.openxmlformats.org/presentationml/2006/main">
   <p:cSld>
@@ -15956,6 +17610,5148 @@
   <p:clrMapOvr>
     <a:masterClrMapping/>
   </p:clrMapOvr>
+  <p:timing>
+    <p:tnLst>
+      <p:par>
+        <p:cTn id="1" dur="indefinite" restart="never" nodeType="tmRoot"/>
+      </p:par>
+    </p:tnLst>
+  </p:timing>
+</p:sld>
+</file>
+
+<file path=ppt/slides/slide60.xml><?xml version="1.0" encoding="utf-8"?>
+<p:sld xmlns:a="http://schemas.openxmlformats.org/drawingml/2006/main" xmlns:r="http://schemas.openxmlformats.org/officeDocument/2006/relationships" xmlns:p="http://schemas.openxmlformats.org/presentationml/2006/main">
+  <p:cSld>
+    <p:spTree>
+      <p:nvGrpSpPr>
+        <p:cNvPr id="1" name=""/>
+        <p:cNvGrpSpPr/>
+        <p:nvPr/>
+      </p:nvGrpSpPr>
+      <p:grpSpPr>
+        <a:xfrm>
+          <a:off x="0" y="0"/>
+          <a:ext cx="0" cy="0"/>
+          <a:chOff x="0" y="0"/>
+          <a:chExt cx="0" cy="0"/>
+        </a:xfrm>
+      </p:grpSpPr>
+      <p:sp>
+        <p:nvSpPr>
+          <p:cNvPr id="2" name="Заголовок 1"/>
+          <p:cNvSpPr>
+            <a:spLocks noGrp="1"/>
+          </p:cNvSpPr>
+          <p:nvPr>
+            <p:ph type="title"/>
+          </p:nvPr>
+        </p:nvSpPr>
+        <p:spPr/>
+        <p:txBody>
+          <a:bodyPr>
+            <a:normAutofit fontScale="90000"/>
+          </a:bodyPr>
+          <a:lstStyle/>
+          <a:p>
+            <a:r>
+              <a:rPr lang="ru-RU" dirty="0" smtClean="0"/>
+              <a:t>Если вы решились векторизовать код</a:t>
+            </a:r>
+            <a:endParaRPr lang="ru-RU" dirty="0"/>
+          </a:p>
+        </p:txBody>
+      </p:sp>
+      <p:sp>
+        <p:nvSpPr>
+          <p:cNvPr id="3" name="Объект 2"/>
+          <p:cNvSpPr>
+            <a:spLocks noGrp="1"/>
+          </p:cNvSpPr>
+          <p:nvPr>
+            <p:ph idx="1"/>
+          </p:nvPr>
+        </p:nvSpPr>
+        <p:spPr/>
+        <p:txBody>
+          <a:bodyPr>
+            <a:normAutofit/>
+          </a:bodyPr>
+          <a:lstStyle/>
+          <a:p>
+            <a:r>
+              <a:rPr lang="ru-RU" sz="2000" dirty="0" smtClean="0">
+                <a:solidFill>
+                  <a:schemeClr val="bg1">
+                    <a:lumMod val="65000"/>
+                  </a:schemeClr>
+                </a:solidFill>
+              </a:rPr>
+              <a:t>Будьте готовы к тому, что</a:t>
+            </a:r>
+            <a:r>
+              <a:rPr lang="en-US" sz="2000" dirty="0" smtClean="0">
+                <a:solidFill>
+                  <a:schemeClr val="bg1">
+                    <a:lumMod val="65000"/>
+                  </a:schemeClr>
+                </a:solidFill>
+              </a:rPr>
+              <a:t> SIMD</a:t>
+            </a:r>
+            <a:r>
+              <a:rPr lang="ru-RU" sz="2000" dirty="0" smtClean="0">
+                <a:solidFill>
+                  <a:schemeClr val="bg1">
+                    <a:lumMod val="65000"/>
+                  </a:schemeClr>
+                </a:solidFill>
+              </a:rPr>
+              <a:t> расширения не оправдают ваших ожиданий</a:t>
+            </a:r>
+          </a:p>
+          <a:p>
+            <a:r>
+              <a:rPr lang="ru-RU" sz="2000" dirty="0" smtClean="0">
+                <a:solidFill>
+                  <a:schemeClr val="bg1">
+                    <a:lumMod val="65000"/>
+                  </a:schemeClr>
+                </a:solidFill>
+              </a:rPr>
+              <a:t>Будьте готовы изучать сгенерированный ассемблер, писать</a:t>
+            </a:r>
+            <a:r>
+              <a:rPr lang="en-US" sz="2000" dirty="0" smtClean="0">
+                <a:solidFill>
+                  <a:schemeClr val="bg1">
+                    <a:lumMod val="65000"/>
+                  </a:schemeClr>
+                </a:solidFill>
+              </a:rPr>
+              <a:t> </a:t>
+            </a:r>
+            <a:r>
+              <a:rPr lang="en-US" sz="2000" dirty="0" smtClean="0">
+                <a:solidFill>
+                  <a:schemeClr val="bg1">
+                    <a:lumMod val="65000"/>
+                  </a:schemeClr>
+                </a:solidFill>
+                <a:latin typeface="Consolas"/>
+              </a:rPr>
+              <a:t>unsafe</a:t>
+            </a:r>
+            <a:r>
+              <a:rPr lang="en-US" sz="2000" dirty="0">
+                <a:solidFill>
+                  <a:schemeClr val="bg1">
+                    <a:lumMod val="65000"/>
+                  </a:schemeClr>
+                </a:solidFill>
+              </a:rPr>
+              <a:t> </a:t>
+            </a:r>
+            <a:r>
+              <a:rPr lang="ru-RU" sz="2000" dirty="0" smtClean="0">
+                <a:solidFill>
+                  <a:schemeClr val="bg1">
+                    <a:lumMod val="65000"/>
+                  </a:schemeClr>
+                </a:solidFill>
+              </a:rPr>
+              <a:t>код</a:t>
+            </a:r>
+          </a:p>
+          <a:p>
+            <a:r>
+              <a:rPr lang="ru-RU" sz="2800" dirty="0" smtClean="0"/>
+              <a:t>Будьте готовы к тому, что в </a:t>
+            </a:r>
+            <a:r>
+              <a:rPr lang="en-US" sz="2800" dirty="0" smtClean="0"/>
+              <a:t>C#</a:t>
+            </a:r>
+            <a:r>
+              <a:rPr lang="ru-RU" sz="2800" dirty="0" smtClean="0"/>
+              <a:t> </a:t>
+            </a:r>
+            <a:r>
+              <a:rPr lang="en-US" sz="2800" dirty="0" smtClean="0"/>
+              <a:t>SIMD</a:t>
+            </a:r>
+            <a:r>
+              <a:rPr lang="ru-RU" sz="2800" dirty="0" smtClean="0"/>
+              <a:t>-расширения недостаточно быстрые. В </a:t>
+            </a:r>
+            <a:r>
+              <a:rPr lang="en-US" sz="2800" dirty="0" smtClean="0"/>
+              <a:t>C++</a:t>
+            </a:r>
+            <a:r>
+              <a:rPr lang="ru-RU" sz="2800" dirty="0" smtClean="0"/>
+              <a:t> быстрее</a:t>
+            </a:r>
+          </a:p>
+          <a:p>
+            <a:r>
+              <a:rPr lang="ru-RU" sz="2000" dirty="0" smtClean="0">
+                <a:solidFill>
+                  <a:schemeClr val="bg1">
+                    <a:lumMod val="65000"/>
+                  </a:schemeClr>
+                </a:solidFill>
+              </a:rPr>
+              <a:t>Будьте готовы к тому, что вам придется написать </a:t>
+            </a:r>
+            <a:r>
+              <a:rPr lang="en-US" sz="2000" dirty="0" smtClean="0">
+                <a:solidFill>
+                  <a:schemeClr val="bg1">
+                    <a:lumMod val="65000"/>
+                  </a:schemeClr>
+                </a:solidFill>
+              </a:rPr>
+              <a:t>C++</a:t>
+            </a:r>
+            <a:r>
+              <a:rPr lang="ru-RU" sz="2000" dirty="0" smtClean="0">
+                <a:solidFill>
+                  <a:schemeClr val="bg1">
+                    <a:lumMod val="65000"/>
+                  </a:schemeClr>
+                </a:solidFill>
+              </a:rPr>
+              <a:t> код и подключить к вашему проекту в качестве внешней библиотеки</a:t>
+            </a:r>
+          </a:p>
+          <a:p>
+            <a:r>
+              <a:rPr lang="ru-RU" sz="2000" dirty="0" smtClean="0">
+                <a:solidFill>
+                  <a:schemeClr val="bg1">
+                    <a:lumMod val="65000"/>
+                  </a:schemeClr>
+                </a:solidFill>
+              </a:rPr>
+              <a:t>Будьте готовы к тому, что в итоге оптимизации не принесут существенного выигрыша</a:t>
+            </a:r>
+          </a:p>
+          <a:p>
+            <a:r>
+              <a:rPr lang="ru-RU" sz="2000" dirty="0" smtClean="0">
+                <a:solidFill>
+                  <a:schemeClr val="bg1">
+                    <a:lumMod val="65000"/>
+                  </a:schemeClr>
+                </a:solidFill>
+              </a:rPr>
+              <a:t>Будьте готовы пожертвовать незначительными оптимизациями в угоду читаемого кода</a:t>
+            </a:r>
+          </a:p>
+        </p:txBody>
+      </p:sp>
+    </p:spTree>
+    <p:extLst>
+      <p:ext uri="{BB962C8B-B14F-4D97-AF65-F5344CB8AC3E}">
+        <p14:creationId xmlns:p14="http://schemas.microsoft.com/office/powerpoint/2010/main" val="1316847604"/>
+      </p:ext>
+    </p:extLst>
+  </p:cSld>
+  <p:clrMapOvr>
+    <a:masterClrMapping/>
+  </p:clrMapOvr>
+  <p:timing>
+    <p:tnLst>
+      <p:par>
+        <p:cTn id="1" dur="indefinite" restart="never" nodeType="tmRoot"/>
+      </p:par>
+    </p:tnLst>
+  </p:timing>
+</p:sld>
+</file>
+
+<file path=ppt/slides/slide61.xml><?xml version="1.0" encoding="utf-8"?>
+<p:sld xmlns:a="http://schemas.openxmlformats.org/drawingml/2006/main" xmlns:r="http://schemas.openxmlformats.org/officeDocument/2006/relationships" xmlns:p="http://schemas.openxmlformats.org/presentationml/2006/main">
+  <p:cSld>
+    <p:spTree>
+      <p:nvGrpSpPr>
+        <p:cNvPr id="1" name=""/>
+        <p:cNvGrpSpPr/>
+        <p:nvPr/>
+      </p:nvGrpSpPr>
+      <p:grpSpPr>
+        <a:xfrm>
+          <a:off x="0" y="0"/>
+          <a:ext cx="0" cy="0"/>
+          <a:chOff x="0" y="0"/>
+          <a:chExt cx="0" cy="0"/>
+        </a:xfrm>
+      </p:grpSpPr>
+      <p:sp>
+        <p:nvSpPr>
+          <p:cNvPr id="2" name="Заголовок 1"/>
+          <p:cNvSpPr>
+            <a:spLocks noGrp="1"/>
+          </p:cNvSpPr>
+          <p:nvPr>
+            <p:ph type="title"/>
+          </p:nvPr>
+        </p:nvSpPr>
+        <p:spPr/>
+        <p:txBody>
+          <a:bodyPr>
+            <a:normAutofit fontScale="90000"/>
+          </a:bodyPr>
+          <a:lstStyle/>
+          <a:p>
+            <a:r>
+              <a:rPr lang="ru-RU" dirty="0" smtClean="0"/>
+              <a:t>Если вы решились векторизовать код</a:t>
+            </a:r>
+            <a:endParaRPr lang="ru-RU" dirty="0"/>
+          </a:p>
+        </p:txBody>
+      </p:sp>
+      <p:sp>
+        <p:nvSpPr>
+          <p:cNvPr id="3" name="Объект 2"/>
+          <p:cNvSpPr>
+            <a:spLocks noGrp="1"/>
+          </p:cNvSpPr>
+          <p:nvPr>
+            <p:ph idx="1"/>
+          </p:nvPr>
+        </p:nvSpPr>
+        <p:spPr/>
+        <p:txBody>
+          <a:bodyPr>
+            <a:normAutofit/>
+          </a:bodyPr>
+          <a:lstStyle/>
+          <a:p>
+            <a:r>
+              <a:rPr lang="ru-RU" sz="2000" dirty="0" smtClean="0">
+                <a:solidFill>
+                  <a:schemeClr val="bg1">
+                    <a:lumMod val="65000"/>
+                  </a:schemeClr>
+                </a:solidFill>
+              </a:rPr>
+              <a:t>Будьте готовы к тому, что</a:t>
+            </a:r>
+            <a:r>
+              <a:rPr lang="en-US" sz="2000" dirty="0" smtClean="0">
+                <a:solidFill>
+                  <a:schemeClr val="bg1">
+                    <a:lumMod val="65000"/>
+                  </a:schemeClr>
+                </a:solidFill>
+              </a:rPr>
+              <a:t> SIMD</a:t>
+            </a:r>
+            <a:r>
+              <a:rPr lang="ru-RU" sz="2000" dirty="0" smtClean="0">
+                <a:solidFill>
+                  <a:schemeClr val="bg1">
+                    <a:lumMod val="65000"/>
+                  </a:schemeClr>
+                </a:solidFill>
+              </a:rPr>
+              <a:t> расширения не оправдают ваших ожиданий</a:t>
+            </a:r>
+          </a:p>
+          <a:p>
+            <a:r>
+              <a:rPr lang="ru-RU" sz="2000" dirty="0" smtClean="0">
+                <a:solidFill>
+                  <a:schemeClr val="bg1">
+                    <a:lumMod val="65000"/>
+                  </a:schemeClr>
+                </a:solidFill>
+              </a:rPr>
+              <a:t>Будьте готовы изучать сгенерированный ассемблер, писать</a:t>
+            </a:r>
+            <a:r>
+              <a:rPr lang="en-US" sz="2000" dirty="0" smtClean="0">
+                <a:solidFill>
+                  <a:schemeClr val="bg1">
+                    <a:lumMod val="65000"/>
+                  </a:schemeClr>
+                </a:solidFill>
+              </a:rPr>
+              <a:t> </a:t>
+            </a:r>
+            <a:r>
+              <a:rPr lang="en-US" sz="2000" dirty="0" smtClean="0">
+                <a:solidFill>
+                  <a:schemeClr val="bg1">
+                    <a:lumMod val="65000"/>
+                  </a:schemeClr>
+                </a:solidFill>
+                <a:latin typeface="Consolas"/>
+              </a:rPr>
+              <a:t>unsafe</a:t>
+            </a:r>
+            <a:r>
+              <a:rPr lang="en-US" sz="2000" dirty="0">
+                <a:solidFill>
+                  <a:schemeClr val="bg1">
+                    <a:lumMod val="65000"/>
+                  </a:schemeClr>
+                </a:solidFill>
+              </a:rPr>
+              <a:t> </a:t>
+            </a:r>
+            <a:r>
+              <a:rPr lang="ru-RU" sz="2000" dirty="0" smtClean="0">
+                <a:solidFill>
+                  <a:schemeClr val="bg1">
+                    <a:lumMod val="65000"/>
+                  </a:schemeClr>
+                </a:solidFill>
+              </a:rPr>
+              <a:t>код</a:t>
+            </a:r>
+          </a:p>
+          <a:p>
+            <a:r>
+              <a:rPr lang="ru-RU" sz="2000" dirty="0" smtClean="0">
+                <a:solidFill>
+                  <a:schemeClr val="bg1">
+                    <a:lumMod val="65000"/>
+                  </a:schemeClr>
+                </a:solidFill>
+              </a:rPr>
+              <a:t>Будьте готовы к тому, что в </a:t>
+            </a:r>
+            <a:r>
+              <a:rPr lang="en-US" sz="2000" dirty="0" smtClean="0">
+                <a:solidFill>
+                  <a:schemeClr val="bg1">
+                    <a:lumMod val="65000"/>
+                  </a:schemeClr>
+                </a:solidFill>
+              </a:rPr>
+              <a:t>C#</a:t>
+            </a:r>
+            <a:r>
+              <a:rPr lang="ru-RU" sz="2000" dirty="0" smtClean="0">
+                <a:solidFill>
+                  <a:schemeClr val="bg1">
+                    <a:lumMod val="65000"/>
+                  </a:schemeClr>
+                </a:solidFill>
+              </a:rPr>
+              <a:t> </a:t>
+            </a:r>
+            <a:r>
+              <a:rPr lang="en-US" sz="2000" dirty="0" smtClean="0">
+                <a:solidFill>
+                  <a:schemeClr val="bg1">
+                    <a:lumMod val="65000"/>
+                  </a:schemeClr>
+                </a:solidFill>
+              </a:rPr>
+              <a:t>SIMD</a:t>
+            </a:r>
+            <a:r>
+              <a:rPr lang="ru-RU" sz="2000" dirty="0" smtClean="0">
+                <a:solidFill>
+                  <a:schemeClr val="bg1">
+                    <a:lumMod val="65000"/>
+                  </a:schemeClr>
+                </a:solidFill>
+              </a:rPr>
+              <a:t>-расширения недостаточно быстрые. В </a:t>
+            </a:r>
+            <a:r>
+              <a:rPr lang="en-US" sz="2000" dirty="0" smtClean="0">
+                <a:solidFill>
+                  <a:schemeClr val="bg1">
+                    <a:lumMod val="65000"/>
+                  </a:schemeClr>
+                </a:solidFill>
+              </a:rPr>
+              <a:t>C++</a:t>
+            </a:r>
+            <a:r>
+              <a:rPr lang="ru-RU" sz="2000" dirty="0" smtClean="0">
+                <a:solidFill>
+                  <a:schemeClr val="bg1">
+                    <a:lumMod val="65000"/>
+                  </a:schemeClr>
+                </a:solidFill>
+              </a:rPr>
+              <a:t> быстрее</a:t>
+            </a:r>
+          </a:p>
+          <a:p>
+            <a:r>
+              <a:rPr lang="ru-RU" sz="2800" dirty="0" smtClean="0"/>
+              <a:t>Будьте готовы к тому, что вам придется написать </a:t>
+            </a:r>
+            <a:r>
+              <a:rPr lang="en-US" sz="2800" dirty="0" smtClean="0"/>
+              <a:t>C++</a:t>
+            </a:r>
+            <a:r>
+              <a:rPr lang="ru-RU" sz="2800" dirty="0" smtClean="0"/>
+              <a:t> код и подключить к вашему проекту в качестве внешней библиотеки</a:t>
+            </a:r>
+          </a:p>
+          <a:p>
+            <a:r>
+              <a:rPr lang="ru-RU" sz="2000" dirty="0" smtClean="0">
+                <a:solidFill>
+                  <a:schemeClr val="bg1">
+                    <a:lumMod val="65000"/>
+                  </a:schemeClr>
+                </a:solidFill>
+              </a:rPr>
+              <a:t>Будьте готовы к тому, что в итоге оптимизации не принесут существенного выигрыша</a:t>
+            </a:r>
+          </a:p>
+          <a:p>
+            <a:r>
+              <a:rPr lang="ru-RU" sz="2000" dirty="0" smtClean="0">
+                <a:solidFill>
+                  <a:schemeClr val="bg1">
+                    <a:lumMod val="65000"/>
+                  </a:schemeClr>
+                </a:solidFill>
+              </a:rPr>
+              <a:t>Будьте готовы пожертвовать незначительными оптимизациями в угоду читаемого кода</a:t>
+            </a:r>
+          </a:p>
+        </p:txBody>
+      </p:sp>
+    </p:spTree>
+    <p:extLst>
+      <p:ext uri="{BB962C8B-B14F-4D97-AF65-F5344CB8AC3E}">
+        <p14:creationId xmlns:p14="http://schemas.microsoft.com/office/powerpoint/2010/main" val="1817854740"/>
+      </p:ext>
+    </p:extLst>
+  </p:cSld>
+  <p:clrMapOvr>
+    <a:masterClrMapping/>
+  </p:clrMapOvr>
+  <p:timing>
+    <p:tnLst>
+      <p:par>
+        <p:cTn id="1" dur="indefinite" restart="never" nodeType="tmRoot"/>
+      </p:par>
+    </p:tnLst>
+  </p:timing>
+</p:sld>
+</file>
+
+<file path=ppt/slides/slide62.xml><?xml version="1.0" encoding="utf-8"?>
+<p:sld xmlns:a="http://schemas.openxmlformats.org/drawingml/2006/main" xmlns:r="http://schemas.openxmlformats.org/officeDocument/2006/relationships" xmlns:p="http://schemas.openxmlformats.org/presentationml/2006/main">
+  <p:cSld>
+    <p:spTree>
+      <p:nvGrpSpPr>
+        <p:cNvPr id="1" name=""/>
+        <p:cNvGrpSpPr/>
+        <p:nvPr/>
+      </p:nvGrpSpPr>
+      <p:grpSpPr>
+        <a:xfrm>
+          <a:off x="0" y="0"/>
+          <a:ext cx="0" cy="0"/>
+          <a:chOff x="0" y="0"/>
+          <a:chExt cx="0" cy="0"/>
+        </a:xfrm>
+      </p:grpSpPr>
+      <p:sp>
+        <p:nvSpPr>
+          <p:cNvPr id="2" name="Заголовок 1"/>
+          <p:cNvSpPr>
+            <a:spLocks noGrp="1"/>
+          </p:cNvSpPr>
+          <p:nvPr>
+            <p:ph type="title"/>
+          </p:nvPr>
+        </p:nvSpPr>
+        <p:spPr/>
+        <p:txBody>
+          <a:bodyPr>
+            <a:normAutofit fontScale="90000"/>
+          </a:bodyPr>
+          <a:lstStyle/>
+          <a:p>
+            <a:r>
+              <a:rPr lang="ru-RU" dirty="0" smtClean="0"/>
+              <a:t>Если вы решились векторизовать код</a:t>
+            </a:r>
+            <a:endParaRPr lang="ru-RU" dirty="0"/>
+          </a:p>
+        </p:txBody>
+      </p:sp>
+      <p:sp>
+        <p:nvSpPr>
+          <p:cNvPr id="3" name="Объект 2"/>
+          <p:cNvSpPr>
+            <a:spLocks noGrp="1"/>
+          </p:cNvSpPr>
+          <p:nvPr>
+            <p:ph idx="1"/>
+          </p:nvPr>
+        </p:nvSpPr>
+        <p:spPr/>
+        <p:txBody>
+          <a:bodyPr>
+            <a:normAutofit/>
+          </a:bodyPr>
+          <a:lstStyle/>
+          <a:p>
+            <a:r>
+              <a:rPr lang="ru-RU" sz="2000" dirty="0" smtClean="0">
+                <a:solidFill>
+                  <a:schemeClr val="bg1">
+                    <a:lumMod val="65000"/>
+                  </a:schemeClr>
+                </a:solidFill>
+              </a:rPr>
+              <a:t>Будьте готовы к тому, что</a:t>
+            </a:r>
+            <a:r>
+              <a:rPr lang="en-US" sz="2000" dirty="0" smtClean="0">
+                <a:solidFill>
+                  <a:schemeClr val="bg1">
+                    <a:lumMod val="65000"/>
+                  </a:schemeClr>
+                </a:solidFill>
+              </a:rPr>
+              <a:t> SIMD</a:t>
+            </a:r>
+            <a:r>
+              <a:rPr lang="ru-RU" sz="2000" dirty="0" smtClean="0">
+                <a:solidFill>
+                  <a:schemeClr val="bg1">
+                    <a:lumMod val="65000"/>
+                  </a:schemeClr>
+                </a:solidFill>
+              </a:rPr>
+              <a:t> расширения не оправдают ваших ожиданий</a:t>
+            </a:r>
+          </a:p>
+          <a:p>
+            <a:r>
+              <a:rPr lang="ru-RU" sz="2000" dirty="0" smtClean="0">
+                <a:solidFill>
+                  <a:schemeClr val="bg1">
+                    <a:lumMod val="65000"/>
+                  </a:schemeClr>
+                </a:solidFill>
+              </a:rPr>
+              <a:t>Будьте готовы изучать сгенерированный ассемблер, писать</a:t>
+            </a:r>
+            <a:r>
+              <a:rPr lang="en-US" sz="2000" dirty="0" smtClean="0">
+                <a:solidFill>
+                  <a:schemeClr val="bg1">
+                    <a:lumMod val="65000"/>
+                  </a:schemeClr>
+                </a:solidFill>
+              </a:rPr>
+              <a:t> </a:t>
+            </a:r>
+            <a:r>
+              <a:rPr lang="en-US" sz="2000" dirty="0" smtClean="0">
+                <a:solidFill>
+                  <a:schemeClr val="bg1">
+                    <a:lumMod val="65000"/>
+                  </a:schemeClr>
+                </a:solidFill>
+                <a:latin typeface="Consolas"/>
+              </a:rPr>
+              <a:t>unsafe</a:t>
+            </a:r>
+            <a:r>
+              <a:rPr lang="en-US" sz="2000" dirty="0">
+                <a:solidFill>
+                  <a:schemeClr val="bg1">
+                    <a:lumMod val="65000"/>
+                  </a:schemeClr>
+                </a:solidFill>
+              </a:rPr>
+              <a:t> </a:t>
+            </a:r>
+            <a:r>
+              <a:rPr lang="ru-RU" sz="2000" dirty="0" smtClean="0">
+                <a:solidFill>
+                  <a:schemeClr val="bg1">
+                    <a:lumMod val="65000"/>
+                  </a:schemeClr>
+                </a:solidFill>
+              </a:rPr>
+              <a:t>код</a:t>
+            </a:r>
+          </a:p>
+          <a:p>
+            <a:r>
+              <a:rPr lang="ru-RU" sz="2000" dirty="0" smtClean="0">
+                <a:solidFill>
+                  <a:schemeClr val="bg1">
+                    <a:lumMod val="65000"/>
+                  </a:schemeClr>
+                </a:solidFill>
+              </a:rPr>
+              <a:t>Будьте готовы к тому, что в </a:t>
+            </a:r>
+            <a:r>
+              <a:rPr lang="en-US" sz="2000" dirty="0" smtClean="0">
+                <a:solidFill>
+                  <a:schemeClr val="bg1">
+                    <a:lumMod val="65000"/>
+                  </a:schemeClr>
+                </a:solidFill>
+              </a:rPr>
+              <a:t>C#</a:t>
+            </a:r>
+            <a:r>
+              <a:rPr lang="ru-RU" sz="2000" dirty="0" smtClean="0">
+                <a:solidFill>
+                  <a:schemeClr val="bg1">
+                    <a:lumMod val="65000"/>
+                  </a:schemeClr>
+                </a:solidFill>
+              </a:rPr>
+              <a:t> </a:t>
+            </a:r>
+            <a:r>
+              <a:rPr lang="en-US" sz="2000" dirty="0" smtClean="0">
+                <a:solidFill>
+                  <a:schemeClr val="bg1">
+                    <a:lumMod val="65000"/>
+                  </a:schemeClr>
+                </a:solidFill>
+              </a:rPr>
+              <a:t>SIMD</a:t>
+            </a:r>
+            <a:r>
+              <a:rPr lang="ru-RU" sz="2000" dirty="0" smtClean="0">
+                <a:solidFill>
+                  <a:schemeClr val="bg1">
+                    <a:lumMod val="65000"/>
+                  </a:schemeClr>
+                </a:solidFill>
+              </a:rPr>
+              <a:t>-расширения недостаточно быстрые. В </a:t>
+            </a:r>
+            <a:r>
+              <a:rPr lang="en-US" sz="2000" dirty="0" smtClean="0">
+                <a:solidFill>
+                  <a:schemeClr val="bg1">
+                    <a:lumMod val="65000"/>
+                  </a:schemeClr>
+                </a:solidFill>
+              </a:rPr>
+              <a:t>C++</a:t>
+            </a:r>
+            <a:r>
+              <a:rPr lang="ru-RU" sz="2000" dirty="0" smtClean="0">
+                <a:solidFill>
+                  <a:schemeClr val="bg1">
+                    <a:lumMod val="65000"/>
+                  </a:schemeClr>
+                </a:solidFill>
+              </a:rPr>
+              <a:t> быстрее</a:t>
+            </a:r>
+          </a:p>
+          <a:p>
+            <a:r>
+              <a:rPr lang="ru-RU" sz="2000" dirty="0" smtClean="0">
+                <a:solidFill>
+                  <a:schemeClr val="bg1">
+                    <a:lumMod val="65000"/>
+                  </a:schemeClr>
+                </a:solidFill>
+              </a:rPr>
+              <a:t>Будьте готовы к тому, что вам придется написать </a:t>
+            </a:r>
+            <a:r>
+              <a:rPr lang="en-US" sz="2000" dirty="0" smtClean="0">
+                <a:solidFill>
+                  <a:schemeClr val="bg1">
+                    <a:lumMod val="65000"/>
+                  </a:schemeClr>
+                </a:solidFill>
+              </a:rPr>
+              <a:t>C++</a:t>
+            </a:r>
+            <a:r>
+              <a:rPr lang="ru-RU" sz="2000" dirty="0" smtClean="0">
+                <a:solidFill>
+                  <a:schemeClr val="bg1">
+                    <a:lumMod val="65000"/>
+                  </a:schemeClr>
+                </a:solidFill>
+              </a:rPr>
+              <a:t> код и подключить к вашему проекту в качестве внешней библиотеки</a:t>
+            </a:r>
+          </a:p>
+          <a:p>
+            <a:r>
+              <a:rPr lang="ru-RU" sz="2800" dirty="0" smtClean="0"/>
+              <a:t>Будьте готовы к тому, что в итоге оптимизации не принесут существенного выигрыша</a:t>
+            </a:r>
+          </a:p>
+          <a:p>
+            <a:r>
+              <a:rPr lang="ru-RU" sz="2000" dirty="0" smtClean="0">
+                <a:solidFill>
+                  <a:schemeClr val="bg1">
+                    <a:lumMod val="65000"/>
+                  </a:schemeClr>
+                </a:solidFill>
+              </a:rPr>
+              <a:t>Будьте готовы пожертвовать незначительными оптимизациями в угоду читаемого кода</a:t>
+            </a:r>
+          </a:p>
+        </p:txBody>
+      </p:sp>
+    </p:spTree>
+    <p:extLst>
+      <p:ext uri="{BB962C8B-B14F-4D97-AF65-F5344CB8AC3E}">
+        <p14:creationId xmlns:p14="http://schemas.microsoft.com/office/powerpoint/2010/main" val="1099677362"/>
+      </p:ext>
+    </p:extLst>
+  </p:cSld>
+  <p:clrMapOvr>
+    <a:masterClrMapping/>
+  </p:clrMapOvr>
+  <p:timing>
+    <p:tnLst>
+      <p:par>
+        <p:cTn id="1" dur="indefinite" restart="never" nodeType="tmRoot"/>
+      </p:par>
+    </p:tnLst>
+  </p:timing>
+</p:sld>
+</file>
+
+<file path=ppt/slides/slide63.xml><?xml version="1.0" encoding="utf-8"?>
+<p:sld xmlns:a="http://schemas.openxmlformats.org/drawingml/2006/main" xmlns:r="http://schemas.openxmlformats.org/officeDocument/2006/relationships" xmlns:p="http://schemas.openxmlformats.org/presentationml/2006/main">
+  <p:cSld>
+    <p:spTree>
+      <p:nvGrpSpPr>
+        <p:cNvPr id="1" name=""/>
+        <p:cNvGrpSpPr/>
+        <p:nvPr/>
+      </p:nvGrpSpPr>
+      <p:grpSpPr>
+        <a:xfrm>
+          <a:off x="0" y="0"/>
+          <a:ext cx="0" cy="0"/>
+          <a:chOff x="0" y="0"/>
+          <a:chExt cx="0" cy="0"/>
+        </a:xfrm>
+      </p:grpSpPr>
+      <p:sp>
+        <p:nvSpPr>
+          <p:cNvPr id="2" name="Заголовок 1"/>
+          <p:cNvSpPr>
+            <a:spLocks noGrp="1"/>
+          </p:cNvSpPr>
+          <p:nvPr>
+            <p:ph type="title"/>
+          </p:nvPr>
+        </p:nvSpPr>
+        <p:spPr/>
+        <p:txBody>
+          <a:bodyPr>
+            <a:normAutofit fontScale="90000"/>
+          </a:bodyPr>
+          <a:lstStyle/>
+          <a:p>
+            <a:r>
+              <a:rPr lang="ru-RU" dirty="0" smtClean="0"/>
+              <a:t>Если вы решились векторизовать код</a:t>
+            </a:r>
+            <a:endParaRPr lang="ru-RU" dirty="0"/>
+          </a:p>
+        </p:txBody>
+      </p:sp>
+      <p:sp>
+        <p:nvSpPr>
+          <p:cNvPr id="3" name="Объект 2"/>
+          <p:cNvSpPr>
+            <a:spLocks noGrp="1"/>
+          </p:cNvSpPr>
+          <p:nvPr>
+            <p:ph idx="1"/>
+          </p:nvPr>
+        </p:nvSpPr>
+        <p:spPr/>
+        <p:txBody>
+          <a:bodyPr>
+            <a:normAutofit/>
+          </a:bodyPr>
+          <a:lstStyle/>
+          <a:p>
+            <a:r>
+              <a:rPr lang="ru-RU" sz="2000" dirty="0" smtClean="0">
+                <a:solidFill>
+                  <a:schemeClr val="bg1">
+                    <a:lumMod val="65000"/>
+                  </a:schemeClr>
+                </a:solidFill>
+              </a:rPr>
+              <a:t>Будьте готовы к тому, что</a:t>
+            </a:r>
+            <a:r>
+              <a:rPr lang="en-US" sz="2000" dirty="0" smtClean="0">
+                <a:solidFill>
+                  <a:schemeClr val="bg1">
+                    <a:lumMod val="65000"/>
+                  </a:schemeClr>
+                </a:solidFill>
+              </a:rPr>
+              <a:t> SIMD</a:t>
+            </a:r>
+            <a:r>
+              <a:rPr lang="ru-RU" sz="2000" dirty="0" smtClean="0">
+                <a:solidFill>
+                  <a:schemeClr val="bg1">
+                    <a:lumMod val="65000"/>
+                  </a:schemeClr>
+                </a:solidFill>
+              </a:rPr>
+              <a:t> расширения не оправдают ваших ожиданий</a:t>
+            </a:r>
+          </a:p>
+          <a:p>
+            <a:r>
+              <a:rPr lang="ru-RU" sz="2000" dirty="0" smtClean="0">
+                <a:solidFill>
+                  <a:schemeClr val="bg1">
+                    <a:lumMod val="65000"/>
+                  </a:schemeClr>
+                </a:solidFill>
+              </a:rPr>
+              <a:t>Будьте готовы изучать сгенерированный ассемблер, писать</a:t>
+            </a:r>
+            <a:r>
+              <a:rPr lang="en-US" sz="2000" dirty="0" smtClean="0">
+                <a:solidFill>
+                  <a:schemeClr val="bg1">
+                    <a:lumMod val="65000"/>
+                  </a:schemeClr>
+                </a:solidFill>
+              </a:rPr>
+              <a:t> </a:t>
+            </a:r>
+            <a:r>
+              <a:rPr lang="en-US" sz="2000" dirty="0" smtClean="0">
+                <a:solidFill>
+                  <a:schemeClr val="bg1">
+                    <a:lumMod val="65000"/>
+                  </a:schemeClr>
+                </a:solidFill>
+                <a:latin typeface="Consolas"/>
+              </a:rPr>
+              <a:t>unsafe</a:t>
+            </a:r>
+            <a:r>
+              <a:rPr lang="en-US" sz="2000" dirty="0">
+                <a:solidFill>
+                  <a:schemeClr val="bg1">
+                    <a:lumMod val="65000"/>
+                  </a:schemeClr>
+                </a:solidFill>
+              </a:rPr>
+              <a:t> </a:t>
+            </a:r>
+            <a:r>
+              <a:rPr lang="ru-RU" sz="2000" dirty="0" smtClean="0">
+                <a:solidFill>
+                  <a:schemeClr val="bg1">
+                    <a:lumMod val="65000"/>
+                  </a:schemeClr>
+                </a:solidFill>
+              </a:rPr>
+              <a:t>код</a:t>
+            </a:r>
+          </a:p>
+          <a:p>
+            <a:r>
+              <a:rPr lang="ru-RU" sz="2000" dirty="0" smtClean="0">
+                <a:solidFill>
+                  <a:schemeClr val="bg1">
+                    <a:lumMod val="65000"/>
+                  </a:schemeClr>
+                </a:solidFill>
+              </a:rPr>
+              <a:t>Будьте готовы к тому, что в </a:t>
+            </a:r>
+            <a:r>
+              <a:rPr lang="en-US" sz="2000" dirty="0" smtClean="0">
+                <a:solidFill>
+                  <a:schemeClr val="bg1">
+                    <a:lumMod val="65000"/>
+                  </a:schemeClr>
+                </a:solidFill>
+              </a:rPr>
+              <a:t>C#</a:t>
+            </a:r>
+            <a:r>
+              <a:rPr lang="ru-RU" sz="2000" dirty="0" smtClean="0">
+                <a:solidFill>
+                  <a:schemeClr val="bg1">
+                    <a:lumMod val="65000"/>
+                  </a:schemeClr>
+                </a:solidFill>
+              </a:rPr>
+              <a:t> </a:t>
+            </a:r>
+            <a:r>
+              <a:rPr lang="en-US" sz="2000" dirty="0" smtClean="0">
+                <a:solidFill>
+                  <a:schemeClr val="bg1">
+                    <a:lumMod val="65000"/>
+                  </a:schemeClr>
+                </a:solidFill>
+              </a:rPr>
+              <a:t>SIMD</a:t>
+            </a:r>
+            <a:r>
+              <a:rPr lang="ru-RU" sz="2000" dirty="0" smtClean="0">
+                <a:solidFill>
+                  <a:schemeClr val="bg1">
+                    <a:lumMod val="65000"/>
+                  </a:schemeClr>
+                </a:solidFill>
+              </a:rPr>
+              <a:t>-расширения недостаточно быстрые. В </a:t>
+            </a:r>
+            <a:r>
+              <a:rPr lang="en-US" sz="2000" dirty="0" smtClean="0">
+                <a:solidFill>
+                  <a:schemeClr val="bg1">
+                    <a:lumMod val="65000"/>
+                  </a:schemeClr>
+                </a:solidFill>
+              </a:rPr>
+              <a:t>C++</a:t>
+            </a:r>
+            <a:r>
+              <a:rPr lang="ru-RU" sz="2000" dirty="0" smtClean="0">
+                <a:solidFill>
+                  <a:schemeClr val="bg1">
+                    <a:lumMod val="65000"/>
+                  </a:schemeClr>
+                </a:solidFill>
+              </a:rPr>
+              <a:t> быстрее</a:t>
+            </a:r>
+          </a:p>
+          <a:p>
+            <a:r>
+              <a:rPr lang="ru-RU" sz="2000" dirty="0" smtClean="0">
+                <a:solidFill>
+                  <a:schemeClr val="bg1">
+                    <a:lumMod val="65000"/>
+                  </a:schemeClr>
+                </a:solidFill>
+              </a:rPr>
+              <a:t>Будьте готовы к тому, что вам придется написать </a:t>
+            </a:r>
+            <a:r>
+              <a:rPr lang="en-US" sz="2000" dirty="0" smtClean="0">
+                <a:solidFill>
+                  <a:schemeClr val="bg1">
+                    <a:lumMod val="65000"/>
+                  </a:schemeClr>
+                </a:solidFill>
+              </a:rPr>
+              <a:t>C++</a:t>
+            </a:r>
+            <a:r>
+              <a:rPr lang="ru-RU" sz="2000" dirty="0" smtClean="0">
+                <a:solidFill>
+                  <a:schemeClr val="bg1">
+                    <a:lumMod val="65000"/>
+                  </a:schemeClr>
+                </a:solidFill>
+              </a:rPr>
+              <a:t> код и подключить к вашему проекту в качестве внешней библиотеки</a:t>
+            </a:r>
+          </a:p>
+          <a:p>
+            <a:r>
+              <a:rPr lang="ru-RU" sz="2000" dirty="0" smtClean="0">
+                <a:solidFill>
+                  <a:schemeClr val="bg1">
+                    <a:lumMod val="65000"/>
+                  </a:schemeClr>
+                </a:solidFill>
+              </a:rPr>
+              <a:t>Будьте готовы к тому, что в итоге оптимизации не принесут существенного выигрыша</a:t>
+            </a:r>
+          </a:p>
+          <a:p>
+            <a:r>
+              <a:rPr lang="ru-RU" sz="2800" dirty="0" smtClean="0">
+                <a:solidFill>
+                  <a:srgbClr val="F96767"/>
+                </a:solidFill>
+              </a:rPr>
+              <a:t>Будьте готовы пожертвовать незначительными оптимизациями в угоду читаемого кода</a:t>
+            </a:r>
+          </a:p>
+        </p:txBody>
+      </p:sp>
+    </p:spTree>
+    <p:extLst>
+      <p:ext uri="{BB962C8B-B14F-4D97-AF65-F5344CB8AC3E}">
+        <p14:creationId xmlns:p14="http://schemas.microsoft.com/office/powerpoint/2010/main" val="3018798697"/>
+      </p:ext>
+    </p:extLst>
+  </p:cSld>
+  <p:clrMapOvr>
+    <a:masterClrMapping/>
+  </p:clrMapOvr>
+  <p:timing>
+    <p:tnLst>
+      <p:par>
+        <p:cTn id="1" dur="indefinite" restart="never" nodeType="tmRoot"/>
+      </p:par>
+    </p:tnLst>
+  </p:timing>
+</p:sld>
+</file>
+
+<file path=ppt/slides/slide64.xml><?xml version="1.0" encoding="utf-8"?>
+<p:sld xmlns:a="http://schemas.openxmlformats.org/drawingml/2006/main" xmlns:r="http://schemas.openxmlformats.org/officeDocument/2006/relationships" xmlns:p="http://schemas.openxmlformats.org/presentationml/2006/main">
+  <p:cSld>
+    <p:spTree>
+      <p:nvGrpSpPr>
+        <p:cNvPr id="1" name=""/>
+        <p:cNvGrpSpPr/>
+        <p:nvPr/>
+      </p:nvGrpSpPr>
+      <p:grpSpPr>
+        <a:xfrm>
+          <a:off x="0" y="0"/>
+          <a:ext cx="0" cy="0"/>
+          <a:chOff x="0" y="0"/>
+          <a:chExt cx="0" cy="0"/>
+        </a:xfrm>
+      </p:grpSpPr>
+      <p:sp>
+        <p:nvSpPr>
+          <p:cNvPr id="5" name="Прямоугольник 4"/>
+          <p:cNvSpPr/>
+          <p:nvPr/>
+        </p:nvSpPr>
+        <p:spPr>
+          <a:xfrm>
+            <a:off x="179512" y="1340768"/>
+            <a:ext cx="8784976" cy="2031325"/>
+          </a:xfrm>
+          <a:prstGeom prst="rect">
+            <a:avLst/>
+          </a:prstGeom>
+        </p:spPr>
+        <p:txBody>
+          <a:bodyPr wrap="square">
+            <a:spAutoFit/>
+          </a:bodyPr>
+          <a:lstStyle/>
+          <a:p>
+            <a:r>
+              <a:rPr lang="en-US" dirty="0" err="1">
+                <a:solidFill>
+                  <a:srgbClr val="8000FF"/>
+                </a:solidFill>
+                <a:latin typeface="Courier New"/>
+              </a:rPr>
+              <a:t>int</a:t>
+            </a:r>
+            <a:r>
+              <a:rPr lang="en-US" dirty="0">
+                <a:solidFill>
+                  <a:srgbClr val="000000"/>
+                </a:solidFill>
+                <a:latin typeface="Courier New"/>
+              </a:rPr>
+              <a:t> </a:t>
+            </a:r>
+            <a:r>
+              <a:rPr lang="en-US" dirty="0" err="1">
+                <a:solidFill>
+                  <a:srgbClr val="000000"/>
+                </a:solidFill>
+                <a:latin typeface="Courier New"/>
+              </a:rPr>
+              <a:t>memcmp</a:t>
+            </a:r>
+            <a:r>
+              <a:rPr lang="en-US" b="1" dirty="0">
+                <a:solidFill>
+                  <a:srgbClr val="000080"/>
+                </a:solidFill>
+                <a:latin typeface="Courier New"/>
+              </a:rPr>
+              <a:t>(</a:t>
+            </a:r>
+            <a:r>
+              <a:rPr lang="en-US" dirty="0" err="1">
+                <a:solidFill>
+                  <a:srgbClr val="8000FF"/>
+                </a:solidFill>
+                <a:latin typeface="Courier New"/>
+              </a:rPr>
+              <a:t>const</a:t>
+            </a:r>
+            <a:r>
+              <a:rPr lang="en-US" dirty="0">
+                <a:solidFill>
+                  <a:srgbClr val="000000"/>
+                </a:solidFill>
+                <a:latin typeface="Courier New"/>
+              </a:rPr>
+              <a:t> </a:t>
+            </a:r>
+            <a:r>
+              <a:rPr lang="en-US" dirty="0">
+                <a:solidFill>
+                  <a:srgbClr val="8000FF"/>
+                </a:solidFill>
+                <a:latin typeface="Courier New"/>
+              </a:rPr>
+              <a:t>char</a:t>
+            </a:r>
+            <a:r>
+              <a:rPr lang="en-US" dirty="0">
+                <a:solidFill>
+                  <a:srgbClr val="000000"/>
+                </a:solidFill>
+                <a:latin typeface="Courier New"/>
+              </a:rPr>
+              <a:t> </a:t>
+            </a:r>
+            <a:r>
+              <a:rPr lang="en-US" b="1" dirty="0">
+                <a:solidFill>
+                  <a:srgbClr val="000080"/>
+                </a:solidFill>
+                <a:latin typeface="Courier New"/>
+              </a:rPr>
+              <a:t>*</a:t>
+            </a:r>
+            <a:r>
+              <a:rPr lang="en-US" dirty="0">
+                <a:solidFill>
+                  <a:srgbClr val="000000"/>
+                </a:solidFill>
+                <a:latin typeface="Courier New"/>
+              </a:rPr>
+              <a:t>src_1</a:t>
+            </a:r>
+            <a:r>
+              <a:rPr lang="en-US" b="1" dirty="0">
+                <a:solidFill>
+                  <a:srgbClr val="000080"/>
+                </a:solidFill>
+                <a:latin typeface="Courier New"/>
+              </a:rPr>
+              <a:t>,</a:t>
+            </a:r>
+            <a:r>
+              <a:rPr lang="en-US" dirty="0">
+                <a:solidFill>
+                  <a:srgbClr val="000000"/>
+                </a:solidFill>
+                <a:latin typeface="Courier New"/>
+              </a:rPr>
+              <a:t> </a:t>
+            </a:r>
+            <a:r>
+              <a:rPr lang="en-US" dirty="0" err="1">
+                <a:solidFill>
+                  <a:srgbClr val="8000FF"/>
+                </a:solidFill>
+                <a:latin typeface="Courier New"/>
+              </a:rPr>
+              <a:t>const</a:t>
+            </a:r>
+            <a:r>
+              <a:rPr lang="en-US" dirty="0">
+                <a:solidFill>
+                  <a:srgbClr val="000000"/>
+                </a:solidFill>
+                <a:latin typeface="Courier New"/>
+              </a:rPr>
+              <a:t> </a:t>
+            </a:r>
+            <a:r>
+              <a:rPr lang="en-US" dirty="0">
+                <a:solidFill>
+                  <a:srgbClr val="8000FF"/>
+                </a:solidFill>
+                <a:latin typeface="Courier New"/>
+              </a:rPr>
+              <a:t>char</a:t>
+            </a:r>
+            <a:r>
+              <a:rPr lang="en-US" b="1" dirty="0">
+                <a:solidFill>
+                  <a:srgbClr val="000080"/>
+                </a:solidFill>
+                <a:latin typeface="Courier New"/>
+              </a:rPr>
+              <a:t>*</a:t>
+            </a:r>
+            <a:r>
+              <a:rPr lang="en-US" dirty="0">
+                <a:solidFill>
+                  <a:srgbClr val="000000"/>
+                </a:solidFill>
+                <a:latin typeface="Courier New"/>
+              </a:rPr>
+              <a:t> src_2</a:t>
+            </a:r>
+            <a:r>
+              <a:rPr lang="en-US" b="1" dirty="0">
+                <a:solidFill>
+                  <a:srgbClr val="000080"/>
+                </a:solidFill>
+                <a:latin typeface="Courier New"/>
+              </a:rPr>
+              <a:t>,</a:t>
+            </a:r>
+            <a:r>
+              <a:rPr lang="en-US" dirty="0">
+                <a:solidFill>
+                  <a:srgbClr val="000000"/>
+                </a:solidFill>
+                <a:latin typeface="Courier New"/>
+              </a:rPr>
+              <a:t> </a:t>
+            </a:r>
+            <a:r>
+              <a:rPr lang="en-US" dirty="0" err="1">
+                <a:solidFill>
+                  <a:srgbClr val="8000FF"/>
+                </a:solidFill>
+                <a:latin typeface="Courier New"/>
+              </a:rPr>
+              <a:t>int</a:t>
+            </a:r>
+            <a:r>
+              <a:rPr lang="en-US" dirty="0">
+                <a:solidFill>
+                  <a:srgbClr val="000000"/>
+                </a:solidFill>
+                <a:latin typeface="Courier New"/>
+              </a:rPr>
+              <a:t> </a:t>
+            </a:r>
+            <a:r>
+              <a:rPr lang="en-US" dirty="0" err="1">
+                <a:solidFill>
+                  <a:srgbClr val="000000"/>
+                </a:solidFill>
+                <a:latin typeface="Courier New"/>
+              </a:rPr>
+              <a:t>len</a:t>
+            </a:r>
+            <a:r>
+              <a:rPr lang="en-US" b="1" dirty="0">
+                <a:solidFill>
+                  <a:srgbClr val="000080"/>
+                </a:solidFill>
+                <a:latin typeface="Courier New"/>
+              </a:rPr>
+              <a:t>)</a:t>
+            </a:r>
+            <a:r>
+              <a:rPr lang="en-US" dirty="0">
+                <a:solidFill>
+                  <a:srgbClr val="000000"/>
+                </a:solidFill>
+                <a:latin typeface="Courier New"/>
+              </a:rPr>
+              <a:t> </a:t>
+            </a:r>
+            <a:endParaRPr lang="ru-RU" dirty="0" smtClean="0">
+              <a:solidFill>
+                <a:srgbClr val="000000"/>
+              </a:solidFill>
+              <a:latin typeface="Courier New"/>
+            </a:endParaRPr>
+          </a:p>
+          <a:p>
+            <a:r>
+              <a:rPr lang="en-US" b="1" dirty="0" smtClean="0">
+                <a:solidFill>
+                  <a:srgbClr val="000080"/>
+                </a:solidFill>
+                <a:latin typeface="Courier New"/>
+              </a:rPr>
+              <a:t>{</a:t>
+            </a:r>
+            <a:r>
+              <a:rPr lang="en-US" dirty="0" smtClean="0">
+                <a:solidFill>
+                  <a:srgbClr val="000000"/>
+                </a:solidFill>
+                <a:latin typeface="Courier New"/>
+              </a:rPr>
+              <a:t> </a:t>
+            </a:r>
+            <a:endParaRPr lang="ru-RU" dirty="0" smtClean="0">
+              <a:solidFill>
+                <a:srgbClr val="000000"/>
+              </a:solidFill>
+              <a:latin typeface="Courier New"/>
+            </a:endParaRPr>
+          </a:p>
+          <a:p>
+            <a:r>
+              <a:rPr lang="ru-RU" b="1" dirty="0">
+                <a:solidFill>
+                  <a:srgbClr val="000000"/>
+                </a:solidFill>
+                <a:latin typeface="Courier New"/>
+              </a:rPr>
+              <a:t>	</a:t>
+            </a:r>
+            <a:r>
+              <a:rPr lang="en-US" b="1" dirty="0" smtClean="0">
+                <a:solidFill>
+                  <a:srgbClr val="0000FF"/>
+                </a:solidFill>
+                <a:latin typeface="Courier New"/>
+              </a:rPr>
+              <a:t>for</a:t>
+            </a:r>
+            <a:r>
+              <a:rPr lang="en-US" dirty="0" smtClean="0">
+                <a:solidFill>
+                  <a:srgbClr val="000000"/>
+                </a:solidFill>
+                <a:latin typeface="Courier New"/>
+              </a:rPr>
+              <a:t> </a:t>
+            </a:r>
+            <a:r>
+              <a:rPr lang="en-US" b="1" dirty="0">
+                <a:solidFill>
+                  <a:srgbClr val="000080"/>
+                </a:solidFill>
+                <a:latin typeface="Courier New"/>
+              </a:rPr>
+              <a:t>(</a:t>
+            </a:r>
+            <a:r>
+              <a:rPr lang="en-US" dirty="0" err="1">
+                <a:solidFill>
+                  <a:srgbClr val="8000FF"/>
+                </a:solidFill>
+                <a:latin typeface="Courier New"/>
+              </a:rPr>
+              <a:t>int</a:t>
+            </a:r>
+            <a:r>
+              <a:rPr lang="en-US" dirty="0">
+                <a:solidFill>
+                  <a:srgbClr val="000000"/>
+                </a:solidFill>
+                <a:latin typeface="Courier New"/>
+              </a:rPr>
+              <a:t> </a:t>
+            </a:r>
+            <a:r>
+              <a:rPr lang="en-US" dirty="0" err="1">
+                <a:solidFill>
+                  <a:srgbClr val="000000"/>
+                </a:solidFill>
+                <a:latin typeface="Courier New"/>
+              </a:rPr>
+              <a:t>i</a:t>
+            </a:r>
+            <a:r>
+              <a:rPr lang="en-US" dirty="0">
+                <a:solidFill>
+                  <a:srgbClr val="000000"/>
+                </a:solidFill>
+                <a:latin typeface="Courier New"/>
+              </a:rPr>
+              <a:t> </a:t>
+            </a:r>
+            <a:r>
+              <a:rPr lang="en-US" b="1" dirty="0">
+                <a:solidFill>
+                  <a:srgbClr val="000080"/>
+                </a:solidFill>
+                <a:latin typeface="Courier New"/>
+              </a:rPr>
+              <a:t>=</a:t>
+            </a:r>
+            <a:r>
+              <a:rPr lang="en-US" dirty="0">
+                <a:solidFill>
+                  <a:srgbClr val="000000"/>
+                </a:solidFill>
+                <a:latin typeface="Courier New"/>
+              </a:rPr>
+              <a:t> </a:t>
+            </a:r>
+            <a:r>
+              <a:rPr lang="en-US" dirty="0">
+                <a:solidFill>
+                  <a:srgbClr val="FF8000"/>
+                </a:solidFill>
+                <a:latin typeface="Courier New"/>
+              </a:rPr>
+              <a:t>0</a:t>
+            </a:r>
+            <a:r>
+              <a:rPr lang="en-US" b="1" dirty="0">
+                <a:solidFill>
+                  <a:srgbClr val="000080"/>
+                </a:solidFill>
+                <a:latin typeface="Courier New"/>
+              </a:rPr>
+              <a:t>;</a:t>
+            </a:r>
+            <a:r>
+              <a:rPr lang="en-US" dirty="0">
+                <a:solidFill>
+                  <a:srgbClr val="000000"/>
+                </a:solidFill>
+                <a:latin typeface="Courier New"/>
+              </a:rPr>
+              <a:t> </a:t>
+            </a:r>
+            <a:r>
+              <a:rPr lang="en-US" dirty="0" err="1">
+                <a:solidFill>
+                  <a:srgbClr val="000000"/>
+                </a:solidFill>
+                <a:latin typeface="Courier New"/>
+              </a:rPr>
+              <a:t>i</a:t>
+            </a:r>
+            <a:r>
+              <a:rPr lang="en-US" dirty="0">
+                <a:solidFill>
+                  <a:srgbClr val="000000"/>
+                </a:solidFill>
+                <a:latin typeface="Courier New"/>
+              </a:rPr>
+              <a:t> </a:t>
+            </a:r>
+            <a:r>
+              <a:rPr lang="en-US" b="1" dirty="0">
+                <a:solidFill>
+                  <a:srgbClr val="000080"/>
+                </a:solidFill>
+                <a:latin typeface="Courier New"/>
+              </a:rPr>
+              <a:t>&lt;</a:t>
+            </a:r>
+            <a:r>
+              <a:rPr lang="en-US" dirty="0">
+                <a:solidFill>
+                  <a:srgbClr val="000000"/>
+                </a:solidFill>
+                <a:latin typeface="Courier New"/>
+              </a:rPr>
+              <a:t> </a:t>
+            </a:r>
+            <a:r>
+              <a:rPr lang="en-US" dirty="0" err="1">
+                <a:solidFill>
+                  <a:srgbClr val="000000"/>
+                </a:solidFill>
+                <a:latin typeface="Courier New"/>
+              </a:rPr>
+              <a:t>len</a:t>
+            </a:r>
+            <a:r>
+              <a:rPr lang="en-US" b="1" dirty="0">
+                <a:solidFill>
+                  <a:srgbClr val="000080"/>
+                </a:solidFill>
+                <a:latin typeface="Courier New"/>
+              </a:rPr>
+              <a:t>;</a:t>
+            </a:r>
+            <a:r>
+              <a:rPr lang="en-US" dirty="0">
+                <a:solidFill>
+                  <a:srgbClr val="000000"/>
+                </a:solidFill>
+                <a:latin typeface="Courier New"/>
+              </a:rPr>
+              <a:t> </a:t>
+            </a:r>
+            <a:r>
+              <a:rPr lang="en-US" dirty="0" err="1">
+                <a:solidFill>
+                  <a:srgbClr val="000000"/>
+                </a:solidFill>
+                <a:latin typeface="Courier New"/>
+              </a:rPr>
+              <a:t>i</a:t>
+            </a:r>
+            <a:r>
+              <a:rPr lang="en-US" b="1" dirty="0" smtClean="0">
+                <a:solidFill>
+                  <a:srgbClr val="000080"/>
+                </a:solidFill>
+                <a:latin typeface="Courier New"/>
+              </a:rPr>
+              <a:t>++){</a:t>
+            </a:r>
+            <a:r>
+              <a:rPr lang="en-US" dirty="0" smtClean="0">
+                <a:solidFill>
+                  <a:srgbClr val="000000"/>
+                </a:solidFill>
+                <a:latin typeface="Courier New"/>
+              </a:rPr>
+              <a:t> </a:t>
+            </a:r>
+            <a:endParaRPr lang="ru-RU" dirty="0" smtClean="0">
+              <a:solidFill>
+                <a:srgbClr val="000000"/>
+              </a:solidFill>
+              <a:latin typeface="Courier New"/>
+            </a:endParaRPr>
+          </a:p>
+          <a:p>
+            <a:r>
+              <a:rPr lang="ru-RU" b="1" dirty="0">
+                <a:solidFill>
+                  <a:srgbClr val="000000"/>
+                </a:solidFill>
+                <a:latin typeface="Courier New"/>
+              </a:rPr>
+              <a:t>	</a:t>
+            </a:r>
+            <a:r>
+              <a:rPr lang="ru-RU" b="1" dirty="0" smtClean="0">
+                <a:solidFill>
+                  <a:srgbClr val="000000"/>
+                </a:solidFill>
+                <a:latin typeface="Courier New"/>
+              </a:rPr>
+              <a:t>	</a:t>
+            </a:r>
+            <a:r>
+              <a:rPr lang="en-US" b="1" dirty="0" smtClean="0">
+                <a:solidFill>
+                  <a:srgbClr val="0000FF"/>
+                </a:solidFill>
+                <a:latin typeface="Courier New"/>
+              </a:rPr>
+              <a:t>if</a:t>
+            </a:r>
+            <a:r>
+              <a:rPr lang="en-US" dirty="0" smtClean="0">
+                <a:solidFill>
+                  <a:srgbClr val="000000"/>
+                </a:solidFill>
+                <a:latin typeface="Courier New"/>
+              </a:rPr>
+              <a:t> </a:t>
+            </a:r>
+            <a:r>
+              <a:rPr lang="en-US" b="1" dirty="0">
+                <a:solidFill>
+                  <a:srgbClr val="000080"/>
+                </a:solidFill>
+                <a:latin typeface="Courier New"/>
+              </a:rPr>
+              <a:t>(</a:t>
+            </a:r>
+            <a:r>
+              <a:rPr lang="en-US" dirty="0">
+                <a:solidFill>
+                  <a:srgbClr val="000000"/>
+                </a:solidFill>
+                <a:latin typeface="Courier New"/>
+              </a:rPr>
+              <a:t>src_1</a:t>
+            </a:r>
+            <a:r>
+              <a:rPr lang="en-US" b="1" dirty="0">
+                <a:solidFill>
+                  <a:srgbClr val="000080"/>
+                </a:solidFill>
+                <a:latin typeface="Courier New"/>
+              </a:rPr>
+              <a:t>[</a:t>
+            </a:r>
+            <a:r>
+              <a:rPr lang="en-US" dirty="0" err="1">
+                <a:solidFill>
+                  <a:srgbClr val="000000"/>
+                </a:solidFill>
+                <a:latin typeface="Courier New"/>
+              </a:rPr>
+              <a:t>i</a:t>
+            </a:r>
+            <a:r>
+              <a:rPr lang="en-US" b="1" dirty="0">
+                <a:solidFill>
+                  <a:srgbClr val="000080"/>
+                </a:solidFill>
+                <a:latin typeface="Courier New"/>
+              </a:rPr>
+              <a:t>]</a:t>
+            </a:r>
+            <a:r>
+              <a:rPr lang="en-US" dirty="0">
+                <a:solidFill>
+                  <a:srgbClr val="000000"/>
+                </a:solidFill>
+                <a:latin typeface="Courier New"/>
+              </a:rPr>
+              <a:t> </a:t>
+            </a:r>
+            <a:r>
+              <a:rPr lang="en-US" b="1" dirty="0">
+                <a:solidFill>
+                  <a:srgbClr val="000080"/>
+                </a:solidFill>
+                <a:latin typeface="Courier New"/>
+              </a:rPr>
+              <a:t>!=</a:t>
+            </a:r>
+            <a:r>
+              <a:rPr lang="en-US" dirty="0">
+                <a:solidFill>
+                  <a:srgbClr val="000000"/>
+                </a:solidFill>
+                <a:latin typeface="Courier New"/>
+              </a:rPr>
+              <a:t> src_2</a:t>
+            </a:r>
+            <a:r>
+              <a:rPr lang="en-US" b="1" dirty="0">
+                <a:solidFill>
+                  <a:srgbClr val="000080"/>
+                </a:solidFill>
+                <a:latin typeface="Courier New"/>
+              </a:rPr>
+              <a:t>[</a:t>
+            </a:r>
+            <a:r>
+              <a:rPr lang="en-US" dirty="0" err="1">
+                <a:solidFill>
+                  <a:srgbClr val="000000"/>
+                </a:solidFill>
+                <a:latin typeface="Courier New"/>
+              </a:rPr>
+              <a:t>i</a:t>
+            </a:r>
+            <a:r>
+              <a:rPr lang="en-US" b="1" dirty="0">
+                <a:solidFill>
+                  <a:srgbClr val="000080"/>
+                </a:solidFill>
+                <a:latin typeface="Courier New"/>
+              </a:rPr>
+              <a:t>])</a:t>
+            </a:r>
+            <a:r>
+              <a:rPr lang="en-US" dirty="0">
+                <a:solidFill>
+                  <a:srgbClr val="000000"/>
+                </a:solidFill>
+                <a:latin typeface="Courier New"/>
+              </a:rPr>
+              <a:t> </a:t>
+            </a:r>
+            <a:endParaRPr lang="ru-RU" dirty="0" smtClean="0">
+              <a:solidFill>
+                <a:srgbClr val="000000"/>
+              </a:solidFill>
+              <a:latin typeface="Courier New"/>
+            </a:endParaRPr>
+          </a:p>
+          <a:p>
+            <a:r>
+              <a:rPr lang="ru-RU" b="1" dirty="0">
+                <a:solidFill>
+                  <a:srgbClr val="000000"/>
+                </a:solidFill>
+                <a:latin typeface="Courier New"/>
+              </a:rPr>
+              <a:t>	</a:t>
+            </a:r>
+            <a:r>
+              <a:rPr lang="ru-RU" b="1" dirty="0" smtClean="0">
+                <a:solidFill>
+                  <a:srgbClr val="000000"/>
+                </a:solidFill>
+                <a:latin typeface="Courier New"/>
+              </a:rPr>
+              <a:t>		</a:t>
+            </a:r>
+            <a:r>
+              <a:rPr lang="en-US" b="1" dirty="0" smtClean="0">
+                <a:solidFill>
+                  <a:srgbClr val="0000FF"/>
+                </a:solidFill>
+                <a:latin typeface="Courier New"/>
+              </a:rPr>
+              <a:t>return</a:t>
+            </a:r>
+            <a:r>
+              <a:rPr lang="en-US" dirty="0" smtClean="0">
+                <a:solidFill>
+                  <a:srgbClr val="000000"/>
+                </a:solidFill>
+                <a:latin typeface="Courier New"/>
+              </a:rPr>
+              <a:t> </a:t>
+            </a:r>
+            <a:r>
+              <a:rPr lang="en-US" dirty="0">
+                <a:solidFill>
+                  <a:srgbClr val="000000"/>
+                </a:solidFill>
+                <a:latin typeface="Courier New"/>
+              </a:rPr>
+              <a:t>src_1</a:t>
+            </a:r>
+            <a:r>
+              <a:rPr lang="en-US" b="1" dirty="0">
+                <a:solidFill>
+                  <a:srgbClr val="000080"/>
+                </a:solidFill>
+                <a:latin typeface="Courier New"/>
+              </a:rPr>
+              <a:t>[</a:t>
+            </a:r>
+            <a:r>
+              <a:rPr lang="en-US" dirty="0" err="1">
+                <a:solidFill>
+                  <a:srgbClr val="000000"/>
+                </a:solidFill>
+                <a:latin typeface="Courier New"/>
+              </a:rPr>
+              <a:t>i</a:t>
+            </a:r>
+            <a:r>
+              <a:rPr lang="en-US" b="1" dirty="0">
+                <a:solidFill>
+                  <a:srgbClr val="000080"/>
+                </a:solidFill>
+                <a:latin typeface="Courier New"/>
+              </a:rPr>
+              <a:t>]</a:t>
+            </a:r>
+            <a:r>
+              <a:rPr lang="en-US" dirty="0">
+                <a:solidFill>
+                  <a:srgbClr val="000000"/>
+                </a:solidFill>
+                <a:latin typeface="Courier New"/>
+              </a:rPr>
+              <a:t> </a:t>
+            </a:r>
+            <a:r>
+              <a:rPr lang="en-US" b="1" dirty="0">
+                <a:solidFill>
+                  <a:srgbClr val="000080"/>
+                </a:solidFill>
+                <a:latin typeface="Courier New"/>
+              </a:rPr>
+              <a:t>&lt;</a:t>
+            </a:r>
+            <a:r>
+              <a:rPr lang="en-US" dirty="0">
+                <a:solidFill>
+                  <a:srgbClr val="000000"/>
+                </a:solidFill>
+                <a:latin typeface="Courier New"/>
+              </a:rPr>
+              <a:t> src_2</a:t>
+            </a:r>
+            <a:r>
+              <a:rPr lang="en-US" b="1" dirty="0">
+                <a:solidFill>
+                  <a:srgbClr val="000080"/>
+                </a:solidFill>
+                <a:latin typeface="Courier New"/>
+              </a:rPr>
+              <a:t>[</a:t>
+            </a:r>
+            <a:r>
+              <a:rPr lang="en-US" dirty="0" err="1">
+                <a:solidFill>
+                  <a:srgbClr val="000000"/>
+                </a:solidFill>
+                <a:latin typeface="Courier New"/>
+              </a:rPr>
+              <a:t>i</a:t>
+            </a:r>
+            <a:r>
+              <a:rPr lang="en-US" b="1" dirty="0">
+                <a:solidFill>
+                  <a:srgbClr val="000080"/>
+                </a:solidFill>
+                <a:latin typeface="Courier New"/>
+              </a:rPr>
+              <a:t>]</a:t>
+            </a:r>
+            <a:r>
+              <a:rPr lang="en-US" dirty="0">
+                <a:solidFill>
+                  <a:srgbClr val="000000"/>
+                </a:solidFill>
+                <a:latin typeface="Courier New"/>
+              </a:rPr>
+              <a:t> </a:t>
+            </a:r>
+            <a:r>
+              <a:rPr lang="en-US" b="1" dirty="0">
+                <a:solidFill>
+                  <a:srgbClr val="000080"/>
+                </a:solidFill>
+                <a:latin typeface="Courier New"/>
+              </a:rPr>
+              <a:t>?</a:t>
+            </a:r>
+            <a:r>
+              <a:rPr lang="en-US" dirty="0">
+                <a:solidFill>
+                  <a:srgbClr val="000000"/>
+                </a:solidFill>
+                <a:latin typeface="Courier New"/>
+              </a:rPr>
+              <a:t> </a:t>
+            </a:r>
+            <a:r>
+              <a:rPr lang="en-US" b="1" dirty="0">
+                <a:solidFill>
+                  <a:srgbClr val="000080"/>
+                </a:solidFill>
+                <a:latin typeface="Courier New"/>
+              </a:rPr>
+              <a:t>-</a:t>
+            </a:r>
+            <a:r>
+              <a:rPr lang="en-US" dirty="0">
+                <a:solidFill>
+                  <a:srgbClr val="FF8000"/>
+                </a:solidFill>
+                <a:latin typeface="Courier New"/>
+              </a:rPr>
+              <a:t>1</a:t>
+            </a:r>
+            <a:r>
+              <a:rPr lang="en-US" dirty="0">
+                <a:solidFill>
+                  <a:srgbClr val="000000"/>
+                </a:solidFill>
+                <a:latin typeface="Courier New"/>
+              </a:rPr>
+              <a:t> </a:t>
+            </a:r>
+            <a:r>
+              <a:rPr lang="en-US" b="1" dirty="0">
+                <a:solidFill>
+                  <a:srgbClr val="000080"/>
+                </a:solidFill>
+                <a:latin typeface="Courier New"/>
+              </a:rPr>
+              <a:t>:</a:t>
+            </a:r>
+            <a:r>
+              <a:rPr lang="en-US" dirty="0">
+                <a:solidFill>
+                  <a:srgbClr val="000000"/>
+                </a:solidFill>
+                <a:latin typeface="Courier New"/>
+              </a:rPr>
+              <a:t> </a:t>
+            </a:r>
+            <a:r>
+              <a:rPr lang="en-US" dirty="0" smtClean="0">
+                <a:solidFill>
+                  <a:srgbClr val="FF8000"/>
+                </a:solidFill>
+                <a:latin typeface="Courier New"/>
+              </a:rPr>
+              <a:t>1</a:t>
+            </a:r>
+            <a:r>
+              <a:rPr lang="en-US" b="1" dirty="0" smtClean="0">
+                <a:solidFill>
+                  <a:srgbClr val="000080"/>
+                </a:solidFill>
+                <a:latin typeface="Courier New"/>
+              </a:rPr>
+              <a:t>;</a:t>
+            </a:r>
+            <a:endParaRPr lang="ru-RU" b="1" dirty="0">
+              <a:solidFill>
+                <a:srgbClr val="000080"/>
+              </a:solidFill>
+              <a:latin typeface="Courier New"/>
+            </a:endParaRPr>
+          </a:p>
+          <a:p>
+            <a:r>
+              <a:rPr lang="ru-RU" b="1" dirty="0" smtClean="0">
+                <a:solidFill>
+                  <a:srgbClr val="000080"/>
+                </a:solidFill>
+                <a:latin typeface="Courier New"/>
+              </a:rPr>
+              <a:t>	</a:t>
+            </a:r>
+            <a:r>
+              <a:rPr lang="en-US" b="1" dirty="0" smtClean="0">
+                <a:solidFill>
+                  <a:srgbClr val="0000FF"/>
+                </a:solidFill>
+                <a:latin typeface="Courier New"/>
+              </a:rPr>
+              <a:t>return</a:t>
+            </a:r>
+            <a:r>
+              <a:rPr lang="en-US" dirty="0" smtClean="0">
+                <a:solidFill>
+                  <a:srgbClr val="000000"/>
+                </a:solidFill>
+                <a:latin typeface="Courier New"/>
+              </a:rPr>
+              <a:t> </a:t>
+            </a:r>
+            <a:r>
+              <a:rPr lang="en-US" dirty="0">
+                <a:solidFill>
+                  <a:srgbClr val="FF8000"/>
+                </a:solidFill>
+                <a:latin typeface="Courier New"/>
+              </a:rPr>
+              <a:t>0</a:t>
+            </a:r>
+            <a:r>
+              <a:rPr lang="en-US" b="1" dirty="0">
+                <a:solidFill>
+                  <a:srgbClr val="000080"/>
+                </a:solidFill>
+                <a:latin typeface="Courier New"/>
+              </a:rPr>
+              <a:t>;</a:t>
+            </a:r>
+            <a:r>
+              <a:rPr lang="en-US" dirty="0">
+                <a:solidFill>
+                  <a:srgbClr val="000000"/>
+                </a:solidFill>
+                <a:latin typeface="Courier New"/>
+              </a:rPr>
+              <a:t> </a:t>
+            </a:r>
+            <a:endParaRPr lang="ru-RU" dirty="0" smtClean="0">
+              <a:solidFill>
+                <a:srgbClr val="000000"/>
+              </a:solidFill>
+              <a:latin typeface="Courier New"/>
+            </a:endParaRPr>
+          </a:p>
+          <a:p>
+            <a:r>
+              <a:rPr lang="en-US" b="1" dirty="0" smtClean="0">
+                <a:solidFill>
+                  <a:srgbClr val="000080"/>
+                </a:solidFill>
+                <a:latin typeface="Courier New"/>
+              </a:rPr>
+              <a:t>}</a:t>
+            </a:r>
+            <a:r>
+              <a:rPr lang="en-US" dirty="0" smtClean="0">
+                <a:solidFill>
+                  <a:srgbClr val="000000"/>
+                </a:solidFill>
+                <a:latin typeface="Courier New"/>
+              </a:rPr>
+              <a:t> </a:t>
+            </a:r>
+            <a:endParaRPr lang="en-US" dirty="0">
+              <a:effectLst/>
+            </a:endParaRPr>
+          </a:p>
+        </p:txBody>
+      </p:sp>
+      <p:sp>
+        <p:nvSpPr>
+          <p:cNvPr id="10" name="TextBox 9"/>
+          <p:cNvSpPr txBox="1"/>
+          <p:nvPr/>
+        </p:nvSpPr>
+        <p:spPr>
+          <a:xfrm>
+            <a:off x="827584" y="548680"/>
+            <a:ext cx="7344816" cy="523220"/>
+          </a:xfrm>
+          <a:prstGeom prst="rect">
+            <a:avLst/>
+          </a:prstGeom>
+          <a:noFill/>
+        </p:spPr>
+        <p:txBody>
+          <a:bodyPr wrap="square" rtlCol="0">
+            <a:spAutoFit/>
+          </a:bodyPr>
+          <a:lstStyle/>
+          <a:p>
+            <a:pPr algn="ctr"/>
+            <a:r>
+              <a:rPr lang="ru-RU" sz="2800" dirty="0" smtClean="0"/>
+              <a:t>Реализация </a:t>
+            </a:r>
+            <a:r>
+              <a:rPr lang="en-US" sz="2800" dirty="0" smtClean="0"/>
+              <a:t>#1</a:t>
+            </a:r>
+            <a:endParaRPr lang="ru-RU" sz="2800" dirty="0"/>
+          </a:p>
+        </p:txBody>
+      </p:sp>
+    </p:spTree>
+    <p:extLst>
+      <p:ext uri="{BB962C8B-B14F-4D97-AF65-F5344CB8AC3E}">
+        <p14:creationId xmlns:p14="http://schemas.microsoft.com/office/powerpoint/2010/main" val="2765570790"/>
+      </p:ext>
+    </p:extLst>
+  </p:cSld>
+  <p:clrMapOvr>
+    <a:masterClrMapping/>
+  </p:clrMapOvr>
+  <p:timing>
+    <p:tnLst>
+      <p:par>
+        <p:cTn id="1" dur="indefinite" restart="never" nodeType="tmRoot"/>
+      </p:par>
+    </p:tnLst>
+  </p:timing>
+</p:sld>
+</file>
+
+<file path=ppt/slides/slide65.xml><?xml version="1.0" encoding="utf-8"?>
+<p:sld xmlns:a="http://schemas.openxmlformats.org/drawingml/2006/main" xmlns:r="http://schemas.openxmlformats.org/officeDocument/2006/relationships" xmlns:p="http://schemas.openxmlformats.org/presentationml/2006/main">
+  <p:cSld>
+    <p:spTree>
+      <p:nvGrpSpPr>
+        <p:cNvPr id="1" name=""/>
+        <p:cNvGrpSpPr/>
+        <p:nvPr/>
+      </p:nvGrpSpPr>
+      <p:grpSpPr>
+        <a:xfrm>
+          <a:off x="0" y="0"/>
+          <a:ext cx="0" cy="0"/>
+          <a:chOff x="0" y="0"/>
+          <a:chExt cx="0" cy="0"/>
+        </a:xfrm>
+      </p:grpSpPr>
+      <p:sp>
+        <p:nvSpPr>
+          <p:cNvPr id="4" name="Прямоугольник 3"/>
+          <p:cNvSpPr/>
+          <p:nvPr/>
+        </p:nvSpPr>
+        <p:spPr>
+          <a:xfrm>
+            <a:off x="160797" y="1340768"/>
+            <a:ext cx="8784976" cy="5693866"/>
+          </a:xfrm>
+          <a:prstGeom prst="rect">
+            <a:avLst/>
+          </a:prstGeom>
+        </p:spPr>
+        <p:txBody>
+          <a:bodyPr wrap="square">
+            <a:spAutoFit/>
+          </a:bodyPr>
+          <a:lstStyle/>
+          <a:p>
+            <a:r>
+              <a:rPr lang="en-US" sz="1600" dirty="0">
+                <a:solidFill>
+                  <a:srgbClr val="000000"/>
+                </a:solidFill>
+                <a:latin typeface="Courier New"/>
+              </a:rPr>
+              <a:t>ATTR </a:t>
+            </a:r>
+            <a:r>
+              <a:rPr lang="en-US" sz="1600" dirty="0" err="1">
+                <a:solidFill>
+                  <a:srgbClr val="8000FF"/>
+                </a:solidFill>
+                <a:latin typeface="Courier New"/>
+              </a:rPr>
+              <a:t>int</a:t>
+            </a:r>
+            <a:r>
+              <a:rPr lang="en-US" sz="1600" dirty="0">
+                <a:solidFill>
+                  <a:srgbClr val="000000"/>
+                </a:solidFill>
+                <a:latin typeface="Courier New"/>
+              </a:rPr>
+              <a:t> </a:t>
+            </a:r>
+            <a:r>
+              <a:rPr lang="en-US" sz="1600" dirty="0" err="1">
+                <a:solidFill>
+                  <a:srgbClr val="000000"/>
+                </a:solidFill>
+                <a:latin typeface="Courier New"/>
+              </a:rPr>
+              <a:t>memcmp_unaligned_unrolled</a:t>
+            </a:r>
+            <a:r>
+              <a:rPr lang="en-US" sz="1600" b="1" dirty="0">
+                <a:solidFill>
+                  <a:srgbClr val="000080"/>
+                </a:solidFill>
+                <a:latin typeface="Courier New"/>
+              </a:rPr>
+              <a:t>(</a:t>
+            </a:r>
+            <a:r>
+              <a:rPr lang="en-US" sz="1600" dirty="0" err="1">
+                <a:solidFill>
+                  <a:srgbClr val="8000FF"/>
+                </a:solidFill>
+                <a:latin typeface="Courier New"/>
+              </a:rPr>
+              <a:t>const</a:t>
+            </a:r>
+            <a:r>
+              <a:rPr lang="en-US" sz="1600" dirty="0">
+                <a:solidFill>
+                  <a:srgbClr val="000000"/>
+                </a:solidFill>
+                <a:latin typeface="Courier New"/>
+              </a:rPr>
+              <a:t> </a:t>
+            </a:r>
+            <a:r>
+              <a:rPr lang="en-US" sz="1600" dirty="0">
+                <a:solidFill>
+                  <a:srgbClr val="8000FF"/>
+                </a:solidFill>
+                <a:latin typeface="Courier New"/>
+              </a:rPr>
+              <a:t>char</a:t>
+            </a:r>
+            <a:r>
+              <a:rPr lang="en-US" sz="1600" b="1" dirty="0">
+                <a:solidFill>
+                  <a:srgbClr val="000080"/>
+                </a:solidFill>
+                <a:latin typeface="Courier New"/>
+              </a:rPr>
+              <a:t>*</a:t>
+            </a:r>
+            <a:r>
+              <a:rPr lang="en-US" sz="1600" dirty="0">
+                <a:solidFill>
+                  <a:srgbClr val="000000"/>
+                </a:solidFill>
+                <a:latin typeface="Courier New"/>
+              </a:rPr>
+              <a:t> src_1</a:t>
+            </a:r>
+            <a:r>
+              <a:rPr lang="en-US" sz="1600" b="1" dirty="0">
+                <a:solidFill>
+                  <a:srgbClr val="000080"/>
+                </a:solidFill>
+                <a:latin typeface="Courier New"/>
+              </a:rPr>
+              <a:t>,</a:t>
+            </a:r>
+            <a:r>
+              <a:rPr lang="en-US" sz="1600" dirty="0">
+                <a:solidFill>
+                  <a:srgbClr val="000000"/>
+                </a:solidFill>
+                <a:latin typeface="Courier New"/>
+              </a:rPr>
+              <a:t> </a:t>
+            </a:r>
+            <a:r>
+              <a:rPr lang="en-US" sz="1600" dirty="0" err="1">
+                <a:solidFill>
+                  <a:srgbClr val="8000FF"/>
+                </a:solidFill>
+                <a:latin typeface="Courier New"/>
+              </a:rPr>
+              <a:t>const</a:t>
+            </a:r>
+            <a:r>
+              <a:rPr lang="en-US" sz="1600" dirty="0">
+                <a:solidFill>
+                  <a:srgbClr val="000000"/>
+                </a:solidFill>
+                <a:latin typeface="Courier New"/>
+              </a:rPr>
+              <a:t> </a:t>
+            </a:r>
+            <a:r>
+              <a:rPr lang="en-US" sz="1600" dirty="0">
+                <a:solidFill>
+                  <a:srgbClr val="8000FF"/>
+                </a:solidFill>
+                <a:latin typeface="Courier New"/>
+              </a:rPr>
+              <a:t>char</a:t>
+            </a:r>
+            <a:r>
+              <a:rPr lang="en-US" sz="1600" b="1" dirty="0">
+                <a:solidFill>
+                  <a:srgbClr val="000080"/>
+                </a:solidFill>
+                <a:latin typeface="Courier New"/>
+              </a:rPr>
+              <a:t>*</a:t>
+            </a:r>
+            <a:r>
+              <a:rPr lang="en-US" sz="1600" dirty="0">
+                <a:solidFill>
+                  <a:srgbClr val="000000"/>
+                </a:solidFill>
+                <a:latin typeface="Courier New"/>
+              </a:rPr>
+              <a:t> src_2</a:t>
+            </a:r>
+            <a:r>
+              <a:rPr lang="en-US" sz="1600" b="1" dirty="0">
+                <a:solidFill>
+                  <a:srgbClr val="000080"/>
+                </a:solidFill>
+                <a:latin typeface="Courier New"/>
+              </a:rPr>
+              <a:t>,</a:t>
+            </a:r>
+            <a:r>
+              <a:rPr lang="en-US" sz="1600" dirty="0">
+                <a:solidFill>
+                  <a:srgbClr val="000000"/>
+                </a:solidFill>
+                <a:latin typeface="Courier New"/>
+              </a:rPr>
+              <a:t> </a:t>
+            </a:r>
+            <a:r>
+              <a:rPr lang="en-US" sz="1600" dirty="0" err="1">
+                <a:solidFill>
+                  <a:srgbClr val="8000FF"/>
+                </a:solidFill>
+                <a:latin typeface="Courier New"/>
+              </a:rPr>
+              <a:t>int</a:t>
+            </a:r>
+            <a:r>
+              <a:rPr lang="en-US" sz="1600" dirty="0">
+                <a:solidFill>
+                  <a:srgbClr val="000000"/>
+                </a:solidFill>
+                <a:latin typeface="Courier New"/>
+              </a:rPr>
+              <a:t> </a:t>
+            </a:r>
+            <a:r>
+              <a:rPr lang="en-US" sz="1600" dirty="0" err="1">
+                <a:solidFill>
+                  <a:srgbClr val="000000"/>
+                </a:solidFill>
+                <a:latin typeface="Courier New"/>
+              </a:rPr>
+              <a:t>len</a:t>
+            </a:r>
+            <a:r>
+              <a:rPr lang="en-US" sz="1600" b="1" dirty="0">
+                <a:solidFill>
+                  <a:srgbClr val="000080"/>
+                </a:solidFill>
+                <a:latin typeface="Courier New"/>
+              </a:rPr>
+              <a:t>)</a:t>
+            </a:r>
+            <a:r>
+              <a:rPr lang="en-US" sz="1600" dirty="0">
+                <a:solidFill>
+                  <a:srgbClr val="000000"/>
+                </a:solidFill>
+                <a:latin typeface="Courier New"/>
+              </a:rPr>
+              <a:t> </a:t>
+            </a:r>
+            <a:endParaRPr lang="ru-RU" sz="1600" dirty="0" smtClean="0">
+              <a:solidFill>
+                <a:srgbClr val="000000"/>
+              </a:solidFill>
+              <a:latin typeface="Courier New"/>
+            </a:endParaRPr>
+          </a:p>
+          <a:p>
+            <a:r>
+              <a:rPr lang="en-US" sz="1600" b="1" dirty="0" smtClean="0">
+                <a:solidFill>
+                  <a:srgbClr val="000080"/>
+                </a:solidFill>
+                <a:latin typeface="Courier New"/>
+              </a:rPr>
+              <a:t>{</a:t>
+            </a:r>
+            <a:r>
+              <a:rPr lang="en-US" sz="1600" dirty="0" smtClean="0">
+                <a:solidFill>
+                  <a:srgbClr val="000000"/>
+                </a:solidFill>
+                <a:latin typeface="Courier New"/>
+              </a:rPr>
+              <a:t> </a:t>
+            </a:r>
+            <a:endParaRPr lang="ru-RU" sz="1600" dirty="0" smtClean="0">
+              <a:solidFill>
+                <a:srgbClr val="000000"/>
+              </a:solidFill>
+              <a:latin typeface="Courier New"/>
+            </a:endParaRPr>
+          </a:p>
+          <a:p>
+            <a:r>
+              <a:rPr lang="ru-RU" sz="1600" dirty="0">
+                <a:solidFill>
+                  <a:srgbClr val="000000"/>
+                </a:solidFill>
+                <a:latin typeface="Courier New"/>
+              </a:rPr>
+              <a:t>	</a:t>
+            </a:r>
+            <a:r>
+              <a:rPr lang="en-US" sz="1600" dirty="0" err="1" smtClean="0">
+                <a:solidFill>
+                  <a:srgbClr val="8000FF"/>
+                </a:solidFill>
+                <a:latin typeface="Courier New"/>
+              </a:rPr>
+              <a:t>const</a:t>
+            </a:r>
+            <a:r>
+              <a:rPr lang="en-US" sz="1600" dirty="0" smtClean="0">
+                <a:solidFill>
+                  <a:srgbClr val="000000"/>
+                </a:solidFill>
+                <a:latin typeface="Courier New"/>
+              </a:rPr>
+              <a:t> </a:t>
+            </a:r>
+            <a:r>
+              <a:rPr lang="en-US" sz="1600" dirty="0" err="1">
+                <a:solidFill>
+                  <a:srgbClr val="000000"/>
+                </a:solidFill>
+                <a:latin typeface="Courier New"/>
+              </a:rPr>
+              <a:t>Vec</a:t>
+            </a:r>
+            <a:r>
+              <a:rPr lang="en-US" sz="1600" b="1" dirty="0">
+                <a:solidFill>
+                  <a:srgbClr val="000080"/>
+                </a:solidFill>
+                <a:latin typeface="Courier New"/>
+              </a:rPr>
+              <a:t>*</a:t>
+            </a:r>
+            <a:r>
+              <a:rPr lang="en-US" sz="1600" dirty="0">
+                <a:solidFill>
+                  <a:srgbClr val="000000"/>
+                </a:solidFill>
+                <a:latin typeface="Courier New"/>
+              </a:rPr>
+              <a:t> ptr1 </a:t>
+            </a:r>
+            <a:r>
+              <a:rPr lang="en-US" sz="1600" b="1" dirty="0">
+                <a:solidFill>
+                  <a:srgbClr val="000080"/>
+                </a:solidFill>
+                <a:latin typeface="Courier New"/>
+              </a:rPr>
+              <a:t>=</a:t>
+            </a:r>
+            <a:r>
+              <a:rPr lang="en-US" sz="1600" dirty="0">
+                <a:solidFill>
+                  <a:srgbClr val="000000"/>
+                </a:solidFill>
+                <a:latin typeface="Courier New"/>
+              </a:rPr>
+              <a:t> </a:t>
+            </a:r>
+            <a:r>
+              <a:rPr lang="en-US" sz="1600" b="1" dirty="0">
+                <a:solidFill>
+                  <a:srgbClr val="000080"/>
+                </a:solidFill>
+                <a:latin typeface="Courier New"/>
+              </a:rPr>
+              <a:t>(</a:t>
+            </a:r>
+            <a:r>
+              <a:rPr lang="en-US" sz="1600" dirty="0" err="1">
+                <a:solidFill>
+                  <a:srgbClr val="8000FF"/>
+                </a:solidFill>
+                <a:latin typeface="Courier New"/>
+              </a:rPr>
+              <a:t>const</a:t>
+            </a:r>
+            <a:r>
+              <a:rPr lang="en-US" sz="1600" dirty="0">
+                <a:solidFill>
+                  <a:srgbClr val="000000"/>
+                </a:solidFill>
+                <a:latin typeface="Courier New"/>
+              </a:rPr>
+              <a:t> </a:t>
+            </a:r>
+            <a:r>
+              <a:rPr lang="en-US" sz="1600" dirty="0" err="1">
+                <a:solidFill>
+                  <a:srgbClr val="000000"/>
+                </a:solidFill>
+                <a:latin typeface="Courier New"/>
+              </a:rPr>
+              <a:t>Vec</a:t>
+            </a:r>
+            <a:r>
+              <a:rPr lang="en-US" sz="1600" b="1" dirty="0">
+                <a:solidFill>
+                  <a:srgbClr val="000080"/>
+                </a:solidFill>
+                <a:latin typeface="Courier New"/>
+              </a:rPr>
+              <a:t>*)</a:t>
+            </a:r>
+            <a:r>
+              <a:rPr lang="en-US" sz="1600" dirty="0">
+                <a:solidFill>
+                  <a:srgbClr val="000000"/>
+                </a:solidFill>
+                <a:latin typeface="Courier New"/>
+              </a:rPr>
+              <a:t>src_1</a:t>
+            </a:r>
+            <a:r>
+              <a:rPr lang="en-US" sz="1600" b="1" dirty="0">
+                <a:solidFill>
+                  <a:srgbClr val="000080"/>
+                </a:solidFill>
+                <a:latin typeface="Courier New"/>
+              </a:rPr>
+              <a:t>;</a:t>
+            </a:r>
+            <a:r>
+              <a:rPr lang="en-US" sz="1600" dirty="0">
+                <a:solidFill>
+                  <a:srgbClr val="000000"/>
+                </a:solidFill>
+                <a:latin typeface="Courier New"/>
+              </a:rPr>
+              <a:t> </a:t>
+            </a:r>
+            <a:endParaRPr lang="ru-RU" sz="1600" dirty="0" smtClean="0">
+              <a:solidFill>
+                <a:srgbClr val="000000"/>
+              </a:solidFill>
+              <a:latin typeface="Courier New"/>
+            </a:endParaRPr>
+          </a:p>
+          <a:p>
+            <a:r>
+              <a:rPr lang="ru-RU" sz="1600" dirty="0">
+                <a:solidFill>
+                  <a:srgbClr val="000000"/>
+                </a:solidFill>
+                <a:latin typeface="Courier New"/>
+              </a:rPr>
+              <a:t>	</a:t>
+            </a:r>
+            <a:r>
+              <a:rPr lang="en-US" sz="1600" dirty="0" err="1" smtClean="0">
+                <a:solidFill>
+                  <a:srgbClr val="8000FF"/>
+                </a:solidFill>
+                <a:latin typeface="Courier New"/>
+              </a:rPr>
+              <a:t>const</a:t>
+            </a:r>
+            <a:r>
+              <a:rPr lang="en-US" sz="1600" dirty="0" smtClean="0">
+                <a:solidFill>
+                  <a:srgbClr val="000000"/>
+                </a:solidFill>
+                <a:latin typeface="Courier New"/>
+              </a:rPr>
+              <a:t> </a:t>
+            </a:r>
+            <a:r>
+              <a:rPr lang="en-US" sz="1600" dirty="0" err="1">
+                <a:solidFill>
+                  <a:srgbClr val="000000"/>
+                </a:solidFill>
+                <a:latin typeface="Courier New"/>
+              </a:rPr>
+              <a:t>Vec</a:t>
+            </a:r>
+            <a:r>
+              <a:rPr lang="en-US" sz="1600" b="1" dirty="0">
+                <a:solidFill>
+                  <a:srgbClr val="000080"/>
+                </a:solidFill>
+                <a:latin typeface="Courier New"/>
+              </a:rPr>
+              <a:t>*</a:t>
+            </a:r>
+            <a:r>
+              <a:rPr lang="en-US" sz="1600" dirty="0">
+                <a:solidFill>
+                  <a:srgbClr val="000000"/>
+                </a:solidFill>
+                <a:latin typeface="Courier New"/>
+              </a:rPr>
+              <a:t> ptr2 </a:t>
+            </a:r>
+            <a:r>
+              <a:rPr lang="en-US" sz="1600" b="1" dirty="0">
+                <a:solidFill>
+                  <a:srgbClr val="000080"/>
+                </a:solidFill>
+                <a:latin typeface="Courier New"/>
+              </a:rPr>
+              <a:t>=</a:t>
+            </a:r>
+            <a:r>
+              <a:rPr lang="en-US" sz="1600" dirty="0">
+                <a:solidFill>
+                  <a:srgbClr val="000000"/>
+                </a:solidFill>
+                <a:latin typeface="Courier New"/>
+              </a:rPr>
+              <a:t> </a:t>
+            </a:r>
+            <a:r>
+              <a:rPr lang="en-US" sz="1600" b="1" dirty="0">
+                <a:solidFill>
+                  <a:srgbClr val="000080"/>
+                </a:solidFill>
+                <a:latin typeface="Courier New"/>
+              </a:rPr>
+              <a:t>(</a:t>
+            </a:r>
+            <a:r>
+              <a:rPr lang="en-US" sz="1600" dirty="0" err="1">
+                <a:solidFill>
+                  <a:srgbClr val="8000FF"/>
+                </a:solidFill>
+                <a:latin typeface="Courier New"/>
+              </a:rPr>
+              <a:t>const</a:t>
+            </a:r>
+            <a:r>
+              <a:rPr lang="en-US" sz="1600" dirty="0">
+                <a:solidFill>
+                  <a:srgbClr val="000000"/>
+                </a:solidFill>
+                <a:latin typeface="Courier New"/>
+              </a:rPr>
+              <a:t> </a:t>
+            </a:r>
+            <a:r>
+              <a:rPr lang="en-US" sz="1600" dirty="0" err="1">
+                <a:solidFill>
+                  <a:srgbClr val="000000"/>
+                </a:solidFill>
+                <a:latin typeface="Courier New"/>
+              </a:rPr>
+              <a:t>Vec</a:t>
+            </a:r>
+            <a:r>
+              <a:rPr lang="en-US" sz="1600" b="1" dirty="0">
+                <a:solidFill>
+                  <a:srgbClr val="000080"/>
+                </a:solidFill>
+                <a:latin typeface="Courier New"/>
+              </a:rPr>
+              <a:t>*)</a:t>
+            </a:r>
+            <a:r>
+              <a:rPr lang="en-US" sz="1600" dirty="0">
+                <a:solidFill>
+                  <a:srgbClr val="000000"/>
+                </a:solidFill>
+                <a:latin typeface="Courier New"/>
+              </a:rPr>
+              <a:t>src_2</a:t>
+            </a:r>
+            <a:r>
+              <a:rPr lang="en-US" sz="1600" b="1" dirty="0">
+                <a:solidFill>
+                  <a:srgbClr val="000080"/>
+                </a:solidFill>
+                <a:latin typeface="Courier New"/>
+              </a:rPr>
+              <a:t>;</a:t>
+            </a:r>
+            <a:r>
+              <a:rPr lang="en-US" sz="1600" dirty="0">
+                <a:solidFill>
+                  <a:srgbClr val="000000"/>
+                </a:solidFill>
+                <a:latin typeface="Courier New"/>
+              </a:rPr>
+              <a:t> </a:t>
+            </a:r>
+            <a:endParaRPr lang="ru-RU" sz="1600" dirty="0" smtClean="0">
+              <a:solidFill>
+                <a:srgbClr val="000000"/>
+              </a:solidFill>
+              <a:latin typeface="Courier New"/>
+            </a:endParaRPr>
+          </a:p>
+          <a:p>
+            <a:r>
+              <a:rPr lang="ru-RU" sz="1600" b="1" dirty="0">
+                <a:solidFill>
+                  <a:srgbClr val="000000"/>
+                </a:solidFill>
+                <a:latin typeface="Courier New"/>
+              </a:rPr>
+              <a:t>	</a:t>
+            </a:r>
+            <a:r>
+              <a:rPr lang="en-US" sz="1600" b="1" dirty="0" smtClean="0">
+                <a:solidFill>
+                  <a:srgbClr val="0000FF"/>
+                </a:solidFill>
+                <a:latin typeface="Courier New"/>
+              </a:rPr>
+              <a:t>for</a:t>
+            </a:r>
+            <a:r>
+              <a:rPr lang="en-US" sz="1600" dirty="0" smtClean="0">
+                <a:solidFill>
+                  <a:srgbClr val="000000"/>
+                </a:solidFill>
+                <a:latin typeface="Courier New"/>
+              </a:rPr>
+              <a:t> </a:t>
+            </a:r>
+            <a:r>
+              <a:rPr lang="en-US" sz="1600" b="1" dirty="0">
+                <a:solidFill>
+                  <a:srgbClr val="000080"/>
+                </a:solidFill>
+                <a:latin typeface="Courier New"/>
+              </a:rPr>
+              <a:t>(</a:t>
+            </a:r>
+            <a:r>
+              <a:rPr lang="en-US" sz="1600" dirty="0" err="1">
+                <a:solidFill>
+                  <a:srgbClr val="8000FF"/>
+                </a:solidFill>
+                <a:latin typeface="Courier New"/>
+              </a:rPr>
+              <a:t>int</a:t>
+            </a:r>
+            <a:r>
+              <a:rPr lang="en-US" sz="1600" dirty="0">
+                <a:solidFill>
+                  <a:srgbClr val="000000"/>
+                </a:solidFill>
+                <a:latin typeface="Courier New"/>
+              </a:rPr>
+              <a:t> </a:t>
+            </a:r>
+            <a:r>
+              <a:rPr lang="en-US" sz="1600" dirty="0" err="1">
+                <a:solidFill>
+                  <a:srgbClr val="000000"/>
+                </a:solidFill>
+                <a:latin typeface="Courier New"/>
+              </a:rPr>
+              <a:t>i</a:t>
+            </a:r>
+            <a:r>
+              <a:rPr lang="en-US" sz="1600" dirty="0">
+                <a:solidFill>
+                  <a:srgbClr val="000000"/>
+                </a:solidFill>
+                <a:latin typeface="Courier New"/>
+              </a:rPr>
+              <a:t> </a:t>
+            </a:r>
+            <a:r>
+              <a:rPr lang="en-US" sz="1600" b="1" dirty="0">
+                <a:solidFill>
+                  <a:srgbClr val="000080"/>
+                </a:solidFill>
+                <a:latin typeface="Courier New"/>
+              </a:rPr>
+              <a:t>=</a:t>
+            </a:r>
+            <a:r>
+              <a:rPr lang="en-US" sz="1600" dirty="0">
+                <a:solidFill>
+                  <a:srgbClr val="000000"/>
+                </a:solidFill>
+                <a:latin typeface="Courier New"/>
+              </a:rPr>
+              <a:t> </a:t>
+            </a:r>
+            <a:r>
+              <a:rPr lang="en-US" sz="1600" dirty="0">
+                <a:solidFill>
+                  <a:srgbClr val="FF8000"/>
+                </a:solidFill>
+                <a:latin typeface="Courier New"/>
+              </a:rPr>
+              <a:t>0</a:t>
+            </a:r>
+            <a:r>
+              <a:rPr lang="en-US" sz="1600" b="1" dirty="0">
+                <a:solidFill>
+                  <a:srgbClr val="000080"/>
+                </a:solidFill>
+                <a:latin typeface="Courier New"/>
+              </a:rPr>
+              <a:t>;</a:t>
+            </a:r>
+            <a:r>
+              <a:rPr lang="en-US" sz="1600" dirty="0">
+                <a:solidFill>
+                  <a:srgbClr val="000000"/>
+                </a:solidFill>
+                <a:latin typeface="Courier New"/>
+              </a:rPr>
+              <a:t> </a:t>
+            </a:r>
+            <a:r>
+              <a:rPr lang="en-US" sz="1600" dirty="0" err="1">
+                <a:solidFill>
+                  <a:srgbClr val="000000"/>
+                </a:solidFill>
+                <a:latin typeface="Courier New"/>
+              </a:rPr>
+              <a:t>i</a:t>
+            </a:r>
+            <a:r>
+              <a:rPr lang="en-US" sz="1600" dirty="0">
+                <a:solidFill>
+                  <a:srgbClr val="000000"/>
+                </a:solidFill>
+                <a:latin typeface="Courier New"/>
+              </a:rPr>
+              <a:t> </a:t>
+            </a:r>
+            <a:r>
+              <a:rPr lang="en-US" sz="1600" b="1" dirty="0">
+                <a:solidFill>
+                  <a:srgbClr val="000080"/>
+                </a:solidFill>
+                <a:latin typeface="Courier New"/>
+              </a:rPr>
+              <a:t>&lt;</a:t>
+            </a:r>
+            <a:r>
+              <a:rPr lang="en-US" sz="1600" dirty="0">
+                <a:solidFill>
+                  <a:srgbClr val="000000"/>
+                </a:solidFill>
+                <a:latin typeface="Courier New"/>
+              </a:rPr>
+              <a:t> </a:t>
+            </a:r>
+            <a:r>
+              <a:rPr lang="en-US" sz="1600" dirty="0" err="1">
+                <a:solidFill>
+                  <a:srgbClr val="000000"/>
+                </a:solidFill>
+                <a:latin typeface="Courier New"/>
+              </a:rPr>
+              <a:t>len</a:t>
+            </a:r>
+            <a:r>
+              <a:rPr lang="en-US" sz="1600" b="1" dirty="0">
+                <a:solidFill>
+                  <a:srgbClr val="000080"/>
+                </a:solidFill>
+                <a:latin typeface="Courier New"/>
+              </a:rPr>
+              <a:t>;</a:t>
+            </a:r>
+            <a:r>
+              <a:rPr lang="en-US" sz="1600" dirty="0">
+                <a:solidFill>
+                  <a:srgbClr val="000000"/>
+                </a:solidFill>
+                <a:latin typeface="Courier New"/>
+              </a:rPr>
+              <a:t> </a:t>
+            </a:r>
+            <a:r>
+              <a:rPr lang="en-US" sz="1600" dirty="0" err="1">
+                <a:solidFill>
+                  <a:srgbClr val="000000"/>
+                </a:solidFill>
+                <a:latin typeface="Courier New"/>
+              </a:rPr>
+              <a:t>i</a:t>
+            </a:r>
+            <a:r>
+              <a:rPr lang="en-US" sz="1600" dirty="0">
+                <a:solidFill>
+                  <a:srgbClr val="000000"/>
+                </a:solidFill>
+                <a:latin typeface="Courier New"/>
+              </a:rPr>
+              <a:t> </a:t>
+            </a:r>
+            <a:r>
+              <a:rPr lang="en-US" sz="1600" b="1" dirty="0">
+                <a:solidFill>
+                  <a:srgbClr val="000080"/>
+                </a:solidFill>
+                <a:latin typeface="Courier New"/>
+              </a:rPr>
+              <a:t>+=</a:t>
+            </a:r>
+            <a:r>
+              <a:rPr lang="en-US" sz="1600" dirty="0">
+                <a:solidFill>
+                  <a:srgbClr val="000000"/>
+                </a:solidFill>
+                <a:latin typeface="Courier New"/>
+              </a:rPr>
+              <a:t> </a:t>
+            </a:r>
+            <a:r>
+              <a:rPr lang="en-US" sz="1600" dirty="0">
+                <a:solidFill>
+                  <a:srgbClr val="FF8000"/>
+                </a:solidFill>
+                <a:latin typeface="Courier New"/>
+              </a:rPr>
+              <a:t>32</a:t>
+            </a:r>
+            <a:r>
+              <a:rPr lang="en-US" sz="1600" b="1" dirty="0">
+                <a:solidFill>
+                  <a:srgbClr val="000080"/>
+                </a:solidFill>
+                <a:latin typeface="Courier New"/>
+              </a:rPr>
+              <a:t>,</a:t>
+            </a:r>
+            <a:r>
+              <a:rPr lang="en-US" sz="1600" dirty="0">
+                <a:solidFill>
+                  <a:srgbClr val="000000"/>
+                </a:solidFill>
+                <a:latin typeface="Courier New"/>
+              </a:rPr>
+              <a:t> ptr1 </a:t>
+            </a:r>
+            <a:r>
+              <a:rPr lang="en-US" sz="1600" b="1" dirty="0">
+                <a:solidFill>
+                  <a:srgbClr val="000080"/>
+                </a:solidFill>
+                <a:latin typeface="Courier New"/>
+              </a:rPr>
+              <a:t>+=</a:t>
+            </a:r>
+            <a:r>
+              <a:rPr lang="en-US" sz="1600" dirty="0">
+                <a:solidFill>
+                  <a:srgbClr val="000000"/>
+                </a:solidFill>
+                <a:latin typeface="Courier New"/>
+              </a:rPr>
+              <a:t> </a:t>
+            </a:r>
+            <a:r>
+              <a:rPr lang="en-US" sz="1600" dirty="0">
+                <a:solidFill>
+                  <a:srgbClr val="FF8000"/>
+                </a:solidFill>
+                <a:latin typeface="Courier New"/>
+              </a:rPr>
+              <a:t>2</a:t>
+            </a:r>
+            <a:r>
+              <a:rPr lang="en-US" sz="1600" b="1" dirty="0">
+                <a:solidFill>
+                  <a:srgbClr val="000080"/>
+                </a:solidFill>
+                <a:latin typeface="Courier New"/>
+              </a:rPr>
+              <a:t>,</a:t>
+            </a:r>
+            <a:r>
+              <a:rPr lang="en-US" sz="1600" dirty="0">
+                <a:solidFill>
+                  <a:srgbClr val="000000"/>
+                </a:solidFill>
+                <a:latin typeface="Courier New"/>
+              </a:rPr>
+              <a:t> ptr2 </a:t>
+            </a:r>
+            <a:r>
+              <a:rPr lang="en-US" sz="1600" b="1" dirty="0">
+                <a:solidFill>
+                  <a:srgbClr val="000080"/>
+                </a:solidFill>
+                <a:latin typeface="Courier New"/>
+              </a:rPr>
+              <a:t>+=</a:t>
+            </a:r>
+            <a:r>
+              <a:rPr lang="en-US" sz="1600" dirty="0">
+                <a:solidFill>
+                  <a:srgbClr val="000000"/>
+                </a:solidFill>
+                <a:latin typeface="Courier New"/>
+              </a:rPr>
+              <a:t> </a:t>
+            </a:r>
+            <a:r>
+              <a:rPr lang="en-US" sz="1600" dirty="0">
+                <a:solidFill>
+                  <a:srgbClr val="FF8000"/>
+                </a:solidFill>
+                <a:latin typeface="Courier New"/>
+              </a:rPr>
+              <a:t>2</a:t>
+            </a:r>
+            <a:r>
+              <a:rPr lang="en-US" sz="1600" b="1" dirty="0" smtClean="0">
+                <a:solidFill>
+                  <a:srgbClr val="000080"/>
+                </a:solidFill>
+                <a:latin typeface="Courier New"/>
+              </a:rPr>
+              <a:t>){</a:t>
+            </a:r>
+            <a:r>
+              <a:rPr lang="en-US" sz="1600" dirty="0" smtClean="0">
+                <a:solidFill>
+                  <a:srgbClr val="000000"/>
+                </a:solidFill>
+                <a:latin typeface="Courier New"/>
+              </a:rPr>
+              <a:t> </a:t>
+            </a:r>
+            <a:r>
+              <a:rPr lang="ru-RU" sz="1600" dirty="0" smtClean="0">
+                <a:solidFill>
+                  <a:srgbClr val="000000"/>
+                </a:solidFill>
+                <a:latin typeface="Courier New"/>
+              </a:rPr>
+              <a:t>		</a:t>
+            </a:r>
+            <a:r>
+              <a:rPr lang="en-US" sz="1600" dirty="0" err="1" smtClean="0">
+                <a:solidFill>
+                  <a:srgbClr val="000000"/>
+                </a:solidFill>
+                <a:latin typeface="Courier New"/>
+              </a:rPr>
+              <a:t>Vec</a:t>
+            </a:r>
+            <a:r>
+              <a:rPr lang="en-US" sz="1600" dirty="0" smtClean="0">
+                <a:solidFill>
+                  <a:srgbClr val="000000"/>
+                </a:solidFill>
+                <a:latin typeface="Courier New"/>
+              </a:rPr>
+              <a:t> </a:t>
+            </a:r>
+            <a:r>
+              <a:rPr lang="en-US" sz="1600" dirty="0">
+                <a:solidFill>
+                  <a:srgbClr val="000000"/>
+                </a:solidFill>
+                <a:latin typeface="Courier New"/>
+              </a:rPr>
+              <a:t>M11 </a:t>
+            </a:r>
+            <a:r>
+              <a:rPr lang="en-US" sz="1600" b="1" dirty="0">
+                <a:solidFill>
+                  <a:srgbClr val="000080"/>
+                </a:solidFill>
+                <a:latin typeface="Courier New"/>
+              </a:rPr>
+              <a:t>=</a:t>
+            </a:r>
+            <a:r>
+              <a:rPr lang="en-US" sz="1600" dirty="0">
+                <a:solidFill>
+                  <a:srgbClr val="000000"/>
+                </a:solidFill>
+                <a:latin typeface="Courier New"/>
+              </a:rPr>
+              <a:t> _mm_loadu_si128</a:t>
+            </a:r>
+            <a:r>
+              <a:rPr lang="en-US" sz="1600" b="1" dirty="0">
+                <a:solidFill>
+                  <a:srgbClr val="000080"/>
+                </a:solidFill>
+                <a:latin typeface="Courier New"/>
+              </a:rPr>
+              <a:t>(</a:t>
+            </a:r>
+            <a:r>
+              <a:rPr lang="en-US" sz="1600" dirty="0">
+                <a:solidFill>
+                  <a:srgbClr val="000000"/>
+                </a:solidFill>
+                <a:latin typeface="Courier New"/>
+              </a:rPr>
+              <a:t>ptr1</a:t>
+            </a:r>
+            <a:r>
+              <a:rPr lang="en-US" sz="1600" b="1" dirty="0">
+                <a:solidFill>
+                  <a:srgbClr val="000080"/>
+                </a:solidFill>
+                <a:latin typeface="Courier New"/>
+              </a:rPr>
+              <a:t>);</a:t>
+            </a:r>
+            <a:r>
+              <a:rPr lang="en-US" sz="1600" dirty="0">
+                <a:solidFill>
+                  <a:srgbClr val="000000"/>
+                </a:solidFill>
+                <a:latin typeface="Courier New"/>
+              </a:rPr>
+              <a:t> </a:t>
+            </a:r>
+            <a:endParaRPr lang="ru-RU" sz="1600" dirty="0" smtClean="0">
+              <a:solidFill>
+                <a:srgbClr val="000000"/>
+              </a:solidFill>
+              <a:latin typeface="Courier New"/>
+            </a:endParaRPr>
+          </a:p>
+          <a:p>
+            <a:r>
+              <a:rPr lang="ru-RU" sz="1600" dirty="0">
+                <a:solidFill>
+                  <a:srgbClr val="000000"/>
+                </a:solidFill>
+                <a:latin typeface="Courier New"/>
+              </a:rPr>
+              <a:t>	</a:t>
+            </a:r>
+            <a:r>
+              <a:rPr lang="ru-RU" sz="1600" dirty="0" smtClean="0">
+                <a:solidFill>
+                  <a:srgbClr val="000000"/>
+                </a:solidFill>
+                <a:latin typeface="Courier New"/>
+              </a:rPr>
+              <a:t>	</a:t>
+            </a:r>
+            <a:r>
+              <a:rPr lang="en-US" sz="1600" dirty="0" err="1" smtClean="0">
+                <a:solidFill>
+                  <a:srgbClr val="000000"/>
+                </a:solidFill>
+                <a:latin typeface="Courier New"/>
+              </a:rPr>
+              <a:t>Vec</a:t>
+            </a:r>
+            <a:r>
+              <a:rPr lang="en-US" sz="1600" dirty="0" smtClean="0">
+                <a:solidFill>
+                  <a:srgbClr val="000000"/>
+                </a:solidFill>
+                <a:latin typeface="Courier New"/>
+              </a:rPr>
+              <a:t> </a:t>
+            </a:r>
+            <a:r>
+              <a:rPr lang="en-US" sz="1600" dirty="0">
+                <a:solidFill>
+                  <a:srgbClr val="000000"/>
+                </a:solidFill>
+                <a:latin typeface="Courier New"/>
+              </a:rPr>
+              <a:t>M12 </a:t>
+            </a:r>
+            <a:r>
+              <a:rPr lang="en-US" sz="1600" b="1" dirty="0">
+                <a:solidFill>
+                  <a:srgbClr val="000080"/>
+                </a:solidFill>
+                <a:latin typeface="Courier New"/>
+              </a:rPr>
+              <a:t>=</a:t>
+            </a:r>
+            <a:r>
+              <a:rPr lang="en-US" sz="1600" dirty="0">
+                <a:solidFill>
+                  <a:srgbClr val="000000"/>
+                </a:solidFill>
+                <a:latin typeface="Courier New"/>
+              </a:rPr>
+              <a:t> _mm_loadu_si128</a:t>
+            </a:r>
+            <a:r>
+              <a:rPr lang="en-US" sz="1600" b="1" dirty="0">
+                <a:solidFill>
+                  <a:srgbClr val="000080"/>
+                </a:solidFill>
+                <a:latin typeface="Courier New"/>
+              </a:rPr>
+              <a:t>(</a:t>
+            </a:r>
+            <a:r>
+              <a:rPr lang="en-US" sz="1600" dirty="0">
+                <a:solidFill>
+                  <a:srgbClr val="000000"/>
+                </a:solidFill>
+                <a:latin typeface="Courier New"/>
+              </a:rPr>
+              <a:t>ptr2</a:t>
+            </a:r>
+            <a:r>
+              <a:rPr lang="en-US" sz="1600" b="1" dirty="0">
+                <a:solidFill>
+                  <a:srgbClr val="000080"/>
+                </a:solidFill>
+                <a:latin typeface="Courier New"/>
+              </a:rPr>
+              <a:t>);</a:t>
+            </a:r>
+            <a:r>
+              <a:rPr lang="en-US" sz="1600" dirty="0">
+                <a:solidFill>
+                  <a:srgbClr val="000000"/>
+                </a:solidFill>
+                <a:latin typeface="Courier New"/>
+              </a:rPr>
+              <a:t> </a:t>
+            </a:r>
+            <a:endParaRPr lang="ru-RU" sz="1600" dirty="0" smtClean="0">
+              <a:solidFill>
+                <a:srgbClr val="000000"/>
+              </a:solidFill>
+              <a:latin typeface="Courier New"/>
+            </a:endParaRPr>
+          </a:p>
+          <a:p>
+            <a:r>
+              <a:rPr lang="ru-RU" sz="1600" dirty="0">
+                <a:solidFill>
+                  <a:srgbClr val="000000"/>
+                </a:solidFill>
+                <a:latin typeface="Courier New"/>
+              </a:rPr>
+              <a:t>	</a:t>
+            </a:r>
+            <a:r>
+              <a:rPr lang="ru-RU" sz="1600" dirty="0" smtClean="0">
+                <a:solidFill>
+                  <a:srgbClr val="000000"/>
+                </a:solidFill>
+                <a:latin typeface="Courier New"/>
+              </a:rPr>
+              <a:t>	</a:t>
+            </a:r>
+            <a:r>
+              <a:rPr lang="en-US" sz="1600" dirty="0" err="1" smtClean="0">
+                <a:solidFill>
+                  <a:srgbClr val="000000"/>
+                </a:solidFill>
+                <a:latin typeface="Courier New"/>
+              </a:rPr>
+              <a:t>Vec</a:t>
+            </a:r>
+            <a:r>
+              <a:rPr lang="en-US" sz="1600" dirty="0" smtClean="0">
+                <a:solidFill>
+                  <a:srgbClr val="000000"/>
+                </a:solidFill>
+                <a:latin typeface="Courier New"/>
+              </a:rPr>
+              <a:t> </a:t>
+            </a:r>
+            <a:r>
+              <a:rPr lang="en-US" sz="1600" dirty="0">
+                <a:solidFill>
+                  <a:srgbClr val="000000"/>
+                </a:solidFill>
+                <a:latin typeface="Courier New"/>
+              </a:rPr>
+              <a:t>M21 </a:t>
+            </a:r>
+            <a:r>
+              <a:rPr lang="en-US" sz="1600" b="1" dirty="0">
+                <a:solidFill>
+                  <a:srgbClr val="000080"/>
+                </a:solidFill>
+                <a:latin typeface="Courier New"/>
+              </a:rPr>
+              <a:t>=</a:t>
+            </a:r>
+            <a:r>
+              <a:rPr lang="en-US" sz="1600" dirty="0">
+                <a:solidFill>
+                  <a:srgbClr val="000000"/>
+                </a:solidFill>
+                <a:latin typeface="Courier New"/>
+              </a:rPr>
+              <a:t> _mm_loadu_si128</a:t>
+            </a:r>
+            <a:r>
+              <a:rPr lang="en-US" sz="1600" b="1" dirty="0">
+                <a:solidFill>
+                  <a:srgbClr val="000080"/>
+                </a:solidFill>
+                <a:latin typeface="Courier New"/>
+              </a:rPr>
+              <a:t>(</a:t>
+            </a:r>
+            <a:r>
+              <a:rPr lang="en-US" sz="1600" dirty="0">
+                <a:solidFill>
+                  <a:srgbClr val="000000"/>
+                </a:solidFill>
+                <a:latin typeface="Courier New"/>
+              </a:rPr>
+              <a:t>ptr1 </a:t>
+            </a:r>
+            <a:r>
+              <a:rPr lang="en-US" sz="1600" b="1" dirty="0">
+                <a:solidFill>
+                  <a:srgbClr val="000080"/>
+                </a:solidFill>
+                <a:latin typeface="Courier New"/>
+              </a:rPr>
+              <a:t>+</a:t>
+            </a:r>
+            <a:r>
+              <a:rPr lang="en-US" sz="1600" dirty="0">
+                <a:solidFill>
+                  <a:srgbClr val="000000"/>
+                </a:solidFill>
+                <a:latin typeface="Courier New"/>
+              </a:rPr>
+              <a:t> </a:t>
+            </a:r>
+            <a:r>
+              <a:rPr lang="en-US" sz="1600" dirty="0">
+                <a:solidFill>
+                  <a:srgbClr val="FF8000"/>
+                </a:solidFill>
+                <a:latin typeface="Courier New"/>
+              </a:rPr>
+              <a:t>1</a:t>
+            </a:r>
+            <a:r>
+              <a:rPr lang="en-US" sz="1600" b="1" dirty="0">
+                <a:solidFill>
+                  <a:srgbClr val="000080"/>
+                </a:solidFill>
+                <a:latin typeface="Courier New"/>
+              </a:rPr>
+              <a:t>);</a:t>
+            </a:r>
+            <a:r>
+              <a:rPr lang="en-US" sz="1600" dirty="0">
+                <a:solidFill>
+                  <a:srgbClr val="000000"/>
+                </a:solidFill>
+                <a:latin typeface="Courier New"/>
+              </a:rPr>
+              <a:t> </a:t>
+            </a:r>
+            <a:endParaRPr lang="ru-RU" sz="1600" dirty="0" smtClean="0">
+              <a:solidFill>
+                <a:srgbClr val="000000"/>
+              </a:solidFill>
+              <a:latin typeface="Courier New"/>
+            </a:endParaRPr>
+          </a:p>
+          <a:p>
+            <a:r>
+              <a:rPr lang="ru-RU" sz="1600" dirty="0">
+                <a:solidFill>
+                  <a:srgbClr val="000000"/>
+                </a:solidFill>
+                <a:latin typeface="Courier New"/>
+              </a:rPr>
+              <a:t>	</a:t>
+            </a:r>
+            <a:r>
+              <a:rPr lang="ru-RU" sz="1600" dirty="0" smtClean="0">
+                <a:solidFill>
+                  <a:srgbClr val="000000"/>
+                </a:solidFill>
+                <a:latin typeface="Courier New"/>
+              </a:rPr>
+              <a:t>	</a:t>
+            </a:r>
+            <a:r>
+              <a:rPr lang="en-US" sz="1600" dirty="0" err="1" smtClean="0">
+                <a:solidFill>
+                  <a:srgbClr val="000000"/>
+                </a:solidFill>
+                <a:latin typeface="Courier New"/>
+              </a:rPr>
+              <a:t>Vec</a:t>
+            </a:r>
+            <a:r>
+              <a:rPr lang="en-US" sz="1600" dirty="0" smtClean="0">
+                <a:solidFill>
+                  <a:srgbClr val="000000"/>
+                </a:solidFill>
+                <a:latin typeface="Courier New"/>
+              </a:rPr>
+              <a:t> </a:t>
+            </a:r>
+            <a:r>
+              <a:rPr lang="en-US" sz="1600" dirty="0">
+                <a:solidFill>
+                  <a:srgbClr val="000000"/>
+                </a:solidFill>
+                <a:latin typeface="Courier New"/>
+              </a:rPr>
+              <a:t>M22 </a:t>
+            </a:r>
+            <a:r>
+              <a:rPr lang="en-US" sz="1600" b="1" dirty="0">
+                <a:solidFill>
+                  <a:srgbClr val="000080"/>
+                </a:solidFill>
+                <a:latin typeface="Courier New"/>
+              </a:rPr>
+              <a:t>=</a:t>
+            </a:r>
+            <a:r>
+              <a:rPr lang="en-US" sz="1600" dirty="0">
+                <a:solidFill>
+                  <a:srgbClr val="000000"/>
+                </a:solidFill>
+                <a:latin typeface="Courier New"/>
+              </a:rPr>
+              <a:t> _mm_loadu_si128</a:t>
+            </a:r>
+            <a:r>
+              <a:rPr lang="en-US" sz="1600" b="1" dirty="0">
+                <a:solidFill>
+                  <a:srgbClr val="000080"/>
+                </a:solidFill>
+                <a:latin typeface="Courier New"/>
+              </a:rPr>
+              <a:t>(</a:t>
+            </a:r>
+            <a:r>
+              <a:rPr lang="en-US" sz="1600" dirty="0">
+                <a:solidFill>
+                  <a:srgbClr val="000000"/>
+                </a:solidFill>
+                <a:latin typeface="Courier New"/>
+              </a:rPr>
+              <a:t>ptr2 </a:t>
+            </a:r>
+            <a:r>
+              <a:rPr lang="en-US" sz="1600" b="1" dirty="0">
+                <a:solidFill>
+                  <a:srgbClr val="000080"/>
+                </a:solidFill>
+                <a:latin typeface="Courier New"/>
+              </a:rPr>
+              <a:t>+</a:t>
+            </a:r>
+            <a:r>
+              <a:rPr lang="en-US" sz="1600" dirty="0">
+                <a:solidFill>
+                  <a:srgbClr val="000000"/>
+                </a:solidFill>
+                <a:latin typeface="Courier New"/>
+              </a:rPr>
+              <a:t> </a:t>
+            </a:r>
+            <a:r>
+              <a:rPr lang="en-US" sz="1600" dirty="0">
+                <a:solidFill>
+                  <a:srgbClr val="FF8000"/>
+                </a:solidFill>
+                <a:latin typeface="Courier New"/>
+              </a:rPr>
+              <a:t>1</a:t>
+            </a:r>
+            <a:r>
+              <a:rPr lang="en-US" sz="1600" b="1" dirty="0">
+                <a:solidFill>
+                  <a:srgbClr val="000080"/>
+                </a:solidFill>
+                <a:latin typeface="Courier New"/>
+              </a:rPr>
+              <a:t>);</a:t>
+            </a:r>
+            <a:r>
+              <a:rPr lang="en-US" sz="1600" dirty="0">
+                <a:solidFill>
+                  <a:srgbClr val="000000"/>
+                </a:solidFill>
+                <a:latin typeface="Courier New"/>
+              </a:rPr>
+              <a:t> </a:t>
+            </a:r>
+            <a:endParaRPr lang="ru-RU" sz="1600" dirty="0" smtClean="0">
+              <a:solidFill>
+                <a:srgbClr val="000000"/>
+              </a:solidFill>
+              <a:latin typeface="Courier New"/>
+            </a:endParaRPr>
+          </a:p>
+          <a:p>
+            <a:r>
+              <a:rPr lang="ru-RU" sz="1600" dirty="0">
+                <a:solidFill>
+                  <a:srgbClr val="000000"/>
+                </a:solidFill>
+                <a:latin typeface="Courier New"/>
+              </a:rPr>
+              <a:t>	</a:t>
+            </a:r>
+            <a:r>
+              <a:rPr lang="ru-RU" sz="1600" dirty="0" smtClean="0">
+                <a:solidFill>
+                  <a:srgbClr val="000000"/>
+                </a:solidFill>
+                <a:latin typeface="Courier New"/>
+              </a:rPr>
+              <a:t>	</a:t>
+            </a:r>
+            <a:r>
+              <a:rPr lang="en-US" sz="1600" dirty="0" err="1" smtClean="0">
+                <a:solidFill>
+                  <a:srgbClr val="000000"/>
+                </a:solidFill>
+                <a:latin typeface="Courier New"/>
+              </a:rPr>
+              <a:t>Vec</a:t>
+            </a:r>
+            <a:r>
+              <a:rPr lang="en-US" sz="1600" dirty="0" smtClean="0">
+                <a:solidFill>
+                  <a:srgbClr val="000000"/>
+                </a:solidFill>
+                <a:latin typeface="Courier New"/>
+              </a:rPr>
+              <a:t> </a:t>
+            </a:r>
+            <a:r>
+              <a:rPr lang="en-US" sz="1600" dirty="0">
+                <a:solidFill>
+                  <a:srgbClr val="000000"/>
+                </a:solidFill>
+                <a:latin typeface="Courier New"/>
+              </a:rPr>
+              <a:t>MX1 </a:t>
+            </a:r>
+            <a:r>
+              <a:rPr lang="en-US" sz="1600" b="1" dirty="0">
+                <a:solidFill>
+                  <a:srgbClr val="000080"/>
+                </a:solidFill>
+                <a:latin typeface="Courier New"/>
+              </a:rPr>
+              <a:t>=</a:t>
+            </a:r>
+            <a:r>
+              <a:rPr lang="en-US" sz="1600" dirty="0">
+                <a:solidFill>
+                  <a:srgbClr val="000000"/>
+                </a:solidFill>
+                <a:latin typeface="Courier New"/>
+              </a:rPr>
+              <a:t> _mm_xor_si128</a:t>
+            </a:r>
+            <a:r>
+              <a:rPr lang="en-US" sz="1600" b="1" dirty="0">
+                <a:solidFill>
+                  <a:srgbClr val="000080"/>
+                </a:solidFill>
+                <a:latin typeface="Courier New"/>
+              </a:rPr>
+              <a:t>(</a:t>
+            </a:r>
+            <a:r>
+              <a:rPr lang="en-US" sz="1600" dirty="0">
+                <a:solidFill>
+                  <a:srgbClr val="000000"/>
+                </a:solidFill>
+                <a:latin typeface="Courier New"/>
+              </a:rPr>
+              <a:t>M11</a:t>
+            </a:r>
+            <a:r>
+              <a:rPr lang="en-US" sz="1600" b="1" dirty="0">
+                <a:solidFill>
+                  <a:srgbClr val="000080"/>
+                </a:solidFill>
+                <a:latin typeface="Courier New"/>
+              </a:rPr>
+              <a:t>,</a:t>
+            </a:r>
+            <a:r>
+              <a:rPr lang="en-US" sz="1600" dirty="0">
+                <a:solidFill>
+                  <a:srgbClr val="000000"/>
+                </a:solidFill>
+                <a:latin typeface="Courier New"/>
+              </a:rPr>
+              <a:t> M12</a:t>
+            </a:r>
+            <a:r>
+              <a:rPr lang="en-US" sz="1600" b="1" dirty="0">
+                <a:solidFill>
+                  <a:srgbClr val="000080"/>
+                </a:solidFill>
+                <a:latin typeface="Courier New"/>
+              </a:rPr>
+              <a:t>);</a:t>
+            </a:r>
+            <a:r>
+              <a:rPr lang="en-US" sz="1600" dirty="0">
+                <a:solidFill>
+                  <a:srgbClr val="000000"/>
+                </a:solidFill>
+                <a:latin typeface="Courier New"/>
+              </a:rPr>
+              <a:t> </a:t>
+            </a:r>
+            <a:endParaRPr lang="ru-RU" sz="1600" dirty="0" smtClean="0">
+              <a:solidFill>
+                <a:srgbClr val="000000"/>
+              </a:solidFill>
+              <a:latin typeface="Courier New"/>
+            </a:endParaRPr>
+          </a:p>
+          <a:p>
+            <a:r>
+              <a:rPr lang="ru-RU" sz="1600" dirty="0">
+                <a:solidFill>
+                  <a:srgbClr val="000000"/>
+                </a:solidFill>
+                <a:latin typeface="Courier New"/>
+              </a:rPr>
+              <a:t>	</a:t>
+            </a:r>
+            <a:r>
+              <a:rPr lang="ru-RU" sz="1600" dirty="0" smtClean="0">
+                <a:solidFill>
+                  <a:srgbClr val="000000"/>
+                </a:solidFill>
+                <a:latin typeface="Courier New"/>
+              </a:rPr>
+              <a:t>	</a:t>
+            </a:r>
+            <a:r>
+              <a:rPr lang="en-US" sz="1600" dirty="0" err="1" smtClean="0">
+                <a:solidFill>
+                  <a:srgbClr val="000000"/>
+                </a:solidFill>
+                <a:latin typeface="Courier New"/>
+              </a:rPr>
+              <a:t>Vec</a:t>
+            </a:r>
+            <a:r>
+              <a:rPr lang="en-US" sz="1600" dirty="0" smtClean="0">
+                <a:solidFill>
+                  <a:srgbClr val="000000"/>
+                </a:solidFill>
+                <a:latin typeface="Courier New"/>
+              </a:rPr>
+              <a:t> </a:t>
+            </a:r>
+            <a:r>
+              <a:rPr lang="en-US" sz="1600" dirty="0">
+                <a:solidFill>
+                  <a:srgbClr val="000000"/>
+                </a:solidFill>
+                <a:latin typeface="Courier New"/>
+              </a:rPr>
+              <a:t>MX2 </a:t>
+            </a:r>
+            <a:r>
+              <a:rPr lang="en-US" sz="1600" b="1" dirty="0">
+                <a:solidFill>
+                  <a:srgbClr val="000080"/>
+                </a:solidFill>
+                <a:latin typeface="Courier New"/>
+              </a:rPr>
+              <a:t>=</a:t>
+            </a:r>
+            <a:r>
+              <a:rPr lang="en-US" sz="1600" dirty="0">
+                <a:solidFill>
+                  <a:srgbClr val="000000"/>
+                </a:solidFill>
+                <a:latin typeface="Courier New"/>
+              </a:rPr>
+              <a:t> _mm_xor_si128</a:t>
+            </a:r>
+            <a:r>
+              <a:rPr lang="en-US" sz="1600" b="1" dirty="0">
+                <a:solidFill>
+                  <a:srgbClr val="000080"/>
+                </a:solidFill>
+                <a:latin typeface="Courier New"/>
+              </a:rPr>
+              <a:t>(</a:t>
+            </a:r>
+            <a:r>
+              <a:rPr lang="en-US" sz="1600" dirty="0">
+                <a:solidFill>
+                  <a:srgbClr val="000000"/>
+                </a:solidFill>
+                <a:latin typeface="Courier New"/>
+              </a:rPr>
+              <a:t>M21</a:t>
+            </a:r>
+            <a:r>
+              <a:rPr lang="en-US" sz="1600" b="1" dirty="0">
+                <a:solidFill>
+                  <a:srgbClr val="000080"/>
+                </a:solidFill>
+                <a:latin typeface="Courier New"/>
+              </a:rPr>
+              <a:t>,</a:t>
+            </a:r>
+            <a:r>
+              <a:rPr lang="en-US" sz="1600" dirty="0">
+                <a:solidFill>
+                  <a:srgbClr val="000000"/>
+                </a:solidFill>
+                <a:latin typeface="Courier New"/>
+              </a:rPr>
+              <a:t> M22</a:t>
+            </a:r>
+            <a:r>
+              <a:rPr lang="en-US" sz="1600" b="1" dirty="0">
+                <a:solidFill>
+                  <a:srgbClr val="000080"/>
+                </a:solidFill>
+                <a:latin typeface="Courier New"/>
+              </a:rPr>
+              <a:t>);</a:t>
+            </a:r>
+            <a:r>
+              <a:rPr lang="en-US" sz="1600" dirty="0">
+                <a:solidFill>
+                  <a:srgbClr val="000000"/>
+                </a:solidFill>
+                <a:latin typeface="Courier New"/>
+              </a:rPr>
+              <a:t> </a:t>
+            </a:r>
+            <a:endParaRPr lang="ru-RU" sz="1600" dirty="0" smtClean="0">
+              <a:solidFill>
+                <a:srgbClr val="000000"/>
+              </a:solidFill>
+              <a:latin typeface="Courier New"/>
+            </a:endParaRPr>
+          </a:p>
+          <a:p>
+            <a:r>
+              <a:rPr lang="ru-RU" sz="1600" dirty="0">
+                <a:solidFill>
+                  <a:srgbClr val="000000"/>
+                </a:solidFill>
+                <a:latin typeface="Courier New"/>
+              </a:rPr>
+              <a:t>	</a:t>
+            </a:r>
+            <a:r>
+              <a:rPr lang="ru-RU" sz="1600" dirty="0" smtClean="0">
+                <a:solidFill>
+                  <a:srgbClr val="000000"/>
+                </a:solidFill>
+                <a:latin typeface="Courier New"/>
+              </a:rPr>
+              <a:t>	</a:t>
+            </a:r>
+            <a:r>
+              <a:rPr lang="en-US" sz="1600" dirty="0" smtClean="0">
+                <a:solidFill>
+                  <a:srgbClr val="000000"/>
+                </a:solidFill>
+                <a:latin typeface="Courier New"/>
+              </a:rPr>
+              <a:t>MX1 </a:t>
+            </a:r>
+            <a:r>
+              <a:rPr lang="en-US" sz="1600" b="1" dirty="0">
+                <a:solidFill>
+                  <a:srgbClr val="000080"/>
+                </a:solidFill>
+                <a:latin typeface="Courier New"/>
+              </a:rPr>
+              <a:t>=</a:t>
+            </a:r>
+            <a:r>
+              <a:rPr lang="en-US" sz="1600" dirty="0">
+                <a:solidFill>
+                  <a:srgbClr val="000000"/>
+                </a:solidFill>
+                <a:latin typeface="Courier New"/>
+              </a:rPr>
+              <a:t> _mm_or_si128</a:t>
+            </a:r>
+            <a:r>
+              <a:rPr lang="en-US" sz="1600" b="1" dirty="0">
+                <a:solidFill>
+                  <a:srgbClr val="000080"/>
+                </a:solidFill>
+                <a:latin typeface="Courier New"/>
+              </a:rPr>
+              <a:t>(</a:t>
+            </a:r>
+            <a:r>
+              <a:rPr lang="en-US" sz="1600" dirty="0">
+                <a:solidFill>
+                  <a:srgbClr val="000000"/>
+                </a:solidFill>
+                <a:latin typeface="Courier New"/>
+              </a:rPr>
+              <a:t>MX1</a:t>
+            </a:r>
+            <a:r>
+              <a:rPr lang="en-US" sz="1600" b="1" dirty="0">
+                <a:solidFill>
+                  <a:srgbClr val="000080"/>
+                </a:solidFill>
+                <a:latin typeface="Courier New"/>
+              </a:rPr>
+              <a:t>,</a:t>
+            </a:r>
+            <a:r>
+              <a:rPr lang="en-US" sz="1600" dirty="0">
+                <a:solidFill>
+                  <a:srgbClr val="000000"/>
+                </a:solidFill>
+                <a:latin typeface="Courier New"/>
+              </a:rPr>
+              <a:t> MX2</a:t>
+            </a:r>
+            <a:r>
+              <a:rPr lang="en-US" sz="1600" b="1" dirty="0">
+                <a:solidFill>
+                  <a:srgbClr val="000080"/>
+                </a:solidFill>
+                <a:latin typeface="Courier New"/>
+              </a:rPr>
+              <a:t>);</a:t>
+            </a:r>
+            <a:r>
+              <a:rPr lang="en-US" sz="1600" dirty="0">
+                <a:solidFill>
+                  <a:srgbClr val="000000"/>
+                </a:solidFill>
+                <a:latin typeface="Courier New"/>
+              </a:rPr>
+              <a:t> </a:t>
+            </a:r>
+            <a:endParaRPr lang="ru-RU" sz="1600" dirty="0" smtClean="0">
+              <a:solidFill>
+                <a:srgbClr val="000000"/>
+              </a:solidFill>
+              <a:latin typeface="Courier New"/>
+            </a:endParaRPr>
+          </a:p>
+          <a:p>
+            <a:r>
+              <a:rPr lang="ru-RU" sz="1600" b="1" dirty="0">
+                <a:solidFill>
+                  <a:srgbClr val="000000"/>
+                </a:solidFill>
+                <a:latin typeface="Courier New"/>
+              </a:rPr>
+              <a:t>	</a:t>
+            </a:r>
+            <a:r>
+              <a:rPr lang="ru-RU" sz="1600" b="1" dirty="0" smtClean="0">
+                <a:solidFill>
+                  <a:srgbClr val="000000"/>
+                </a:solidFill>
+                <a:latin typeface="Courier New"/>
+              </a:rPr>
+              <a:t>	</a:t>
+            </a:r>
+            <a:r>
+              <a:rPr lang="en-US" sz="1600" b="1" dirty="0" smtClean="0">
+                <a:solidFill>
+                  <a:srgbClr val="0000FF"/>
+                </a:solidFill>
+                <a:latin typeface="Courier New"/>
+              </a:rPr>
+              <a:t>if</a:t>
+            </a:r>
+            <a:r>
+              <a:rPr lang="ru-RU" sz="1600" dirty="0" smtClean="0">
+                <a:solidFill>
+                  <a:srgbClr val="000000"/>
+                </a:solidFill>
+                <a:latin typeface="Courier New"/>
+              </a:rPr>
+              <a:t> </a:t>
+            </a:r>
+            <a:r>
+              <a:rPr lang="en-US" sz="1600" b="1" dirty="0" smtClean="0">
+                <a:solidFill>
+                  <a:srgbClr val="000080"/>
+                </a:solidFill>
+                <a:latin typeface="Courier New"/>
+              </a:rPr>
+              <a:t>(!</a:t>
+            </a:r>
+            <a:r>
+              <a:rPr lang="en-US" sz="1600" dirty="0" smtClean="0">
+                <a:solidFill>
+                  <a:srgbClr val="000000"/>
+                </a:solidFill>
+                <a:latin typeface="Courier New"/>
+              </a:rPr>
+              <a:t>_</a:t>
+            </a:r>
+            <a:r>
+              <a:rPr lang="en-US" sz="1600" dirty="0">
+                <a:solidFill>
+                  <a:srgbClr val="000000"/>
+                </a:solidFill>
+                <a:latin typeface="Courier New"/>
+              </a:rPr>
+              <a:t>mm_testz_si128</a:t>
+            </a:r>
+            <a:r>
+              <a:rPr lang="en-US" sz="1600" b="1" dirty="0">
+                <a:solidFill>
+                  <a:srgbClr val="000080"/>
+                </a:solidFill>
+                <a:latin typeface="Courier New"/>
+              </a:rPr>
+              <a:t>(</a:t>
+            </a:r>
+            <a:r>
+              <a:rPr lang="en-US" sz="1600" dirty="0">
+                <a:solidFill>
+                  <a:srgbClr val="000000"/>
+                </a:solidFill>
+                <a:latin typeface="Courier New"/>
+              </a:rPr>
+              <a:t>MX1</a:t>
+            </a:r>
+            <a:r>
+              <a:rPr lang="en-US" sz="1600" b="1" dirty="0">
+                <a:solidFill>
+                  <a:srgbClr val="000080"/>
+                </a:solidFill>
+                <a:latin typeface="Courier New"/>
+              </a:rPr>
+              <a:t>,</a:t>
+            </a:r>
+            <a:r>
+              <a:rPr lang="en-US" sz="1600" dirty="0">
+                <a:solidFill>
+                  <a:srgbClr val="000000"/>
+                </a:solidFill>
+                <a:latin typeface="Courier New"/>
+              </a:rPr>
+              <a:t> MX1</a:t>
+            </a:r>
+            <a:r>
+              <a:rPr lang="en-US" sz="1600" b="1" dirty="0" smtClean="0">
+                <a:solidFill>
+                  <a:srgbClr val="000080"/>
+                </a:solidFill>
+                <a:latin typeface="Courier New"/>
+              </a:rPr>
+              <a:t>)){</a:t>
+            </a:r>
+            <a:r>
+              <a:rPr lang="en-US" sz="1600" b="1" dirty="0" smtClean="0">
+                <a:solidFill>
+                  <a:srgbClr val="000000"/>
+                </a:solidFill>
+                <a:latin typeface="Courier New"/>
+              </a:rPr>
+              <a:t> </a:t>
+            </a:r>
+            <a:endParaRPr lang="ru-RU" sz="1600" b="1" dirty="0" smtClean="0">
+              <a:solidFill>
+                <a:srgbClr val="000000"/>
+              </a:solidFill>
+              <a:latin typeface="Courier New"/>
+            </a:endParaRPr>
+          </a:p>
+          <a:p>
+            <a:r>
+              <a:rPr lang="ru-RU" sz="1600" b="1" dirty="0">
+                <a:solidFill>
+                  <a:srgbClr val="000000"/>
+                </a:solidFill>
+                <a:latin typeface="Courier New"/>
+              </a:rPr>
+              <a:t>	</a:t>
+            </a:r>
+            <a:r>
+              <a:rPr lang="ru-RU" sz="1600" b="1" dirty="0" smtClean="0">
+                <a:solidFill>
+                  <a:srgbClr val="000000"/>
+                </a:solidFill>
+                <a:latin typeface="Courier New"/>
+              </a:rPr>
+              <a:t>		</a:t>
+            </a:r>
+            <a:r>
+              <a:rPr lang="en-US" sz="1600" b="1" dirty="0" smtClean="0">
+                <a:solidFill>
+                  <a:srgbClr val="0000FF"/>
+                </a:solidFill>
+                <a:latin typeface="Courier New"/>
+              </a:rPr>
+              <a:t>for</a:t>
+            </a:r>
+            <a:r>
+              <a:rPr lang="en-US" sz="1600" dirty="0" smtClean="0">
+                <a:solidFill>
+                  <a:srgbClr val="000000"/>
+                </a:solidFill>
+                <a:latin typeface="Courier New"/>
+              </a:rPr>
+              <a:t> </a:t>
+            </a:r>
+            <a:r>
+              <a:rPr lang="en-US" sz="1600" b="1" dirty="0">
+                <a:solidFill>
+                  <a:srgbClr val="000080"/>
+                </a:solidFill>
+                <a:latin typeface="Courier New"/>
+              </a:rPr>
+              <a:t>(</a:t>
+            </a:r>
+            <a:r>
+              <a:rPr lang="en-US" sz="1600" dirty="0" err="1">
+                <a:solidFill>
+                  <a:srgbClr val="8000FF"/>
+                </a:solidFill>
+                <a:latin typeface="Courier New"/>
+              </a:rPr>
+              <a:t>int</a:t>
+            </a:r>
+            <a:r>
+              <a:rPr lang="en-US" sz="1600" dirty="0">
+                <a:solidFill>
+                  <a:srgbClr val="000000"/>
+                </a:solidFill>
+                <a:latin typeface="Courier New"/>
+              </a:rPr>
+              <a:t> a </a:t>
+            </a:r>
+            <a:r>
+              <a:rPr lang="en-US" sz="1600" b="1" dirty="0">
+                <a:solidFill>
+                  <a:srgbClr val="000080"/>
+                </a:solidFill>
+                <a:latin typeface="Courier New"/>
+              </a:rPr>
+              <a:t>=</a:t>
+            </a:r>
+            <a:r>
+              <a:rPr lang="en-US" sz="1600" dirty="0">
+                <a:solidFill>
+                  <a:srgbClr val="000000"/>
+                </a:solidFill>
+                <a:latin typeface="Courier New"/>
+              </a:rPr>
+              <a:t> </a:t>
+            </a:r>
+            <a:r>
+              <a:rPr lang="en-US" sz="1600" dirty="0">
+                <a:solidFill>
+                  <a:srgbClr val="FF8000"/>
+                </a:solidFill>
+                <a:latin typeface="Courier New"/>
+              </a:rPr>
+              <a:t>0</a:t>
+            </a:r>
+            <a:r>
+              <a:rPr lang="en-US" sz="1600" b="1" dirty="0">
+                <a:solidFill>
+                  <a:srgbClr val="000080"/>
+                </a:solidFill>
+                <a:latin typeface="Courier New"/>
+              </a:rPr>
+              <a:t>;</a:t>
+            </a:r>
+            <a:r>
+              <a:rPr lang="en-US" sz="1600" dirty="0">
+                <a:solidFill>
+                  <a:srgbClr val="000000"/>
+                </a:solidFill>
+                <a:latin typeface="Courier New"/>
+              </a:rPr>
+              <a:t> a </a:t>
+            </a:r>
+            <a:r>
+              <a:rPr lang="en-US" sz="1600" b="1" dirty="0">
+                <a:solidFill>
+                  <a:srgbClr val="000080"/>
+                </a:solidFill>
+                <a:latin typeface="Courier New"/>
+              </a:rPr>
+              <a:t>&lt;</a:t>
+            </a:r>
+            <a:r>
+              <a:rPr lang="en-US" sz="1600" dirty="0">
+                <a:solidFill>
+                  <a:srgbClr val="000000"/>
+                </a:solidFill>
+                <a:latin typeface="Courier New"/>
+              </a:rPr>
+              <a:t> </a:t>
+            </a:r>
+            <a:r>
+              <a:rPr lang="en-US" sz="1600" dirty="0">
+                <a:solidFill>
+                  <a:srgbClr val="FF8000"/>
+                </a:solidFill>
+                <a:latin typeface="Courier New"/>
+              </a:rPr>
+              <a:t>32</a:t>
+            </a:r>
+            <a:r>
+              <a:rPr lang="en-US" sz="1600" b="1" dirty="0">
+                <a:solidFill>
+                  <a:srgbClr val="000080"/>
+                </a:solidFill>
+                <a:latin typeface="Courier New"/>
+              </a:rPr>
+              <a:t>;</a:t>
+            </a:r>
+            <a:r>
+              <a:rPr lang="en-US" sz="1600" dirty="0">
+                <a:solidFill>
+                  <a:srgbClr val="000000"/>
+                </a:solidFill>
+                <a:latin typeface="Courier New"/>
+              </a:rPr>
+              <a:t> a</a:t>
+            </a:r>
+            <a:r>
+              <a:rPr lang="en-US" sz="1600" b="1" dirty="0">
+                <a:solidFill>
+                  <a:srgbClr val="000080"/>
+                </a:solidFill>
+                <a:latin typeface="Courier New"/>
+              </a:rPr>
+              <a:t>++)</a:t>
+            </a:r>
+            <a:r>
+              <a:rPr lang="en-US" sz="1600" dirty="0">
+                <a:solidFill>
+                  <a:srgbClr val="000000"/>
+                </a:solidFill>
+                <a:latin typeface="Courier New"/>
+              </a:rPr>
+              <a:t> </a:t>
+            </a:r>
+            <a:endParaRPr lang="ru-RU" sz="1600" dirty="0" smtClean="0">
+              <a:solidFill>
+                <a:srgbClr val="000000"/>
+              </a:solidFill>
+              <a:latin typeface="Courier New"/>
+            </a:endParaRPr>
+          </a:p>
+          <a:p>
+            <a:r>
+              <a:rPr lang="ru-RU" sz="1600" b="1" dirty="0">
+                <a:solidFill>
+                  <a:srgbClr val="000000"/>
+                </a:solidFill>
+                <a:latin typeface="Courier New"/>
+              </a:rPr>
+              <a:t>	</a:t>
+            </a:r>
+            <a:r>
+              <a:rPr lang="ru-RU" sz="1600" b="1" dirty="0" smtClean="0">
+                <a:solidFill>
+                  <a:srgbClr val="000000"/>
+                </a:solidFill>
+                <a:latin typeface="Courier New"/>
+              </a:rPr>
+              <a:t>			</a:t>
+            </a:r>
+            <a:r>
+              <a:rPr lang="en-US" sz="1600" b="1" dirty="0" smtClean="0">
+                <a:solidFill>
+                  <a:srgbClr val="0000FF"/>
+                </a:solidFill>
+                <a:latin typeface="Courier New"/>
+              </a:rPr>
+              <a:t>if</a:t>
+            </a:r>
+            <a:r>
+              <a:rPr lang="en-US" sz="1600" dirty="0" smtClean="0">
+                <a:solidFill>
+                  <a:srgbClr val="000000"/>
+                </a:solidFill>
+                <a:latin typeface="Courier New"/>
+              </a:rPr>
+              <a:t> </a:t>
+            </a:r>
+            <a:r>
+              <a:rPr lang="en-US" sz="1600" b="1" dirty="0">
+                <a:solidFill>
+                  <a:srgbClr val="000080"/>
+                </a:solidFill>
+                <a:latin typeface="Courier New"/>
+              </a:rPr>
+              <a:t>(</a:t>
+            </a:r>
+            <a:r>
+              <a:rPr lang="en-US" sz="1600" dirty="0">
+                <a:solidFill>
+                  <a:srgbClr val="000000"/>
+                </a:solidFill>
+                <a:latin typeface="Courier New"/>
+              </a:rPr>
+              <a:t>src_1</a:t>
+            </a:r>
+            <a:r>
+              <a:rPr lang="en-US" sz="1600" b="1" dirty="0">
+                <a:solidFill>
+                  <a:srgbClr val="000080"/>
+                </a:solidFill>
+                <a:latin typeface="Courier New"/>
+              </a:rPr>
+              <a:t>[</a:t>
+            </a:r>
+            <a:r>
+              <a:rPr lang="en-US" sz="1600" dirty="0" err="1">
+                <a:solidFill>
+                  <a:srgbClr val="000000"/>
+                </a:solidFill>
+                <a:latin typeface="Courier New"/>
+              </a:rPr>
+              <a:t>i</a:t>
+            </a:r>
+            <a:r>
+              <a:rPr lang="en-US" sz="1600" dirty="0">
+                <a:solidFill>
+                  <a:srgbClr val="000000"/>
+                </a:solidFill>
+                <a:latin typeface="Courier New"/>
+              </a:rPr>
+              <a:t> </a:t>
+            </a:r>
+            <a:r>
+              <a:rPr lang="en-US" sz="1600" b="1" dirty="0">
+                <a:solidFill>
+                  <a:srgbClr val="000080"/>
+                </a:solidFill>
+                <a:latin typeface="Courier New"/>
+              </a:rPr>
+              <a:t>+</a:t>
+            </a:r>
+            <a:r>
+              <a:rPr lang="en-US" sz="1600" dirty="0">
+                <a:solidFill>
+                  <a:srgbClr val="000000"/>
+                </a:solidFill>
+                <a:latin typeface="Courier New"/>
+              </a:rPr>
+              <a:t> a</a:t>
+            </a:r>
+            <a:r>
+              <a:rPr lang="en-US" sz="1600" b="1" dirty="0">
+                <a:solidFill>
+                  <a:srgbClr val="000080"/>
+                </a:solidFill>
+                <a:latin typeface="Courier New"/>
+              </a:rPr>
+              <a:t>]</a:t>
+            </a:r>
+            <a:r>
+              <a:rPr lang="en-US" sz="1600" dirty="0">
+                <a:solidFill>
+                  <a:srgbClr val="000000"/>
+                </a:solidFill>
+                <a:latin typeface="Courier New"/>
+              </a:rPr>
+              <a:t> </a:t>
+            </a:r>
+            <a:r>
+              <a:rPr lang="en-US" sz="1600" b="1" dirty="0">
+                <a:solidFill>
+                  <a:srgbClr val="000080"/>
+                </a:solidFill>
+                <a:latin typeface="Courier New"/>
+              </a:rPr>
+              <a:t>!=</a:t>
+            </a:r>
+            <a:r>
+              <a:rPr lang="en-US" sz="1600" dirty="0">
+                <a:solidFill>
+                  <a:srgbClr val="000000"/>
+                </a:solidFill>
+                <a:latin typeface="Courier New"/>
+              </a:rPr>
+              <a:t> src_2</a:t>
+            </a:r>
+            <a:r>
+              <a:rPr lang="en-US" sz="1600" b="1" dirty="0">
+                <a:solidFill>
+                  <a:srgbClr val="000080"/>
+                </a:solidFill>
+                <a:latin typeface="Courier New"/>
+              </a:rPr>
+              <a:t>[</a:t>
+            </a:r>
+            <a:r>
+              <a:rPr lang="en-US" sz="1600" dirty="0" err="1">
+                <a:solidFill>
+                  <a:srgbClr val="000000"/>
+                </a:solidFill>
+                <a:latin typeface="Courier New"/>
+              </a:rPr>
+              <a:t>i</a:t>
+            </a:r>
+            <a:r>
+              <a:rPr lang="en-US" sz="1600" dirty="0">
+                <a:solidFill>
+                  <a:srgbClr val="000000"/>
+                </a:solidFill>
+                <a:latin typeface="Courier New"/>
+              </a:rPr>
+              <a:t> </a:t>
+            </a:r>
+            <a:r>
+              <a:rPr lang="en-US" sz="1600" b="1" dirty="0">
+                <a:solidFill>
+                  <a:srgbClr val="000080"/>
+                </a:solidFill>
+                <a:latin typeface="Courier New"/>
+              </a:rPr>
+              <a:t>+</a:t>
+            </a:r>
+            <a:r>
+              <a:rPr lang="en-US" sz="1600" dirty="0">
+                <a:solidFill>
+                  <a:srgbClr val="000000"/>
+                </a:solidFill>
+                <a:latin typeface="Courier New"/>
+              </a:rPr>
+              <a:t> a</a:t>
+            </a:r>
+            <a:r>
+              <a:rPr lang="en-US" sz="1600" b="1" dirty="0" smtClean="0">
+                <a:solidFill>
+                  <a:srgbClr val="000080"/>
+                </a:solidFill>
+                <a:latin typeface="Courier New"/>
+              </a:rPr>
+              <a:t>])</a:t>
+            </a:r>
+            <a:r>
+              <a:rPr lang="en-US" sz="1600" dirty="0" smtClean="0">
+                <a:solidFill>
+                  <a:srgbClr val="000000"/>
+                </a:solidFill>
+                <a:latin typeface="Courier New"/>
+              </a:rPr>
+              <a:t> </a:t>
+            </a:r>
+            <a:endParaRPr lang="ru-RU" sz="1600" dirty="0">
+              <a:solidFill>
+                <a:srgbClr val="000000"/>
+              </a:solidFill>
+              <a:latin typeface="Courier New"/>
+            </a:endParaRPr>
+          </a:p>
+          <a:p>
+            <a:r>
+              <a:rPr lang="ru-RU" sz="1600" b="1" dirty="0" smtClean="0">
+                <a:solidFill>
+                  <a:srgbClr val="000000"/>
+                </a:solidFill>
+                <a:latin typeface="Courier New"/>
+              </a:rPr>
+              <a:t>					</a:t>
+            </a:r>
+            <a:r>
+              <a:rPr lang="en-US" sz="1600" b="1" dirty="0" smtClean="0">
+                <a:solidFill>
+                  <a:srgbClr val="0000FF"/>
+                </a:solidFill>
+                <a:latin typeface="Courier New"/>
+              </a:rPr>
+              <a:t>return</a:t>
+            </a:r>
+            <a:r>
+              <a:rPr lang="en-US" sz="1600" dirty="0" smtClean="0">
+                <a:solidFill>
+                  <a:srgbClr val="000000"/>
+                </a:solidFill>
+                <a:latin typeface="Courier New"/>
+              </a:rPr>
+              <a:t> </a:t>
+            </a:r>
+            <a:r>
+              <a:rPr lang="en-US" sz="1600" dirty="0">
+                <a:solidFill>
+                  <a:srgbClr val="000000"/>
+                </a:solidFill>
+                <a:latin typeface="Courier New"/>
+              </a:rPr>
+              <a:t>src_1</a:t>
+            </a:r>
+            <a:r>
+              <a:rPr lang="en-US" sz="1600" b="1" dirty="0">
+                <a:solidFill>
+                  <a:srgbClr val="000080"/>
+                </a:solidFill>
+                <a:latin typeface="Courier New"/>
+              </a:rPr>
+              <a:t>[</a:t>
+            </a:r>
+            <a:r>
+              <a:rPr lang="en-US" sz="1600" dirty="0" err="1">
+                <a:solidFill>
+                  <a:srgbClr val="000000"/>
+                </a:solidFill>
+                <a:latin typeface="Courier New"/>
+              </a:rPr>
+              <a:t>i</a:t>
+            </a:r>
+            <a:r>
+              <a:rPr lang="en-US" sz="1600" dirty="0">
+                <a:solidFill>
+                  <a:srgbClr val="000000"/>
+                </a:solidFill>
+                <a:latin typeface="Courier New"/>
+              </a:rPr>
+              <a:t> </a:t>
+            </a:r>
+            <a:r>
+              <a:rPr lang="en-US" sz="1600" b="1" dirty="0">
+                <a:solidFill>
+                  <a:srgbClr val="000080"/>
+                </a:solidFill>
+                <a:latin typeface="Courier New"/>
+              </a:rPr>
+              <a:t>+</a:t>
+            </a:r>
+            <a:r>
+              <a:rPr lang="en-US" sz="1600" dirty="0">
+                <a:solidFill>
+                  <a:srgbClr val="000000"/>
+                </a:solidFill>
+                <a:latin typeface="Courier New"/>
+              </a:rPr>
+              <a:t> a</a:t>
+            </a:r>
+            <a:r>
+              <a:rPr lang="en-US" sz="1600" b="1" dirty="0">
+                <a:solidFill>
+                  <a:srgbClr val="000080"/>
+                </a:solidFill>
+                <a:latin typeface="Courier New"/>
+              </a:rPr>
+              <a:t>]</a:t>
+            </a:r>
+            <a:r>
+              <a:rPr lang="en-US" sz="1600" dirty="0">
+                <a:solidFill>
+                  <a:srgbClr val="000000"/>
+                </a:solidFill>
+                <a:latin typeface="Courier New"/>
+              </a:rPr>
+              <a:t> </a:t>
+            </a:r>
+            <a:r>
+              <a:rPr lang="en-US" sz="1600" b="1" dirty="0">
+                <a:solidFill>
+                  <a:srgbClr val="000080"/>
+                </a:solidFill>
+                <a:latin typeface="Courier New"/>
+              </a:rPr>
+              <a:t>&lt;</a:t>
+            </a:r>
+            <a:r>
+              <a:rPr lang="en-US" sz="1600" dirty="0">
+                <a:solidFill>
+                  <a:srgbClr val="000000"/>
+                </a:solidFill>
+                <a:latin typeface="Courier New"/>
+              </a:rPr>
+              <a:t> src_2</a:t>
+            </a:r>
+            <a:r>
+              <a:rPr lang="en-US" sz="1600" b="1" dirty="0">
+                <a:solidFill>
+                  <a:srgbClr val="000080"/>
+                </a:solidFill>
+                <a:latin typeface="Courier New"/>
+              </a:rPr>
+              <a:t>[</a:t>
+            </a:r>
+            <a:r>
+              <a:rPr lang="en-US" sz="1600" dirty="0" err="1">
+                <a:solidFill>
+                  <a:srgbClr val="000000"/>
+                </a:solidFill>
+                <a:latin typeface="Courier New"/>
+              </a:rPr>
+              <a:t>i</a:t>
+            </a:r>
+            <a:r>
+              <a:rPr lang="en-US" sz="1600" dirty="0">
+                <a:solidFill>
+                  <a:srgbClr val="000000"/>
+                </a:solidFill>
+                <a:latin typeface="Courier New"/>
+              </a:rPr>
+              <a:t> </a:t>
+            </a:r>
+            <a:r>
+              <a:rPr lang="en-US" sz="1600" b="1" dirty="0">
+                <a:solidFill>
+                  <a:srgbClr val="000080"/>
+                </a:solidFill>
+                <a:latin typeface="Courier New"/>
+              </a:rPr>
+              <a:t>+</a:t>
+            </a:r>
+            <a:r>
+              <a:rPr lang="en-US" sz="1600" dirty="0">
+                <a:solidFill>
+                  <a:srgbClr val="000000"/>
+                </a:solidFill>
+                <a:latin typeface="Courier New"/>
+              </a:rPr>
+              <a:t> a</a:t>
+            </a:r>
+            <a:r>
+              <a:rPr lang="en-US" sz="1600" b="1" dirty="0">
+                <a:solidFill>
+                  <a:srgbClr val="000080"/>
+                </a:solidFill>
+                <a:latin typeface="Courier New"/>
+              </a:rPr>
+              <a:t>]</a:t>
+            </a:r>
+            <a:r>
+              <a:rPr lang="en-US" sz="1600" dirty="0">
+                <a:solidFill>
+                  <a:srgbClr val="000000"/>
+                </a:solidFill>
+                <a:latin typeface="Courier New"/>
+              </a:rPr>
+              <a:t> </a:t>
+            </a:r>
+            <a:r>
+              <a:rPr lang="en-US" sz="1600" b="1" dirty="0">
+                <a:solidFill>
+                  <a:srgbClr val="000080"/>
+                </a:solidFill>
+                <a:latin typeface="Courier New"/>
+              </a:rPr>
+              <a:t>?</a:t>
+            </a:r>
+            <a:r>
+              <a:rPr lang="en-US" sz="1600" dirty="0">
+                <a:solidFill>
+                  <a:srgbClr val="000000"/>
+                </a:solidFill>
+                <a:latin typeface="Courier New"/>
+              </a:rPr>
+              <a:t> </a:t>
+            </a:r>
+            <a:r>
+              <a:rPr lang="en-US" sz="1600" b="1" dirty="0">
+                <a:solidFill>
+                  <a:srgbClr val="000080"/>
+                </a:solidFill>
+                <a:latin typeface="Courier New"/>
+              </a:rPr>
+              <a:t>-</a:t>
+            </a:r>
+            <a:r>
+              <a:rPr lang="en-US" sz="1600" dirty="0">
+                <a:solidFill>
+                  <a:srgbClr val="FF8000"/>
+                </a:solidFill>
+                <a:latin typeface="Courier New"/>
+              </a:rPr>
+              <a:t>1</a:t>
+            </a:r>
+            <a:r>
+              <a:rPr lang="en-US" sz="1600" dirty="0">
+                <a:solidFill>
+                  <a:srgbClr val="000000"/>
+                </a:solidFill>
+                <a:latin typeface="Courier New"/>
+              </a:rPr>
+              <a:t> </a:t>
+            </a:r>
+            <a:r>
+              <a:rPr lang="en-US" sz="1600" b="1" dirty="0">
+                <a:solidFill>
+                  <a:srgbClr val="000080"/>
+                </a:solidFill>
+                <a:latin typeface="Courier New"/>
+              </a:rPr>
+              <a:t>:</a:t>
+            </a:r>
+            <a:r>
+              <a:rPr lang="en-US" sz="1600" dirty="0">
+                <a:solidFill>
+                  <a:srgbClr val="000000"/>
+                </a:solidFill>
+                <a:latin typeface="Courier New"/>
+              </a:rPr>
+              <a:t> </a:t>
+            </a:r>
+            <a:r>
+              <a:rPr lang="en-US" sz="1600" dirty="0">
+                <a:solidFill>
+                  <a:srgbClr val="FF8000"/>
+                </a:solidFill>
+                <a:latin typeface="Courier New"/>
+              </a:rPr>
+              <a:t>1</a:t>
+            </a:r>
+            <a:r>
+              <a:rPr lang="en-US" sz="1600" b="1" dirty="0">
+                <a:solidFill>
+                  <a:srgbClr val="000080"/>
+                </a:solidFill>
+                <a:latin typeface="Courier New"/>
+              </a:rPr>
+              <a:t>;</a:t>
+            </a:r>
+            <a:r>
+              <a:rPr lang="en-US" sz="1600" dirty="0">
+                <a:solidFill>
+                  <a:srgbClr val="000000"/>
+                </a:solidFill>
+                <a:latin typeface="Courier New"/>
+              </a:rPr>
+              <a:t> </a:t>
+            </a:r>
+            <a:endParaRPr lang="ru-RU" sz="1600" dirty="0" smtClean="0">
+              <a:solidFill>
+                <a:srgbClr val="000000"/>
+              </a:solidFill>
+              <a:latin typeface="Courier New"/>
+            </a:endParaRPr>
+          </a:p>
+          <a:p>
+            <a:r>
+              <a:rPr lang="ru-RU" sz="1600" b="1" dirty="0">
+                <a:solidFill>
+                  <a:srgbClr val="000000"/>
+                </a:solidFill>
+                <a:latin typeface="Courier New"/>
+              </a:rPr>
+              <a:t>	</a:t>
+            </a:r>
+            <a:r>
+              <a:rPr lang="ru-RU" sz="1600" b="1" dirty="0" smtClean="0">
+                <a:solidFill>
+                  <a:srgbClr val="000000"/>
+                </a:solidFill>
+                <a:latin typeface="Courier New"/>
+              </a:rPr>
+              <a:t>	</a:t>
+            </a:r>
+            <a:r>
+              <a:rPr lang="en-US" sz="1600" b="1" dirty="0" smtClean="0">
+                <a:solidFill>
+                  <a:srgbClr val="000080"/>
+                </a:solidFill>
+                <a:latin typeface="Courier New"/>
+              </a:rPr>
+              <a:t>}</a:t>
+            </a:r>
+            <a:r>
+              <a:rPr lang="en-US" sz="1600" dirty="0" smtClean="0">
+                <a:solidFill>
+                  <a:srgbClr val="000000"/>
+                </a:solidFill>
+                <a:latin typeface="Courier New"/>
+              </a:rPr>
+              <a:t> </a:t>
+            </a:r>
+            <a:endParaRPr lang="ru-RU" sz="1600" dirty="0" smtClean="0">
+              <a:solidFill>
+                <a:srgbClr val="000000"/>
+              </a:solidFill>
+              <a:latin typeface="Courier New"/>
+            </a:endParaRPr>
+          </a:p>
+          <a:p>
+            <a:r>
+              <a:rPr lang="ru-RU" sz="1600" b="1" dirty="0">
+                <a:solidFill>
+                  <a:srgbClr val="000000"/>
+                </a:solidFill>
+                <a:latin typeface="Courier New"/>
+              </a:rPr>
+              <a:t>	</a:t>
+            </a:r>
+            <a:r>
+              <a:rPr lang="en-US" sz="1600" b="1" dirty="0" smtClean="0">
+                <a:solidFill>
+                  <a:srgbClr val="000080"/>
+                </a:solidFill>
+                <a:latin typeface="Courier New"/>
+              </a:rPr>
+              <a:t>}</a:t>
+            </a:r>
+            <a:r>
+              <a:rPr lang="en-US" sz="1600" dirty="0" smtClean="0">
+                <a:solidFill>
+                  <a:srgbClr val="000000"/>
+                </a:solidFill>
+                <a:latin typeface="Courier New"/>
+              </a:rPr>
+              <a:t> </a:t>
+            </a:r>
+            <a:endParaRPr lang="ru-RU" sz="1600" dirty="0" smtClean="0">
+              <a:solidFill>
+                <a:srgbClr val="000000"/>
+              </a:solidFill>
+              <a:latin typeface="Courier New"/>
+            </a:endParaRPr>
+          </a:p>
+          <a:p>
+            <a:r>
+              <a:rPr lang="ru-RU" sz="1600" b="1" dirty="0">
+                <a:solidFill>
+                  <a:srgbClr val="000000"/>
+                </a:solidFill>
+                <a:latin typeface="Courier New"/>
+              </a:rPr>
+              <a:t>	</a:t>
+            </a:r>
+            <a:r>
+              <a:rPr lang="en-US" sz="1600" b="1" dirty="0" smtClean="0">
+                <a:solidFill>
+                  <a:srgbClr val="0000FF"/>
+                </a:solidFill>
+                <a:latin typeface="Courier New"/>
+              </a:rPr>
+              <a:t>return</a:t>
+            </a:r>
+            <a:r>
+              <a:rPr lang="en-US" sz="1600" dirty="0" smtClean="0">
+                <a:solidFill>
+                  <a:srgbClr val="000000"/>
+                </a:solidFill>
+                <a:latin typeface="Courier New"/>
+              </a:rPr>
+              <a:t> </a:t>
+            </a:r>
+            <a:r>
+              <a:rPr lang="en-US" sz="1600" dirty="0">
+                <a:solidFill>
+                  <a:srgbClr val="FF8000"/>
+                </a:solidFill>
+                <a:latin typeface="Courier New"/>
+              </a:rPr>
+              <a:t>0</a:t>
+            </a:r>
+            <a:r>
+              <a:rPr lang="en-US" sz="1600" b="1" dirty="0">
+                <a:solidFill>
+                  <a:srgbClr val="000080"/>
+                </a:solidFill>
+                <a:latin typeface="Courier New"/>
+              </a:rPr>
+              <a:t>;</a:t>
+            </a:r>
+            <a:r>
+              <a:rPr lang="en-US" sz="1600" dirty="0">
+                <a:solidFill>
+                  <a:srgbClr val="000000"/>
+                </a:solidFill>
+                <a:latin typeface="Courier New"/>
+              </a:rPr>
+              <a:t> </a:t>
+            </a:r>
+            <a:endParaRPr lang="ru-RU" sz="1600" dirty="0" smtClean="0">
+              <a:solidFill>
+                <a:srgbClr val="000000"/>
+              </a:solidFill>
+              <a:latin typeface="Courier New"/>
+            </a:endParaRPr>
+          </a:p>
+          <a:p>
+            <a:r>
+              <a:rPr lang="en-US" sz="1600" b="1" dirty="0" smtClean="0">
+                <a:solidFill>
+                  <a:srgbClr val="000080"/>
+                </a:solidFill>
+                <a:latin typeface="Courier New"/>
+              </a:rPr>
+              <a:t>}</a:t>
+            </a:r>
+            <a:endParaRPr lang="en-US" sz="1600" dirty="0">
+              <a:effectLst/>
+            </a:endParaRPr>
+          </a:p>
+        </p:txBody>
+      </p:sp>
+      <p:sp>
+        <p:nvSpPr>
+          <p:cNvPr id="6" name="TextBox 5"/>
+          <p:cNvSpPr txBox="1"/>
+          <p:nvPr/>
+        </p:nvSpPr>
+        <p:spPr>
+          <a:xfrm>
+            <a:off x="827584" y="548680"/>
+            <a:ext cx="7344816" cy="523220"/>
+          </a:xfrm>
+          <a:prstGeom prst="rect">
+            <a:avLst/>
+          </a:prstGeom>
+          <a:noFill/>
+        </p:spPr>
+        <p:txBody>
+          <a:bodyPr wrap="square" rtlCol="0">
+            <a:spAutoFit/>
+          </a:bodyPr>
+          <a:lstStyle/>
+          <a:p>
+            <a:pPr algn="ctr"/>
+            <a:r>
+              <a:rPr lang="ru-RU" sz="2800" dirty="0" smtClean="0"/>
+              <a:t>Реализация </a:t>
+            </a:r>
+            <a:r>
+              <a:rPr lang="en-US" sz="2800" dirty="0" smtClean="0"/>
+              <a:t>#2</a:t>
+            </a:r>
+            <a:endParaRPr lang="ru-RU" sz="2800" dirty="0"/>
+          </a:p>
+        </p:txBody>
+      </p:sp>
+    </p:spTree>
+    <p:extLst>
+      <p:ext uri="{BB962C8B-B14F-4D97-AF65-F5344CB8AC3E}">
+        <p14:creationId xmlns:p14="http://schemas.microsoft.com/office/powerpoint/2010/main" val="390655019"/>
+      </p:ext>
+    </p:extLst>
+  </p:cSld>
+  <p:clrMapOvr>
+    <a:masterClrMapping/>
+  </p:clrMapOvr>
+  <p:timing>
+    <p:tnLst>
+      <p:par>
+        <p:cTn id="1" dur="indefinite" restart="never" nodeType="tmRoot"/>
+      </p:par>
+    </p:tnLst>
+  </p:timing>
+</p:sld>
+</file>
+
+<file path=ppt/slides/slide66.xml><?xml version="1.0" encoding="utf-8"?>
+<p:sld xmlns:a="http://schemas.openxmlformats.org/drawingml/2006/main" xmlns:r="http://schemas.openxmlformats.org/officeDocument/2006/relationships" xmlns:p="http://schemas.openxmlformats.org/presentationml/2006/main">
+  <p:cSld>
+    <p:spTree>
+      <p:nvGrpSpPr>
+        <p:cNvPr id="1" name=""/>
+        <p:cNvGrpSpPr/>
+        <p:nvPr/>
+      </p:nvGrpSpPr>
+      <p:grpSpPr>
+        <a:xfrm>
+          <a:off x="0" y="0"/>
+          <a:ext cx="0" cy="0"/>
+          <a:chOff x="0" y="0"/>
+          <a:chExt cx="0" cy="0"/>
+        </a:xfrm>
+      </p:grpSpPr>
+      <p:pic>
+        <p:nvPicPr>
+          <p:cNvPr id="17410" name="Picture 2" descr="chto-vyybraty-ipoteku-ili-potrebitelyskijj-kredit-na-pokupku-zhilyya_l.jpg (700×467)"/>
+          <p:cNvPicPr>
+            <a:picLocks noChangeAspect="1" noChangeArrowheads="1"/>
+          </p:cNvPicPr>
+          <p:nvPr/>
+        </p:nvPicPr>
+        <p:blipFill>
+          <a:blip r:embed="rId2">
+            <a:extLst>
+              <a:ext uri="{28A0092B-C50C-407E-A947-70E740481C1C}">
+                <a14:useLocalDpi xmlns:a14="http://schemas.microsoft.com/office/drawing/2010/main" val="0"/>
+              </a:ext>
+            </a:extLst>
+          </a:blip>
+          <a:srcRect/>
+          <a:stretch>
+            <a:fillRect/>
+          </a:stretch>
+        </p:blipFill>
+        <p:spPr bwMode="auto">
+          <a:xfrm>
+            <a:off x="2771800" y="2348880"/>
+            <a:ext cx="3861192" cy="2575966"/>
+          </a:xfrm>
+          <a:prstGeom prst="rect">
+            <a:avLst/>
+          </a:prstGeom>
+          <a:noFill/>
+          <a:extLst>
+            <a:ext uri="{909E8E84-426E-40DD-AFC4-6F175D3DCCD1}">
+              <a14:hiddenFill xmlns:a14="http://schemas.microsoft.com/office/drawing/2010/main">
+                <a:solidFill>
+                  <a:srgbClr val="FFFFFF"/>
+                </a:solidFill>
+              </a14:hiddenFill>
+            </a:ext>
+          </a:extLst>
+        </p:spPr>
+      </p:pic>
+      <p:sp>
+        <p:nvSpPr>
+          <p:cNvPr id="4" name="TextBox 3"/>
+          <p:cNvSpPr txBox="1"/>
+          <p:nvPr/>
+        </p:nvSpPr>
+        <p:spPr>
+          <a:xfrm>
+            <a:off x="827584" y="548680"/>
+            <a:ext cx="6696744" cy="892552"/>
+          </a:xfrm>
+          <a:prstGeom prst="rect">
+            <a:avLst/>
+          </a:prstGeom>
+          <a:noFill/>
+        </p:spPr>
+        <p:txBody>
+          <a:bodyPr wrap="square" rtlCol="0">
+            <a:spAutoFit/>
+          </a:bodyPr>
+          <a:lstStyle/>
+          <a:p>
+            <a:pPr algn="ctr"/>
+            <a:r>
+              <a:rPr lang="ru-RU" sz="3200" dirty="0" smtClean="0"/>
+              <a:t>Стоит задуматься</a:t>
+            </a:r>
+          </a:p>
+          <a:p>
+            <a:pPr algn="ctr"/>
+            <a:r>
+              <a:rPr lang="ru-RU" sz="2000" dirty="0" smtClean="0"/>
+              <a:t>Или </a:t>
+            </a:r>
+            <a:r>
+              <a:rPr lang="ru-RU" sz="2000" dirty="0" err="1" smtClean="0"/>
+              <a:t>порефакторить</a:t>
+            </a:r>
+            <a:r>
+              <a:rPr lang="ru-RU" sz="2000" dirty="0" smtClean="0"/>
+              <a:t> реализацию </a:t>
+            </a:r>
+            <a:r>
+              <a:rPr lang="en-US" sz="2000" dirty="0" smtClean="0"/>
+              <a:t>#2</a:t>
+            </a:r>
+            <a:endParaRPr lang="ru-RU" sz="2000" dirty="0"/>
+          </a:p>
+        </p:txBody>
+      </p:sp>
+    </p:spTree>
+    <p:extLst>
+      <p:ext uri="{BB962C8B-B14F-4D97-AF65-F5344CB8AC3E}">
+        <p14:creationId xmlns:p14="http://schemas.microsoft.com/office/powerpoint/2010/main" val="2336513015"/>
+      </p:ext>
+    </p:extLst>
+  </p:cSld>
+  <p:clrMapOvr>
+    <a:masterClrMapping/>
+  </p:clrMapOvr>
+  <p:timing>
+    <p:tnLst>
+      <p:par>
+        <p:cTn id="1" dur="indefinite" restart="never" nodeType="tmRoot"/>
+      </p:par>
+    </p:tnLst>
+  </p:timing>
+</p:sld>
+</file>
+
+<file path=ppt/slides/slide67.xml><?xml version="1.0" encoding="utf-8"?>
+<p:sld xmlns:a="http://schemas.openxmlformats.org/drawingml/2006/main" xmlns:r="http://schemas.openxmlformats.org/officeDocument/2006/relationships" xmlns:p="http://schemas.openxmlformats.org/presentationml/2006/main">
+  <p:cSld>
+    <p:spTree>
+      <p:nvGrpSpPr>
+        <p:cNvPr id="1" name=""/>
+        <p:cNvGrpSpPr/>
+        <p:nvPr/>
+      </p:nvGrpSpPr>
+      <p:grpSpPr>
+        <a:xfrm>
+          <a:off x="0" y="0"/>
+          <a:ext cx="0" cy="0"/>
+          <a:chOff x="0" y="0"/>
+          <a:chExt cx="0" cy="0"/>
+        </a:xfrm>
+      </p:grpSpPr>
+      <p:sp>
+        <p:nvSpPr>
+          <p:cNvPr id="2" name="Заголовок 1"/>
+          <p:cNvSpPr>
+            <a:spLocks noGrp="1"/>
+          </p:cNvSpPr>
+          <p:nvPr>
+            <p:ph type="ctrTitle"/>
+          </p:nvPr>
+        </p:nvSpPr>
+        <p:spPr/>
+        <p:txBody>
+          <a:bodyPr/>
+          <a:lstStyle/>
+          <a:p>
+            <a:r>
+              <a:rPr lang="ru-RU" sz="4000" dirty="0" smtClean="0"/>
+              <a:t>Вопросы?</a:t>
+            </a:r>
+            <a:endParaRPr lang="ru-RU" sz="4000" dirty="0"/>
+          </a:p>
+        </p:txBody>
+      </p:sp>
+    </p:spTree>
+    <p:extLst>
+      <p:ext uri="{BB962C8B-B14F-4D97-AF65-F5344CB8AC3E}">
+        <p14:creationId xmlns:p14="http://schemas.microsoft.com/office/powerpoint/2010/main" val="1921532997"/>
+      </p:ext>
+    </p:extLst>
+  </p:cSld>
+  <p:clrMapOvr>
+    <a:masterClrMapping/>
+  </p:clrMapOvr>
+  <mc:AlternateContent xmlns:mc="http://schemas.openxmlformats.org/markup-compatibility/2006" xmlns:p14="http://schemas.microsoft.com/office/powerpoint/2010/main">
+    <mc:Choice Requires="p14">
+      <p:transition p14:dur="10"/>
+    </mc:Choice>
+    <mc:Fallback xmlns="">
+      <p:transition/>
+    </mc:Fallback>
+  </mc:AlternateContent>
+  <p:timing>
+    <p:tnLst>
+      <p:par>
+        <p:cTn id="1" dur="indefinite" restart="never" nodeType="tmRoot"/>
+      </p:par>
+    </p:tnLst>
+  </p:timing>
+</p:sld>
+</file>
+
+<file path=ppt/slides/slide68.xml><?xml version="1.0" encoding="utf-8"?>
+<p:sld xmlns:a="http://schemas.openxmlformats.org/drawingml/2006/main" xmlns:r="http://schemas.openxmlformats.org/officeDocument/2006/relationships" xmlns:p="http://schemas.openxmlformats.org/presentationml/2006/main">
+  <p:cSld>
+    <p:spTree>
+      <p:nvGrpSpPr>
+        <p:cNvPr id="1" name=""/>
+        <p:cNvGrpSpPr/>
+        <p:nvPr/>
+      </p:nvGrpSpPr>
+      <p:grpSpPr>
+        <a:xfrm>
+          <a:off x="0" y="0"/>
+          <a:ext cx="0" cy="0"/>
+          <a:chOff x="0" y="0"/>
+          <a:chExt cx="0" cy="0"/>
+        </a:xfrm>
+      </p:grpSpPr>
+      <p:sp>
+        <p:nvSpPr>
+          <p:cNvPr id="2" name="Заголовок 1"/>
+          <p:cNvSpPr>
+            <a:spLocks noGrp="1"/>
+          </p:cNvSpPr>
+          <p:nvPr>
+            <p:ph type="ctrTitle"/>
+          </p:nvPr>
+        </p:nvSpPr>
+        <p:spPr/>
+        <p:txBody>
+          <a:bodyPr/>
+          <a:lstStyle/>
+          <a:p>
+            <a:r>
+              <a:rPr lang="ru-RU" sz="4000" dirty="0" smtClean="0"/>
+              <a:t>Спасибо за внимание</a:t>
+            </a:r>
+            <a:endParaRPr lang="ru-RU" sz="4000" dirty="0"/>
+          </a:p>
+        </p:txBody>
+      </p:sp>
+    </p:spTree>
+    <p:extLst>
+      <p:ext uri="{BB962C8B-B14F-4D97-AF65-F5344CB8AC3E}">
+        <p14:creationId xmlns:p14="http://schemas.microsoft.com/office/powerpoint/2010/main" val="1049903744"/>
+      </p:ext>
+    </p:extLst>
+  </p:cSld>
+  <p:clrMapOvr>
+    <a:masterClrMapping/>
+  </p:clrMapOvr>
+  <mc:AlternateContent xmlns:mc="http://schemas.openxmlformats.org/markup-compatibility/2006" xmlns:p14="http://schemas.microsoft.com/office/powerpoint/2010/main">
+    <mc:Choice Requires="p14">
+      <p:transition p14:dur="10"/>
+    </mc:Choice>
+    <mc:Fallback xmlns="">
+      <p:transition/>
+    </mc:Fallback>
+  </mc:AlternateContent>
   <p:timing>
     <p:tnLst>
       <p:par>

--- a/simd_presentation.pptx
+++ b/simd_presentation.pptx
@@ -6645,6 +6645,28 @@
         <p:txBody>
           <a:bodyPr/>
           <a:lstStyle/>
+          <a:p>
+            <a:r>
+              <a:rPr lang="en-US" dirty="0" smtClean="0"/>
+              <a:t>SIMD </a:t>
+            </a:r>
+            <a:r>
+              <a:rPr lang="ru-RU" dirty="0" smtClean="0"/>
+              <a:t>требует выравнивания по </a:t>
+            </a:r>
+            <a:r>
+              <a:rPr lang="en-US" dirty="0" smtClean="0"/>
+              <a:t>128</a:t>
+            </a:r>
+            <a:r>
+              <a:rPr lang="ru-RU" dirty="0" smtClean="0"/>
+              <a:t>-битной или 256-битной </a:t>
+            </a:r>
+            <a:r>
+              <a:rPr lang="ru-RU" smtClean="0"/>
+              <a:t>границе соответственно</a:t>
+            </a:r>
+          </a:p>
           <a:p>
             <a:r>
               <a:rPr lang="ru-RU" dirty="0" smtClean="0"/>

--- a/simd_presentation.pptx
+++ b/simd_presentation.pptx
@@ -288,7 +288,7 @@
           <a:p>
             <a:fld id="{0297A1AC-6D3F-47FD-BAF9-A40ABB60A3FB}" type="datetimeFigureOut">
               <a:rPr lang="ru-RU" smtClean="0"/>
-              <a:t>14.05.2017</a:t>
+              <a:t>18.05.2017</a:t>
             </a:fld>
             <a:endParaRPr lang="ru-RU"/>
           </a:p>
@@ -828,7 +828,7 @@
           <a:p>
             <a:fld id="{8CBD93B7-DCEB-432E-81BA-104397692965}" type="datetime1">
               <a:rPr lang="ru-RU" smtClean="0"/>
-              <a:t>14.05.2017</a:t>
+              <a:t>18.05.2017</a:t>
             </a:fld>
             <a:endParaRPr lang="ru-RU"/>
           </a:p>
@@ -1028,7 +1028,7 @@
           <a:p>
             <a:fld id="{6571EA32-C982-4678-B30F-B19D753F96A0}" type="datetime1">
               <a:rPr lang="ru-RU" smtClean="0"/>
-              <a:t>14.05.2017</a:t>
+              <a:t>18.05.2017</a:t>
             </a:fld>
             <a:endParaRPr lang="ru-RU"/>
           </a:p>
@@ -1203,7 +1203,7 @@
           <a:p>
             <a:fld id="{6FD468CD-0BF2-4D41-B52C-322123EA35B8}" type="datetime1">
               <a:rPr lang="ru-RU" smtClean="0"/>
-              <a:t>14.05.2017</a:t>
+              <a:t>18.05.2017</a:t>
             </a:fld>
             <a:endParaRPr lang="ru-RU"/>
           </a:p>
@@ -1368,7 +1368,7 @@
           <a:p>
             <a:fld id="{D68987FD-E0AA-44FE-90BD-FD72ADEE77C2}" type="datetime1">
               <a:rPr lang="ru-RU" smtClean="0"/>
-              <a:t>14.05.2017</a:t>
+              <a:t>18.05.2017</a:t>
             </a:fld>
             <a:endParaRPr lang="ru-RU"/>
           </a:p>
@@ -1616,7 +1616,7 @@
           <a:p>
             <a:fld id="{13226119-BBDF-4A7B-A73C-4C64282A53A4}" type="datetime1">
               <a:rPr lang="ru-RU" smtClean="0"/>
-              <a:t>14.05.2017</a:t>
+              <a:t>18.05.2017</a:t>
             </a:fld>
             <a:endParaRPr lang="ru-RU"/>
           </a:p>
@@ -1934,7 +1934,7 @@
           <a:p>
             <a:fld id="{2717421E-0BC5-42DA-9F0D-0E0F56B7DB34}" type="datetime1">
               <a:rPr lang="ru-RU" smtClean="0"/>
-              <a:t>14.05.2017</a:t>
+              <a:t>18.05.2017</a:t>
             </a:fld>
             <a:endParaRPr lang="ru-RU"/>
           </a:p>
@@ -2400,7 +2400,7 @@
           <a:p>
             <a:fld id="{0D218E0B-C269-4780-83BA-D85D276D2D78}" type="datetime1">
               <a:rPr lang="ru-RU" smtClean="0"/>
-              <a:t>14.05.2017</a:t>
+              <a:t>18.05.2017</a:t>
             </a:fld>
             <a:endParaRPr lang="ru-RU"/>
           </a:p>
@@ -2548,7 +2548,7 @@
           <a:p>
             <a:fld id="{0AD95613-79FF-4A48-817C-2AA8A7CD889B}" type="datetime1">
               <a:rPr lang="ru-RU" smtClean="0"/>
-              <a:t>14.05.2017</a:t>
+              <a:t>18.05.2017</a:t>
             </a:fld>
             <a:endParaRPr lang="ru-RU"/>
           </a:p>
@@ -2638,7 +2638,7 @@
           <a:p>
             <a:fld id="{EA455DE4-4542-4A02-B576-9EA2C03421C1}" type="datetime1">
               <a:rPr lang="ru-RU" smtClean="0"/>
-              <a:t>14.05.2017</a:t>
+              <a:t>18.05.2017</a:t>
             </a:fld>
             <a:endParaRPr lang="ru-RU"/>
           </a:p>
@@ -2912,7 +2912,7 @@
           <a:p>
             <a:fld id="{9649C404-9C10-49A4-B11E-4310285F58C3}" type="datetime1">
               <a:rPr lang="ru-RU" smtClean="0"/>
-              <a:t>14.05.2017</a:t>
+              <a:t>18.05.2017</a:t>
             </a:fld>
             <a:endParaRPr lang="ru-RU"/>
           </a:p>
@@ -3217,7 +3217,7 @@
           <a:p>
             <a:fld id="{F4CCFC1B-750F-4E66-BBD6-CE599B73FBB0}" type="datetime1">
               <a:rPr lang="ru-RU" smtClean="0"/>
-              <a:t>14.05.2017</a:t>
+              <a:t>18.05.2017</a:t>
             </a:fld>
             <a:endParaRPr lang="ru-RU"/>
           </a:p>
@@ -3515,7 +3515,7 @@
           <a:p>
             <a:fld id="{DE1B3ADC-3F80-4389-ADBC-42F693284972}" type="datetime1">
               <a:rPr lang="ru-RU" smtClean="0"/>
-              <a:t>14.05.2017</a:t>
+              <a:t>18.05.2017</a:t>
             </a:fld>
             <a:endParaRPr lang="ru-RU"/>
           </a:p>
@@ -6678,15 +6678,7 @@
             </a:r>
             <a:r>
               <a:rPr lang="ru-RU" dirty="0" smtClean="0"/>
-              <a:t>расширения часто требовали </a:t>
-            </a:r>
-            <a:r>
-              <a:rPr lang="ru-RU" dirty="0" smtClean="0"/>
-              <a:t>выровненности </a:t>
-            </a:r>
-            <a:r>
-              <a:rPr lang="ru-RU" dirty="0" smtClean="0"/>
-              <a:t>обрабатываемых данных</a:t>
+              <a:t>расширения часто требовали выровненности обрабатываемых данных</a:t>
             </a:r>
           </a:p>
           <a:p>
@@ -6700,11 +6692,7 @@
             </a:r>
             <a:r>
               <a:rPr lang="ru-RU" dirty="0" smtClean="0"/>
-              <a:t> </a:t>
-            </a:r>
-            <a:r>
-              <a:rPr lang="ru-RU" dirty="0" smtClean="0"/>
-              <a:t>данными (</a:t>
+              <a:t> данными (</a:t>
             </a:r>
             <a:r>
               <a:rPr lang="en-US" dirty="0" smtClean="0"/>
@@ -6738,13 +6726,13 @@
       </p:sp>
       <p:sp>
         <p:nvSpPr>
-          <p:cNvPr id="4" name="TextBox 3"/>
+          <p:cNvPr id="5" name="TextBox 4"/>
           <p:cNvSpPr txBox="1"/>
           <p:nvPr/>
         </p:nvSpPr>
         <p:spPr>
           <a:xfrm>
-            <a:off x="2411760" y="4869160"/>
+            <a:off x="2427000" y="5661248"/>
             <a:ext cx="4608512" cy="461665"/>
           </a:xfrm>
           <a:prstGeom prst="rect">
@@ -6874,8 +6862,10 @@
                   </a:schemeClr>
                 </a:solidFill>
               </a:rPr>
-              <a:t>расширения часто требовали </a:t>
-            </a:r>
+              <a:t>расширения часто требовали выровненности обрабатываемых данных</a:t>
+            </a:r>
+          </a:p>
+          <a:p>
             <a:r>
               <a:rPr lang="ru-RU" sz="1800" dirty="0" smtClean="0">
                 <a:solidFill>
@@ -6884,7 +6874,17 @@
                   </a:schemeClr>
                 </a:solidFill>
               </a:rPr>
-              <a:t>выровненности </a:t>
+              <a:t>Новые допускают работу с </a:t>
+            </a:r>
+            <a:r>
+              <a:rPr lang="ru-RU" sz="1800" dirty="0" err="1" smtClean="0">
+                <a:solidFill>
+                  <a:schemeClr val="bg1">
+                    <a:lumMod val="85000"/>
+                  </a:schemeClr>
+                </a:solidFill>
+              </a:rPr>
+              <a:t>невыровненными</a:t>
             </a:r>
             <a:r>
               <a:rPr lang="ru-RU" sz="1800" dirty="0" smtClean="0">
@@ -6894,49 +6894,7 @@
                   </a:schemeClr>
                 </a:solidFill>
               </a:rPr>
-              <a:t>обрабатываемых данных</a:t>
-            </a:r>
-          </a:p>
-          <a:p>
-            <a:r>
-              <a:rPr lang="ru-RU" sz="1800" dirty="0" smtClean="0">
-                <a:solidFill>
-                  <a:schemeClr val="bg1">
-                    <a:lumMod val="85000"/>
-                  </a:schemeClr>
-                </a:solidFill>
-              </a:rPr>
-              <a:t>Новые допускают работу с </a:t>
-            </a:r>
-            <a:r>
-              <a:rPr lang="ru-RU" sz="1800" dirty="0" err="1" smtClean="0">
-                <a:solidFill>
-                  <a:schemeClr val="bg1">
-                    <a:lumMod val="85000"/>
-                  </a:schemeClr>
-                </a:solidFill>
-              </a:rPr>
-              <a:t>невыровненными</a:t>
-            </a:r>
-            <a:r>
-              <a:rPr lang="ru-RU" sz="1800" dirty="0" smtClean="0">
-                <a:solidFill>
-                  <a:schemeClr val="bg1">
-                    <a:lumMod val="85000"/>
-                  </a:schemeClr>
-                </a:solidFill>
-              </a:rPr>
-              <a:t> </a:t>
-            </a:r>
-            <a:r>
-              <a:rPr lang="ru-RU" sz="1800" dirty="0" smtClean="0">
-                <a:solidFill>
-                  <a:schemeClr val="bg1">
-                    <a:lumMod val="85000"/>
-                  </a:schemeClr>
-                </a:solidFill>
-              </a:rPr>
-              <a:t>данными (</a:t>
+              <a:t> данными (</a:t>
             </a:r>
             <a:r>
               <a:rPr lang="en-US" sz="1800" dirty="0" smtClean="0">
@@ -13591,7 +13549,7 @@
             </a:r>
             <a:r>
               <a:rPr lang="ru-RU" sz="2000" dirty="0" smtClean="0"/>
-              <a:t>Автоматически определяет</a:t>
+              <a:t>Автоматически</a:t>
             </a:r>
             <a:r>
               <a:rPr lang="en-US" sz="2000" dirty="0" smtClean="0"/>
@@ -13599,7 +13557,7 @@
             </a:r>
             <a:r>
               <a:rPr lang="ru-RU" sz="2000" dirty="0" smtClean="0"/>
-              <a:t> наличие </a:t>
+              <a:t> определяет наличие </a:t>
             </a:r>
             <a:r>
               <a:rPr lang="en-US" sz="2000" dirty="0" smtClean="0"/>
@@ -13607,51 +13565,37 @@
             </a:r>
             <a:r>
               <a:rPr lang="ru-RU" sz="2000" dirty="0" smtClean="0"/>
-              <a:t>расширений создает вектор из нулей типа </a:t>
-            </a:r>
-            <a:r>
-              <a:rPr lang="en-US" sz="2000" dirty="0" smtClean="0"/>
+              <a:t>расширений и в зависимости от этого выбирает нужный размер вектора</a:t>
+            </a:r>
+          </a:p>
+          <a:p>
+            <a:r>
+              <a:rPr lang="en-US" sz="2000" dirty="0" smtClean="0">
+                <a:solidFill>
+                  <a:srgbClr val="2B91AF"/>
+                </a:solidFill>
+                <a:latin typeface="Consolas"/>
+              </a:rPr>
+              <a:t>Vector</a:t>
+            </a:r>
+            <a:r>
+              <a:rPr lang="en-US" sz="2000" dirty="0" smtClean="0">
+                <a:solidFill>
+                  <a:srgbClr val="000000"/>
+                </a:solidFill>
+                <a:latin typeface="Consolas"/>
+              </a:rPr>
+              <a:t>&lt;</a:t>
+            </a:r>
+            <a:r>
+              <a:rPr lang="en-US" sz="2000" dirty="0" smtClean="0">
+                <a:solidFill>
+                  <a:srgbClr val="0000FF"/>
+                </a:solidFill>
+                <a:latin typeface="Consolas"/>
+              </a:rPr>
               <a:t>long</a:t>
             </a:r>
-            <a:endParaRPr lang="ru-RU" sz="2000" dirty="0" smtClean="0"/>
-          </a:p>
-          <a:p>
-            <a:r>
-              <a:rPr lang="en-US" sz="2000" dirty="0">
-                <a:solidFill>
-                  <a:srgbClr val="2B91AF"/>
-                </a:solidFill>
-                <a:latin typeface="Consolas"/>
-              </a:rPr>
-              <a:t>Vector</a:t>
-            </a:r>
-            <a:r>
-              <a:rPr lang="en-US" sz="2000" dirty="0">
-                <a:solidFill>
-                  <a:srgbClr val="000000"/>
-                </a:solidFill>
-                <a:latin typeface="Consolas"/>
-              </a:rPr>
-              <a:t>&lt;</a:t>
-            </a:r>
-            <a:r>
-              <a:rPr lang="en-US" sz="2000" dirty="0">
-                <a:solidFill>
-                  <a:srgbClr val="0000FF"/>
-                </a:solidFill>
-                <a:latin typeface="Consolas"/>
-              </a:rPr>
-              <a:t>long</a:t>
-            </a:r>
-            <a:r>
-              <a:rPr lang="en-US" sz="2000" dirty="0">
-                <a:solidFill>
-                  <a:srgbClr val="000000"/>
-                </a:solidFill>
-                <a:latin typeface="Consolas"/>
-              </a:rPr>
-              <a:t>&gt;.</a:t>
-            </a:r>
             <a:r>
               <a:rPr lang="en-US" sz="2000" dirty="0" smtClean="0">
                 <a:solidFill>
@@ -13659,7 +13603,7 @@
                 </a:solidFill>
                 <a:latin typeface="Consolas"/>
               </a:rPr>
-              <a:t>Zero</a:t>
+              <a:t>&gt;.Zero</a:t>
             </a:r>
             <a:r>
               <a:rPr lang="en-US" sz="2000" dirty="0" smtClean="0"/>
@@ -13667,15 +13611,7 @@
             </a:r>
             <a:r>
               <a:rPr lang="ru-RU" sz="2000" dirty="0" smtClean="0"/>
-              <a:t>создает </a:t>
-            </a:r>
-            <a:r>
-              <a:rPr lang="ru-RU" sz="2000" dirty="0"/>
-              <a:t>вектор из </a:t>
-            </a:r>
-            <a:r>
-              <a:rPr lang="ru-RU" sz="2000" dirty="0" smtClean="0"/>
-              <a:t>нескольких нулей типа</a:t>
+              <a:t>создает вектор из нескольких нулей типа</a:t>
             </a:r>
             <a:r>
               <a:rPr lang="en-US" sz="2000" dirty="0" smtClean="0"/>
@@ -13691,7 +13627,7 @@
               <a:t>long</a:t>
             </a:r>
             <a:r>
-              <a:rPr lang="ru-RU" sz="2000" dirty="0"/>
+              <a:rPr lang="ru-RU" sz="2000" dirty="0" smtClean="0"/>
               <a:t> </a:t>
             </a:r>
             <a:endParaRPr lang="ru-RU" sz="2000" dirty="0" smtClean="0">
@@ -13708,12 +13644,12 @@
               <a:t>Количество зависит от доступных расширений. У меня </a:t>
             </a:r>
             <a:r>
-              <a:rPr lang="en-US" sz="1600" dirty="0" smtClean="0"/>
-              <a:t>8</a:t>
+              <a:rPr lang="ru-RU" sz="1600" dirty="0"/>
+              <a:t>4</a:t>
             </a:r>
             <a:r>
               <a:rPr lang="ru-RU" sz="1600" dirty="0" smtClean="0"/>
-              <a:t> нулей (</a:t>
+              <a:t> нуля (</a:t>
             </a:r>
             <a:r>
               <a:rPr lang="en-US" sz="1600" dirty="0" smtClean="0"/>
@@ -16734,11 +16670,7 @@
             </a:r>
             <a:r>
               <a:rPr lang="ru-RU" dirty="0" smtClean="0"/>
-              <a:t> </a:t>
-            </a:r>
-            <a:r>
-              <a:rPr lang="ru-RU" dirty="0" smtClean="0"/>
-              <a:t>данных сильно сказывается на производительности</a:t>
+              <a:t> данных сильно сказывается на производительности</a:t>
             </a:r>
             <a:endParaRPr lang="ru-RU" dirty="0"/>
           </a:p>
@@ -16835,7 +16767,7 @@
           <a:p>
             <a:r>
               <a:rPr lang="ru-RU" dirty="0" smtClean="0"/>
-              <a:t>Важно сделать всевозможно оптимизации и максимально ускорить код, который есть у вас сейчас</a:t>
+              <a:t>Важно сделать всевозможные оптимизации и максимально ускорить код, который есть у вас сейчас</a:t>
             </a:r>
           </a:p>
           <a:p>
@@ -17222,15 +17154,24 @@
                 </a:solidFill>
                 <a:latin typeface="Consolas"/>
               </a:rPr>
-              <a:t>l, r</a:t>
+              <a:t>l,</a:t>
             </a:r>
             <a:r>
               <a:rPr lang="ru-RU" dirty="0"/>
               <a:t> </a:t>
             </a:r>
             <a:r>
+              <a:rPr lang="en-US" dirty="0" smtClean="0">
+                <a:solidFill>
+                  <a:srgbClr val="000000"/>
+                </a:solidFill>
+                <a:latin typeface="Consolas"/>
+              </a:rPr>
+              <a:t>r</a:t>
+            </a:r>
+            <a:r>
               <a:rPr lang="ru-RU" dirty="0" smtClean="0"/>
-              <a:t>заданы</a:t>
+              <a:t> заданы</a:t>
             </a:r>
             <a:endParaRPr lang="ru-RU" dirty="0"/>
           </a:p>
@@ -23849,13 +23790,10 @@
               <a:t>в </a:t>
             </a:r>
             <a:r>
-              <a:rPr lang="ru-RU" b="1" dirty="0" smtClean="0"/>
-              <a:t>8 </a:t>
-            </a:r>
-            <a:r>
-              <a:rPr lang="ru-RU" b="1" dirty="0"/>
-              <a:t>раза</a:t>
-            </a:r>
+              <a:rPr lang="ru-RU" b="1" smtClean="0"/>
+              <a:t>8 раз</a:t>
+            </a:r>
+            <a:endParaRPr lang="ru-RU" b="1" dirty="0"/>
           </a:p>
         </p:txBody>
       </p:sp>
@@ -26782,7 +26720,17 @@
                   </a:schemeClr>
                 </a:solidFill>
               </a:rPr>
-              <a:t>Будьте </a:t>
+              <a:t>Будьте готовы к тому, что в </a:t>
+            </a:r>
+            <a:r>
+              <a:rPr lang="en-US" sz="2000" dirty="0" smtClean="0">
+                <a:solidFill>
+                  <a:schemeClr val="bg1">
+                    <a:lumMod val="65000"/>
+                  </a:schemeClr>
+                </a:solidFill>
+              </a:rPr>
+              <a:t>C#</a:t>
             </a:r>
             <a:r>
               <a:rPr lang="ru-RU" sz="2000" dirty="0" smtClean="0">
@@ -26792,7 +26740,7 @@
                   </a:schemeClr>
                 </a:solidFill>
               </a:rPr>
-              <a:t>готовы к тому, что в </a:t>
+              <a:t> </a:t>
             </a:r>
             <a:r>
               <a:rPr lang="en-US" sz="2000" dirty="0" smtClean="0">
@@ -26802,7 +26750,7 @@
                   </a:schemeClr>
                 </a:solidFill>
               </a:rPr>
-              <a:t>C#</a:t>
+              <a:t>SIMD</a:t>
             </a:r>
             <a:r>
               <a:rPr lang="ru-RU" sz="2000" dirty="0" smtClean="0">
@@ -26812,7 +26760,7 @@
                   </a:schemeClr>
                 </a:solidFill>
               </a:rPr>
-              <a:t> </a:t>
+              <a:t>-расширения недостаточно быстрые. В </a:t>
             </a:r>
             <a:r>
               <a:rPr lang="en-US" sz="2000" dirty="0" smtClean="0">
@@ -26822,7 +26770,7 @@
                   </a:schemeClr>
                 </a:solidFill>
               </a:rPr>
-              <a:t>SIMD</a:t>
+              <a:t>C++</a:t>
             </a:r>
             <a:r>
               <a:rPr lang="ru-RU" sz="2000" dirty="0" smtClean="0">
@@ -26832,18 +26780,10 @@
                   </a:schemeClr>
                 </a:solidFill>
               </a:rPr>
-              <a:t>-расширения недостаточно быстрые. В </a:t>
-            </a:r>
-            <a:r>
-              <a:rPr lang="en-US" sz="2000" dirty="0" smtClean="0">
-                <a:solidFill>
-                  <a:schemeClr val="bg1">
-                    <a:lumMod val="65000"/>
-                  </a:schemeClr>
-                </a:solidFill>
-              </a:rPr>
-              <a:t>C++</a:t>
-            </a:r>
+              <a:t> быстрее</a:t>
+            </a:r>
+          </a:p>
+          <a:p>
             <a:r>
               <a:rPr lang="ru-RU" sz="2000" dirty="0" smtClean="0">
                 <a:solidFill>
@@ -26852,7 +26792,7 @@
                   </a:schemeClr>
                 </a:solidFill>
               </a:rPr>
-              <a:t> быстрее</a:t>
+              <a:t>Будьте готовы к тому, что в итоге оптимизации не принесут существенного выигрыша</a:t>
             </a:r>
           </a:p>
           <a:p>
@@ -26864,47 +26804,8 @@
                   </a:schemeClr>
                 </a:solidFill>
               </a:rPr>
-              <a:t>Будьте </a:t>
-            </a:r>
-            <a:r>
-              <a:rPr lang="ru-RU" sz="2000" dirty="0" smtClean="0">
-                <a:solidFill>
-                  <a:schemeClr val="bg1">
-                    <a:lumMod val="65000"/>
-                  </a:schemeClr>
-                </a:solidFill>
-              </a:rPr>
-              <a:t>готовы к тому, что в итоге оптимизации не принесут существенного выигрыша</a:t>
-            </a:r>
-          </a:p>
-          <a:p>
-            <a:r>
-              <a:rPr lang="ru-RU" sz="2000" dirty="0" smtClean="0">
-                <a:solidFill>
-                  <a:schemeClr val="bg1">
-                    <a:lumMod val="65000"/>
-                  </a:schemeClr>
-                </a:solidFill>
-              </a:rPr>
-              <a:t>Будьте готовы пожертвовать незначительными оптимизациями </a:t>
-            </a:r>
-            <a:r>
-              <a:rPr lang="ru-RU" sz="2000" dirty="0" smtClean="0">
-                <a:solidFill>
-                  <a:schemeClr val="bg1">
-                    <a:lumMod val="65000"/>
-                  </a:schemeClr>
-                </a:solidFill>
-              </a:rPr>
-              <a:t>в пользу читаемости кода</a:t>
-            </a:r>
-            <a:endParaRPr lang="ru-RU" sz="2000" dirty="0" smtClean="0">
-              <a:solidFill>
-                <a:schemeClr val="bg1">
-                  <a:lumMod val="65000"/>
-                </a:schemeClr>
-              </a:solidFill>
-            </a:endParaRPr>
+              <a:t>Будьте готовы пожертвовать незначительными оптимизациями в пользу читаемости кода</a:t>
+            </a:r>
           </a:p>
         </p:txBody>
       </p:sp>
@@ -27038,7 +26939,17 @@
                   </a:schemeClr>
                 </a:solidFill>
               </a:rPr>
-              <a:t>Будьте </a:t>
+              <a:t>Будьте готовы к тому, что в </a:t>
+            </a:r>
+            <a:r>
+              <a:rPr lang="en-US" sz="2000" dirty="0" smtClean="0">
+                <a:solidFill>
+                  <a:schemeClr val="bg1">
+                    <a:lumMod val="65000"/>
+                  </a:schemeClr>
+                </a:solidFill>
+              </a:rPr>
+              <a:t>C#</a:t>
             </a:r>
             <a:r>
               <a:rPr lang="ru-RU" sz="2000" dirty="0" smtClean="0">
@@ -27048,7 +26959,7 @@
                   </a:schemeClr>
                 </a:solidFill>
               </a:rPr>
-              <a:t>готовы к тому, что в </a:t>
+              <a:t> </a:t>
             </a:r>
             <a:r>
               <a:rPr lang="en-US" sz="2000" dirty="0" smtClean="0">
@@ -27058,7 +26969,7 @@
                   </a:schemeClr>
                 </a:solidFill>
               </a:rPr>
-              <a:t>C#</a:t>
+              <a:t>SIMD</a:t>
             </a:r>
             <a:r>
               <a:rPr lang="ru-RU" sz="2000" dirty="0" smtClean="0">
@@ -27068,7 +26979,7 @@
                   </a:schemeClr>
                 </a:solidFill>
               </a:rPr>
-              <a:t> </a:t>
+              <a:t>-расширения недостаточно быстрые. В </a:t>
             </a:r>
             <a:r>
               <a:rPr lang="en-US" sz="2000" dirty="0" smtClean="0">
@@ -27078,7 +26989,7 @@
                   </a:schemeClr>
                 </a:solidFill>
               </a:rPr>
-              <a:t>SIMD</a:t>
+              <a:t>C++</a:t>
             </a:r>
             <a:r>
               <a:rPr lang="ru-RU" sz="2000" dirty="0" smtClean="0">
@@ -27088,18 +26999,10 @@
                   </a:schemeClr>
                 </a:solidFill>
               </a:rPr>
-              <a:t>-расширения недостаточно быстрые. В </a:t>
-            </a:r>
-            <a:r>
-              <a:rPr lang="en-US" sz="2000" dirty="0" smtClean="0">
-                <a:solidFill>
-                  <a:schemeClr val="bg1">
-                    <a:lumMod val="65000"/>
-                  </a:schemeClr>
-                </a:solidFill>
-              </a:rPr>
-              <a:t>C++</a:t>
-            </a:r>
+              <a:t> быстрее</a:t>
+            </a:r>
+          </a:p>
+          <a:p>
             <a:r>
               <a:rPr lang="ru-RU" sz="2000" dirty="0" smtClean="0">
                 <a:solidFill>
@@ -27108,29 +27011,7 @@
                   </a:schemeClr>
                 </a:solidFill>
               </a:rPr>
-              <a:t> быстрее</a:t>
-            </a:r>
-          </a:p>
-          <a:p>
-            <a:r>
-              <a:rPr lang="ru-RU" sz="2000" dirty="0" smtClean="0">
-                <a:solidFill>
-                  <a:schemeClr val="bg1">
-                    <a:lumMod val="65000"/>
-                  </a:schemeClr>
-                </a:solidFill>
-              </a:rPr>
-              <a:t>Будьте </a:t>
-            </a:r>
-            <a:r>
-              <a:rPr lang="ru-RU" sz="2000" dirty="0" smtClean="0">
-                <a:solidFill>
-                  <a:schemeClr val="bg1">
-                    <a:lumMod val="65000"/>
-                  </a:schemeClr>
-                </a:solidFill>
-              </a:rPr>
-              <a:t>готовы к тому, что в итоге оптимизации не принесут существенного выигрыша</a:t>
+              <a:t>Будьте готовы к тому, что в итоге оптимизации не принесут существенного выигрыша</a:t>
             </a:r>
           </a:p>
           <a:p>
@@ -27277,11 +27158,7 @@
           <a:p>
             <a:r>
               <a:rPr lang="ru-RU" sz="2800" dirty="0" smtClean="0"/>
-              <a:t>Будьте готовы </a:t>
-            </a:r>
-            <a:r>
-              <a:rPr lang="ru-RU" sz="2800" dirty="0" smtClean="0"/>
-              <a:t>работать с низкоуровневым </a:t>
+              <a:t>Будьте готовы работать с низкоуровневым </a:t>
             </a:r>
             <a:r>
               <a:rPr lang="en-US" sz="2800" dirty="0" smtClean="0"/>
@@ -27298,7 +27175,17 @@
                   </a:schemeClr>
                 </a:solidFill>
               </a:rPr>
-              <a:t>Будьте </a:t>
+              <a:t>Будьте готовы к тому, что в </a:t>
+            </a:r>
+            <a:r>
+              <a:rPr lang="en-US" sz="2000" dirty="0" smtClean="0">
+                <a:solidFill>
+                  <a:schemeClr val="bg1">
+                    <a:lumMod val="65000"/>
+                  </a:schemeClr>
+                </a:solidFill>
+              </a:rPr>
+              <a:t>C#</a:t>
             </a:r>
             <a:r>
               <a:rPr lang="ru-RU" sz="2000" dirty="0" smtClean="0">
@@ -27308,7 +27195,7 @@
                   </a:schemeClr>
                 </a:solidFill>
               </a:rPr>
-              <a:t>готовы к тому, что в </a:t>
+              <a:t> </a:t>
             </a:r>
             <a:r>
               <a:rPr lang="en-US" sz="2000" dirty="0" smtClean="0">
@@ -27318,7 +27205,7 @@
                   </a:schemeClr>
                 </a:solidFill>
               </a:rPr>
-              <a:t>C#</a:t>
+              <a:t>SIMD</a:t>
             </a:r>
             <a:r>
               <a:rPr lang="ru-RU" sz="2000" dirty="0" smtClean="0">
@@ -27328,7 +27215,7 @@
                   </a:schemeClr>
                 </a:solidFill>
               </a:rPr>
-              <a:t> </a:t>
+              <a:t>-расширения недостаточно быстрые. В </a:t>
             </a:r>
             <a:r>
               <a:rPr lang="en-US" sz="2000" dirty="0" smtClean="0">
@@ -27338,7 +27225,7 @@
                   </a:schemeClr>
                 </a:solidFill>
               </a:rPr>
-              <a:t>SIMD</a:t>
+              <a:t>C++</a:t>
             </a:r>
             <a:r>
               <a:rPr lang="ru-RU" sz="2000" dirty="0" smtClean="0">
@@ -27348,18 +27235,10 @@
                   </a:schemeClr>
                 </a:solidFill>
               </a:rPr>
-              <a:t>-расширения недостаточно быстрые. В </a:t>
-            </a:r>
-            <a:r>
-              <a:rPr lang="en-US" sz="2000" dirty="0" smtClean="0">
-                <a:solidFill>
-                  <a:schemeClr val="bg1">
-                    <a:lumMod val="65000"/>
-                  </a:schemeClr>
-                </a:solidFill>
-              </a:rPr>
-              <a:t>C++</a:t>
-            </a:r>
+              <a:t> быстрее</a:t>
+            </a:r>
+          </a:p>
+          <a:p>
             <a:r>
               <a:rPr lang="ru-RU" sz="2000" dirty="0" smtClean="0">
                 <a:solidFill>
@@ -27368,29 +27247,7 @@
                   </a:schemeClr>
                 </a:solidFill>
               </a:rPr>
-              <a:t> быстрее</a:t>
-            </a:r>
-          </a:p>
-          <a:p>
-            <a:r>
-              <a:rPr lang="ru-RU" sz="2000" dirty="0" smtClean="0">
-                <a:solidFill>
-                  <a:schemeClr val="bg1">
-                    <a:lumMod val="65000"/>
-                  </a:schemeClr>
-                </a:solidFill>
-              </a:rPr>
-              <a:t>Будьте </a:t>
-            </a:r>
-            <a:r>
-              <a:rPr lang="ru-RU" sz="2000" dirty="0" smtClean="0">
-                <a:solidFill>
-                  <a:schemeClr val="bg1">
-                    <a:lumMod val="65000"/>
-                  </a:schemeClr>
-                </a:solidFill>
-              </a:rPr>
-              <a:t>готовы к тому, что в итоге оптимизации не принесут существенного выигрыша</a:t>
+              <a:t>Будьте готовы к тому, что в итоге оптимизации не принесут существенного выигрыша</a:t>
             </a:r>
           </a:p>
           <a:p>
@@ -27566,11 +27423,7 @@
           <a:p>
             <a:r>
               <a:rPr lang="ru-RU" sz="2800" dirty="0" smtClean="0"/>
-              <a:t>Будьте </a:t>
-            </a:r>
-            <a:r>
-              <a:rPr lang="ru-RU" sz="2800" dirty="0" smtClean="0"/>
-              <a:t>готовы к тому, что в </a:t>
+              <a:t>Будьте готовы к тому, что в </a:t>
             </a:r>
             <a:r>
               <a:rPr lang="en-US" sz="2800" dirty="0" smtClean="0"/>
@@ -27606,17 +27459,7 @@
                   </a:schemeClr>
                 </a:solidFill>
               </a:rPr>
-              <a:t>Будьте </a:t>
-            </a:r>
-            <a:r>
-              <a:rPr lang="ru-RU" sz="2000" dirty="0" smtClean="0">
-                <a:solidFill>
-                  <a:schemeClr val="bg1">
-                    <a:lumMod val="65000"/>
-                  </a:schemeClr>
-                </a:solidFill>
-              </a:rPr>
-              <a:t>готовы к тому, что в итоге оптимизации не принесут существенного выигрыша</a:t>
+              <a:t>Будьте готовы к тому, что в итоге оптимизации не принесут существенного выигрыша</a:t>
             </a:r>
           </a:p>
           <a:p>
@@ -27890,7 +27733,17 @@
                   </a:schemeClr>
                 </a:solidFill>
               </a:rPr>
-              <a:t>Будьте </a:t>
+              <a:t>Будьте готовы к тому, что в </a:t>
+            </a:r>
+            <a:r>
+              <a:rPr lang="en-US" sz="2000" dirty="0" smtClean="0">
+                <a:solidFill>
+                  <a:schemeClr val="bg1">
+                    <a:lumMod val="65000"/>
+                  </a:schemeClr>
+                </a:solidFill>
+              </a:rPr>
+              <a:t>C#</a:t>
             </a:r>
             <a:r>
               <a:rPr lang="ru-RU" sz="2000" dirty="0" smtClean="0">
@@ -27900,7 +27753,7 @@
                   </a:schemeClr>
                 </a:solidFill>
               </a:rPr>
-              <a:t>готовы к тому, что в </a:t>
+              <a:t> </a:t>
             </a:r>
             <a:r>
               <a:rPr lang="en-US" sz="2000" dirty="0" smtClean="0">
@@ -27910,7 +27763,7 @@
                   </a:schemeClr>
                 </a:solidFill>
               </a:rPr>
-              <a:t>C#</a:t>
+              <a:t>SIMD</a:t>
             </a:r>
             <a:r>
               <a:rPr lang="ru-RU" sz="2000" dirty="0" smtClean="0">
@@ -27920,7 +27773,7 @@
                   </a:schemeClr>
                 </a:solidFill>
               </a:rPr>
-              <a:t> </a:t>
+              <a:t>-расширения недостаточно быстрые. В </a:t>
             </a:r>
             <a:r>
               <a:rPr lang="en-US" sz="2000" dirty="0" smtClean="0">
@@ -27930,7 +27783,7 @@
                   </a:schemeClr>
                 </a:solidFill>
               </a:rPr>
-              <a:t>SIMD</a:t>
+              <a:t>C++</a:t>
             </a:r>
             <a:r>
               <a:rPr lang="ru-RU" sz="2000" dirty="0" smtClean="0">
@@ -27940,37 +27793,13 @@
                   </a:schemeClr>
                 </a:solidFill>
               </a:rPr>
-              <a:t>-расширения недостаточно быстрые. В </a:t>
-            </a:r>
-            <a:r>
-              <a:rPr lang="en-US" sz="2000" dirty="0" smtClean="0">
-                <a:solidFill>
-                  <a:schemeClr val="bg1">
-                    <a:lumMod val="65000"/>
-                  </a:schemeClr>
-                </a:solidFill>
-              </a:rPr>
-              <a:t>C++</a:t>
-            </a:r>
-            <a:r>
-              <a:rPr lang="ru-RU" sz="2000" dirty="0" smtClean="0">
-                <a:solidFill>
-                  <a:schemeClr val="bg1">
-                    <a:lumMod val="65000"/>
-                  </a:schemeClr>
-                </a:solidFill>
-              </a:rPr>
               <a:t> быстрее</a:t>
             </a:r>
           </a:p>
           <a:p>
             <a:r>
               <a:rPr lang="ru-RU" sz="2800" dirty="0" smtClean="0"/>
-              <a:t>Будьте </a:t>
-            </a:r>
-            <a:r>
-              <a:rPr lang="ru-RU" sz="2800" dirty="0" smtClean="0"/>
-              <a:t>готовы к тому, что в итоге оптимизации не принесут существенного выигрыша</a:t>
+              <a:t>Будьте готовы к тому, что в итоге оптимизации не принесут существенного выигрыша</a:t>
             </a:r>
           </a:p>
           <a:p>
@@ -28152,7 +27981,17 @@
                   </a:schemeClr>
                 </a:solidFill>
               </a:rPr>
-              <a:t>Будьте </a:t>
+              <a:t>Будьте готовы к тому, что в </a:t>
+            </a:r>
+            <a:r>
+              <a:rPr lang="en-US" sz="2000" dirty="0" smtClean="0">
+                <a:solidFill>
+                  <a:schemeClr val="bg1">
+                    <a:lumMod val="65000"/>
+                  </a:schemeClr>
+                </a:solidFill>
+              </a:rPr>
+              <a:t>C#</a:t>
             </a:r>
             <a:r>
               <a:rPr lang="ru-RU" sz="2000" dirty="0" smtClean="0">
@@ -28162,7 +28001,7 @@
                   </a:schemeClr>
                 </a:solidFill>
               </a:rPr>
-              <a:t>готовы к тому, что в </a:t>
+              <a:t> </a:t>
             </a:r>
             <a:r>
               <a:rPr lang="en-US" sz="2000" dirty="0" smtClean="0">
@@ -28172,7 +28011,7 @@
                   </a:schemeClr>
                 </a:solidFill>
               </a:rPr>
-              <a:t>C#</a:t>
+              <a:t>SIMD</a:t>
             </a:r>
             <a:r>
               <a:rPr lang="ru-RU" sz="2000" dirty="0" smtClean="0">
@@ -28182,7 +28021,7 @@
                   </a:schemeClr>
                 </a:solidFill>
               </a:rPr>
-              <a:t> </a:t>
+              <a:t>-расширения недостаточно быстрые. В </a:t>
             </a:r>
             <a:r>
               <a:rPr lang="en-US" sz="2000" dirty="0" smtClean="0">
@@ -28192,7 +28031,7 @@
                   </a:schemeClr>
                 </a:solidFill>
               </a:rPr>
-              <a:t>SIMD</a:t>
+              <a:t>C++</a:t>
             </a:r>
             <a:r>
               <a:rPr lang="ru-RU" sz="2000" dirty="0" smtClean="0">
@@ -28202,18 +28041,10 @@
                   </a:schemeClr>
                 </a:solidFill>
               </a:rPr>
-              <a:t>-расширения недостаточно быстрые. В </a:t>
-            </a:r>
-            <a:r>
-              <a:rPr lang="en-US" sz="2000" dirty="0" smtClean="0">
-                <a:solidFill>
-                  <a:schemeClr val="bg1">
-                    <a:lumMod val="65000"/>
-                  </a:schemeClr>
-                </a:solidFill>
-              </a:rPr>
-              <a:t>C++</a:t>
-            </a:r>
+              <a:t> быстрее</a:t>
+            </a:r>
+          </a:p>
+          <a:p>
             <a:r>
               <a:rPr lang="ru-RU" sz="2000" dirty="0" smtClean="0">
                 <a:solidFill>
@@ -28222,29 +28053,7 @@
                   </a:schemeClr>
                 </a:solidFill>
               </a:rPr>
-              <a:t> быстрее</a:t>
-            </a:r>
-          </a:p>
-          <a:p>
-            <a:r>
-              <a:rPr lang="ru-RU" sz="2000" dirty="0" smtClean="0">
-                <a:solidFill>
-                  <a:schemeClr val="bg1">
-                    <a:lumMod val="65000"/>
-                  </a:schemeClr>
-                </a:solidFill>
-              </a:rPr>
-              <a:t>Будьте </a:t>
-            </a:r>
-            <a:r>
-              <a:rPr lang="ru-RU" sz="2000" dirty="0" smtClean="0">
-                <a:solidFill>
-                  <a:schemeClr val="bg1">
-                    <a:lumMod val="65000"/>
-                  </a:schemeClr>
-                </a:solidFill>
-              </a:rPr>
-              <a:t>готовы к тому, что в итоге оптимизации не принесут существенного выигрыша</a:t>
+              <a:t>Будьте готовы к тому, что в итоге оптимизации не принесут существенного выигрыша</a:t>
             </a:r>
           </a:p>
           <a:p>
@@ -28254,21 +28063,8 @@
                   <a:srgbClr val="F96767"/>
                 </a:solidFill>
               </a:rPr>
-              <a:t>Будьте готовы пожертвовать незначительными оптимизациями </a:t>
-            </a:r>
-            <a:r>
-              <a:rPr lang="ru-RU" sz="2800" dirty="0" smtClean="0">
-                <a:solidFill>
-                  <a:srgbClr val="F96767"/>
-                </a:solidFill>
-              </a:rPr>
-              <a:t>в пользу читаемости кода</a:t>
-            </a:r>
-            <a:endParaRPr lang="ru-RU" sz="2800" dirty="0" smtClean="0">
-              <a:solidFill>
-                <a:srgbClr val="F96767"/>
-              </a:solidFill>
-            </a:endParaRPr>
+              <a:t>Будьте готовы пожертвовать незначительными оптимизациями в пользу читаемости кода</a:t>
+            </a:r>
           </a:p>
         </p:txBody>
       </p:sp>
